--- a/courses/oopjava/practice1.pptx
+++ b/courses/oopjava/practice1.pptx
@@ -5,14 +5,22 @@
     <p:sldMasterId id="2147483816" r:id="rId1"/>
   </p:sldMasterIdLst>
   <p:notesMasterIdLst>
-    <p:notesMasterId r:id="rId4"/>
+    <p:notesMasterId r:id="rId12"/>
   </p:notesMasterIdLst>
   <p:handoutMasterIdLst>
-    <p:handoutMasterId r:id="rId5"/>
+    <p:handoutMasterId r:id="rId13"/>
   </p:handoutMasterIdLst>
   <p:sldIdLst>
     <p:sldId id="256" r:id="rId2"/>
     <p:sldId id="295" r:id="rId3"/>
+    <p:sldId id="296" r:id="rId4"/>
+    <p:sldId id="297" r:id="rId5"/>
+    <p:sldId id="298" r:id="rId6"/>
+    <p:sldId id="299" r:id="rId7"/>
+    <p:sldId id="300" r:id="rId8"/>
+    <p:sldId id="301" r:id="rId9"/>
+    <p:sldId id="302" r:id="rId10"/>
+    <p:sldId id="303" r:id="rId11"/>
   </p:sldIdLst>
   <p:sldSz cx="9144000" cy="6858000" type="screen4x3"/>
   <p:notesSz cx="6858000" cy="9144000"/>
@@ -143,7 +151,7 @@
   </p:defaultTextStyle>
   <p:extLst>
     <p:ext uri="{EFAFB233-063F-42B5-8137-9DF3F51BA10A}">
-      <p15:sldGuideLst xmlns:p15="http://schemas.microsoft.com/office/powerpoint/2012/main">
+      <p15:sldGuideLst xmlns:p15="http://schemas.microsoft.com/office/powerpoint/2012/main" xmlns="">
         <p15:guide id="1" orient="horz" pos="2160">
           <p15:clr>
             <a:srgbClr val="A4A3A4"/>
@@ -243,7 +251,7 @@
             <a:fld id="{CB44B6B1-5441-9644-AE1C-BB7EA5DBA264}" type="datetimeFigureOut">
               <a:rPr lang="en-US" smtClean="0"/>
               <a:pPr/>
-              <a:t>9/14/18</a:t>
+              <a:t>9/15/2018</a:t>
             </a:fld>
             <a:endParaRPr lang="en-US"/>
           </a:p>
@@ -411,7 +419,7 @@
             <a:fld id="{41878819-472C-A14B-95BF-39C94BA106B2}" type="datetimeFigureOut">
               <a:rPr lang="en-US" smtClean="0"/>
               <a:pPr/>
-              <a:t>9/14/18</a:t>
+              <a:t>9/15/2018</a:t>
             </a:fld>
             <a:endParaRPr lang="en-US"/>
           </a:p>
@@ -866,9 +874,10 @@
           <a:lstStyle/>
           <a:p>
             <a:r>
-              <a:rPr lang="en-US" dirty="0"/>
-              <a:t>Lecture 1: Course Introduction</a:t>
-            </a:r>
+              <a:rPr lang="en-US" smtClean="0"/>
+              <a:t>Exercise 1: Basic</a:t>
+            </a:r>
+            <a:endParaRPr lang="en-US"/>
           </a:p>
         </p:txBody>
       </p:sp>
@@ -888,10 +897,10 @@
           <a:lstStyle/>
           <a:p>
             <a:r>
-              <a:rPr lang="en-GB" dirty="0"/>
-              <a:t>14/09/2018</a:t>
-            </a:r>
-            <a:endParaRPr lang="en-US" dirty="0"/>
+              <a:rPr lang="en-GB" smtClean="0"/>
+              <a:t>15/09/2018</a:t>
+            </a:r>
+            <a:endParaRPr lang="en-US"/>
           </a:p>
         </p:txBody>
       </p:sp>
@@ -1057,10 +1066,10 @@
           </a:lstStyle>
           <a:p>
             <a:r>
-              <a:rPr lang="en-GB" dirty="0"/>
-              <a:t>14/09/2018</a:t>
-            </a:r>
-            <a:endParaRPr lang="en-US" dirty="0"/>
+              <a:rPr lang="en-GB" smtClean="0"/>
+              <a:t>15/09/2018</a:t>
+            </a:r>
+            <a:endParaRPr lang="en-US"/>
           </a:p>
         </p:txBody>
       </p:sp>
@@ -1095,9 +1104,10 @@
               <a:defRPr/>
             </a:pPr>
             <a:r>
-              <a:rPr lang="en-US" dirty="0"/>
-              <a:t>Lecture 1: Course Introduction</a:t>
-            </a:r>
+              <a:rPr lang="en-US" smtClean="0"/>
+              <a:t>Exercise 1: Basic</a:t>
+            </a:r>
+            <a:endParaRPr lang="en-US"/>
           </a:p>
         </p:txBody>
       </p:sp>
@@ -1138,7 +1148,7 @@
               </a:pPr>
               <a:t>‹#›</a:t>
             </a:fld>
-            <a:endParaRPr lang="en-GB" dirty="0"/>
+            <a:endParaRPr lang="en-GB"/>
           </a:p>
         </p:txBody>
       </p:sp>
@@ -1286,10 +1296,10 @@
           </a:lstStyle>
           <a:p>
             <a:r>
-              <a:rPr lang="en-GB" dirty="0"/>
-              <a:t>14/09/2018</a:t>
-            </a:r>
-            <a:endParaRPr lang="en-US" dirty="0"/>
+              <a:rPr lang="en-GB" smtClean="0"/>
+              <a:t>15/09/2018</a:t>
+            </a:r>
+            <a:endParaRPr lang="en-US"/>
           </a:p>
         </p:txBody>
       </p:sp>
@@ -1324,9 +1334,10 @@
               <a:defRPr/>
             </a:pPr>
             <a:r>
-              <a:rPr lang="en-US" dirty="0"/>
-              <a:t>Lecture 1: Course Introduction</a:t>
-            </a:r>
+              <a:rPr lang="en-US" smtClean="0"/>
+              <a:t>Exercise 1: Basic</a:t>
+            </a:r>
+            <a:endParaRPr lang="en-US"/>
           </a:p>
         </p:txBody>
       </p:sp>
@@ -1564,9 +1575,10 @@
           <a:lstStyle/>
           <a:p>
             <a:r>
-              <a:rPr lang="en-US" dirty="0"/>
-              <a:t>Lecture 1: Course Introduction</a:t>
-            </a:r>
+              <a:rPr lang="en-US" smtClean="0"/>
+              <a:t>Exercise 1: Basic</a:t>
+            </a:r>
+            <a:endParaRPr lang="en-US"/>
           </a:p>
         </p:txBody>
       </p:sp>
@@ -1586,10 +1598,10 @@
           <a:lstStyle/>
           <a:p>
             <a:r>
-              <a:rPr lang="mr-IN" dirty="0"/>
-              <a:t>14/09/2018</a:t>
-            </a:r>
-            <a:endParaRPr lang="en-US" dirty="0"/>
+              <a:rPr lang="mr-IN" smtClean="0"/>
+              <a:t>15/09/2018</a:t>
+            </a:r>
+            <a:endParaRPr lang="en-US"/>
           </a:p>
         </p:txBody>
       </p:sp>
@@ -1829,10 +1841,10 @@
               <a:defRPr/>
             </a:pPr>
             <a:r>
-              <a:rPr lang="mr-IN" dirty="0"/>
-              <a:t>14/09/2018</a:t>
-            </a:r>
-            <a:endParaRPr lang="en-US" dirty="0"/>
+              <a:rPr lang="mr-IN" smtClean="0"/>
+              <a:t>15/09/2018</a:t>
+            </a:r>
+            <a:endParaRPr lang="en-US"/>
           </a:p>
         </p:txBody>
       </p:sp>
@@ -1867,9 +1879,10 @@
               <a:defRPr/>
             </a:pPr>
             <a:r>
-              <a:rPr lang="en-US" dirty="0"/>
-              <a:t>Lecture 1: Course Introduction</a:t>
-            </a:r>
+              <a:rPr lang="en-US" smtClean="0"/>
+              <a:t>Exercise 1: Basic</a:t>
+            </a:r>
+            <a:endParaRPr lang="en-US"/>
           </a:p>
         </p:txBody>
       </p:sp>
@@ -1910,7 +1923,7 @@
               </a:pPr>
               <a:t>‹#›</a:t>
             </a:fld>
-            <a:endParaRPr lang="en-GB" dirty="0"/>
+            <a:endParaRPr lang="en-GB"/>
           </a:p>
         </p:txBody>
       </p:sp>
@@ -2172,10 +2185,10 @@
               <a:defRPr/>
             </a:pPr>
             <a:r>
-              <a:rPr lang="mr-IN" dirty="0"/>
-              <a:t>14/09/2018</a:t>
-            </a:r>
-            <a:endParaRPr lang="en-US" dirty="0"/>
+              <a:rPr lang="mr-IN" smtClean="0"/>
+              <a:t>15/09/2018</a:t>
+            </a:r>
+            <a:endParaRPr lang="en-US"/>
           </a:p>
         </p:txBody>
       </p:sp>
@@ -2210,9 +2223,10 @@
               <a:defRPr/>
             </a:pPr>
             <a:r>
-              <a:rPr lang="en-US" dirty="0"/>
-              <a:t>Lecture 1: Course Introduction</a:t>
-            </a:r>
+              <a:rPr lang="en-US" smtClean="0"/>
+              <a:t>Exercise 1: Basic</a:t>
+            </a:r>
+            <a:endParaRPr lang="en-US"/>
           </a:p>
         </p:txBody>
       </p:sp>
@@ -2253,7 +2267,7 @@
               </a:pPr>
               <a:t>‹#›</a:t>
             </a:fld>
-            <a:endParaRPr lang="en-GB" dirty="0"/>
+            <a:endParaRPr lang="en-GB"/>
           </a:p>
         </p:txBody>
       </p:sp>
@@ -2655,10 +2669,10 @@
               <a:defRPr/>
             </a:pPr>
             <a:r>
-              <a:rPr lang="mr-IN" dirty="0"/>
-              <a:t>14/09/2018</a:t>
-            </a:r>
-            <a:endParaRPr lang="en-US" dirty="0"/>
+              <a:rPr lang="mr-IN" smtClean="0"/>
+              <a:t>15/09/2018</a:t>
+            </a:r>
+            <a:endParaRPr lang="en-US"/>
           </a:p>
         </p:txBody>
       </p:sp>
@@ -2693,9 +2707,10 @@
               <a:defRPr/>
             </a:pPr>
             <a:r>
-              <a:rPr lang="en-US" dirty="0"/>
-              <a:t>Lecture 1: Course Introduction</a:t>
-            </a:r>
+              <a:rPr lang="en-US" smtClean="0"/>
+              <a:t>Exercise 1: Basic</a:t>
+            </a:r>
+            <a:endParaRPr lang="en-US"/>
           </a:p>
         </p:txBody>
       </p:sp>
@@ -2736,7 +2751,7 @@
               </a:pPr>
               <a:t>‹#›</a:t>
             </a:fld>
-            <a:endParaRPr lang="en-GB" dirty="0"/>
+            <a:endParaRPr lang="en-GB"/>
           </a:p>
         </p:txBody>
       </p:sp>
@@ -2822,10 +2837,10 @@
               <a:defRPr/>
             </a:pPr>
             <a:r>
-              <a:rPr lang="en-GB" dirty="0"/>
-              <a:t>14/09/2018</a:t>
-            </a:r>
-            <a:endParaRPr lang="en-US" dirty="0"/>
+              <a:rPr lang="en-GB" smtClean="0"/>
+              <a:t>15/09/2018</a:t>
+            </a:r>
+            <a:endParaRPr lang="en-US"/>
           </a:p>
         </p:txBody>
       </p:sp>
@@ -2860,9 +2875,10 @@
               <a:defRPr/>
             </a:pPr>
             <a:r>
-              <a:rPr lang="en-US" dirty="0"/>
-              <a:t>Lecture 1: Course Introduction</a:t>
-            </a:r>
+              <a:rPr lang="en-US" smtClean="0"/>
+              <a:t>Exercise 1: Basic</a:t>
+            </a:r>
+            <a:endParaRPr lang="en-US"/>
           </a:p>
         </p:txBody>
       </p:sp>
@@ -2903,7 +2919,7 @@
               </a:pPr>
               <a:t>‹#›</a:t>
             </a:fld>
-            <a:endParaRPr lang="en-GB" dirty="0"/>
+            <a:endParaRPr lang="en-GB"/>
           </a:p>
         </p:txBody>
       </p:sp>
@@ -2963,10 +2979,10 @@
           </a:lstStyle>
           <a:p>
             <a:r>
-              <a:rPr lang="en-GB" dirty="0"/>
-              <a:t>14/09/2018</a:t>
-            </a:r>
-            <a:endParaRPr lang="en-US" dirty="0"/>
+              <a:rPr lang="en-GB" smtClean="0"/>
+              <a:t>15/09/2018</a:t>
+            </a:r>
+            <a:endParaRPr lang="en-US"/>
           </a:p>
         </p:txBody>
       </p:sp>
@@ -3001,9 +3017,10 @@
               <a:defRPr/>
             </a:pPr>
             <a:r>
-              <a:rPr lang="en-US" dirty="0"/>
-              <a:t>Lecture 1: Course Introduction</a:t>
-            </a:r>
+              <a:rPr lang="en-US" smtClean="0"/>
+              <a:t>Exercise 1: Basic</a:t>
+            </a:r>
+            <a:endParaRPr lang="en-US"/>
           </a:p>
         </p:txBody>
       </p:sp>
@@ -3044,7 +3061,7 @@
               </a:pPr>
               <a:t>‹#›</a:t>
             </a:fld>
-            <a:endParaRPr lang="en-GB" dirty="0"/>
+            <a:endParaRPr lang="en-GB"/>
           </a:p>
         </p:txBody>
       </p:sp>
@@ -3292,10 +3309,10 @@
           </a:lstStyle>
           <a:p>
             <a:r>
-              <a:rPr lang="en-GB" dirty="0"/>
-              <a:t>14/09/2018</a:t>
-            </a:r>
-            <a:endParaRPr lang="en-US" dirty="0"/>
+              <a:rPr lang="en-GB" smtClean="0"/>
+              <a:t>15/09/2018</a:t>
+            </a:r>
+            <a:endParaRPr lang="en-US"/>
           </a:p>
         </p:txBody>
       </p:sp>
@@ -3330,9 +3347,10 @@
               <a:defRPr/>
             </a:pPr>
             <a:r>
-              <a:rPr lang="en-US" dirty="0"/>
-              <a:t>Lecture 1: Course Introduction</a:t>
-            </a:r>
+              <a:rPr lang="en-US" smtClean="0"/>
+              <a:t>Exercise 1: Basic</a:t>
+            </a:r>
+            <a:endParaRPr lang="en-US"/>
           </a:p>
         </p:txBody>
       </p:sp>
@@ -3373,7 +3391,7 @@
               </a:pPr>
               <a:t>‹#›</a:t>
             </a:fld>
-            <a:endParaRPr lang="en-GB" dirty="0"/>
+            <a:endParaRPr lang="en-GB"/>
           </a:p>
         </p:txBody>
       </p:sp>
@@ -3602,10 +3620,10 @@
           </a:lstStyle>
           <a:p>
             <a:r>
-              <a:rPr lang="en-GB" dirty="0"/>
-              <a:t>14/09/2018</a:t>
-            </a:r>
-            <a:endParaRPr lang="en-US" dirty="0"/>
+              <a:rPr lang="en-GB" smtClean="0"/>
+              <a:t>15/09/2018</a:t>
+            </a:r>
+            <a:endParaRPr lang="en-US"/>
           </a:p>
         </p:txBody>
       </p:sp>
@@ -3640,9 +3658,10 @@
               <a:defRPr/>
             </a:pPr>
             <a:r>
-              <a:rPr lang="en-US" dirty="0"/>
-              <a:t>Lecture 1: Course Introduction</a:t>
-            </a:r>
+              <a:rPr lang="en-US" smtClean="0"/>
+              <a:t>Exercise 1: Basic</a:t>
+            </a:r>
+            <a:endParaRPr lang="en-US"/>
           </a:p>
         </p:txBody>
       </p:sp>
@@ -3683,7 +3702,7 @@
               </a:pPr>
               <a:t>‹#›</a:t>
             </a:fld>
-            <a:endParaRPr lang="en-GB" dirty="0"/>
+            <a:endParaRPr lang="en-GB"/>
           </a:p>
         </p:txBody>
       </p:sp>
@@ -3911,9 +3930,10 @@
           </a:lstStyle>
           <a:p>
             <a:r>
-              <a:rPr lang="en-US" dirty="0"/>
-              <a:t>Lecture 1: Course Introduction</a:t>
-            </a:r>
+              <a:rPr lang="en-US" smtClean="0"/>
+              <a:t>Exercise 1: Basic</a:t>
+            </a:r>
+            <a:endParaRPr lang="en-US"/>
           </a:p>
         </p:txBody>
       </p:sp>
@@ -3951,10 +3971,10 @@
           </a:lstStyle>
           <a:p>
             <a:r>
-              <a:rPr lang="en-GB" dirty="0"/>
-              <a:t>14/09/2018</a:t>
-            </a:r>
-            <a:endParaRPr lang="en-US" dirty="0"/>
+              <a:rPr lang="en-GB" smtClean="0"/>
+              <a:t>15/09/2018</a:t>
+            </a:r>
+            <a:endParaRPr lang="en-US"/>
           </a:p>
         </p:txBody>
       </p:sp>
@@ -3995,7 +4015,7 @@
               <a:rPr lang="en-US" smtClean="0"/>
               <a:t>‹#›</a:t>
             </a:fld>
-            <a:endParaRPr lang="en-US" dirty="0"/>
+            <a:endParaRPr lang="en-US"/>
           </a:p>
         </p:txBody>
       </p:sp>
@@ -4455,7 +4475,7 @@
           <a:p>
             <a:pPr algn="ctr" eaLnBrk="1" hangingPunct="1"/>
             <a:r>
-              <a:rPr lang="en-US" dirty="0"/>
+              <a:rPr lang="en-US"/>
               <a:t>Object-Oriented Programming with Java</a:t>
             </a:r>
           </a:p>
@@ -4490,7 +4510,7 @@
               <a:defRPr/>
             </a:pPr>
             <a:r>
-              <a:rPr lang="en-US" dirty="0">
+              <a:rPr lang="en-US">
                 <a:ea typeface="+mn-ea"/>
                 <a:cs typeface="+mn-cs"/>
               </a:rPr>
@@ -4507,13 +4527,13 @@
               <a:defRPr/>
             </a:pPr>
             <a:r>
-              <a:rPr lang="en-US" dirty="0" err="1">
+              <a:rPr lang="en-US" err="1">
                 <a:ea typeface="+mn-ea"/>
                 <a:cs typeface="+mn-cs"/>
               </a:rPr>
               <a:t>thanqminh.com</a:t>
             </a:r>
-            <a:endParaRPr lang="en-US" dirty="0">
+            <a:endParaRPr lang="en-US">
               <a:ea typeface="+mn-ea"/>
               <a:cs typeface="+mn-cs"/>
             </a:endParaRPr>
@@ -4528,20 +4548,20 @@
               <a:defRPr/>
             </a:pPr>
             <a:r>
-              <a:rPr lang="en-US" dirty="0">
+              <a:rPr lang="en-US">
                 <a:ea typeface="+mn-ea"/>
                 <a:cs typeface="+mn-cs"/>
               </a:rPr>
               <a:t>Course URL: /courses/</a:t>
             </a:r>
             <a:r>
-              <a:rPr lang="en-US" dirty="0" err="1">
+              <a:rPr lang="en-US" err="1">
                 <a:ea typeface="+mn-ea"/>
                 <a:cs typeface="+mn-cs"/>
               </a:rPr>
               <a:t>oopjava</a:t>
             </a:r>
-            <a:endParaRPr lang="en-US" dirty="0">
+            <a:endParaRPr lang="en-US">
               <a:ea typeface="+mn-ea"/>
               <a:cs typeface="+mn-cs"/>
             </a:endParaRPr>
@@ -4564,7 +4584,7 @@
           <a:lstStyle/>
           <a:p>
             <a:r>
-              <a:rPr lang="en-US" dirty="0"/>
+              <a:rPr lang="en-US"/>
               <a:t>Exercise 1: Basic</a:t>
             </a:r>
           </a:p>
@@ -4594,6 +4614,481 @@
         </p:txBody>
       </p:sp>
     </p:spTree>
+  </p:cSld>
+  <p:clrMapOvr>
+    <a:masterClrMapping/>
+  </p:clrMapOvr>
+  <p:transition spd="med">
+    <p:wipe dir="r"/>
+  </p:transition>
+  <p:timing>
+    <p:tnLst>
+      <p:par>
+        <p:cTn id="1" dur="indefinite" restart="never" nodeType="tmRoot"/>
+      </p:par>
+    </p:tnLst>
+  </p:timing>
+</p:sld>
+</file>
+
+<file path=ppt/slides/slide10.xml><?xml version="1.0" encoding="utf-8"?>
+<p:sld xmlns:a="http://schemas.openxmlformats.org/drawingml/2006/main" xmlns:r="http://schemas.openxmlformats.org/officeDocument/2006/relationships" xmlns:p="http://schemas.openxmlformats.org/presentationml/2006/main">
+  <p:cSld>
+    <p:spTree>
+      <p:nvGrpSpPr>
+        <p:cNvPr id="1" name=""/>
+        <p:cNvGrpSpPr/>
+        <p:nvPr/>
+      </p:nvGrpSpPr>
+      <p:grpSpPr>
+        <a:xfrm>
+          <a:off x="0" y="0"/>
+          <a:ext cx="0" cy="0"/>
+          <a:chOff x="0" y="0"/>
+          <a:chExt cx="0" cy="0"/>
+        </a:xfrm>
+      </p:grpSpPr>
+      <p:sp>
+        <p:nvSpPr>
+          <p:cNvPr id="2" name="Title 1"/>
+          <p:cNvSpPr>
+            <a:spLocks noGrp="1"/>
+          </p:cNvSpPr>
+          <p:nvPr>
+            <p:ph type="title"/>
+          </p:nvPr>
+        </p:nvSpPr>
+        <p:spPr/>
+        <p:txBody>
+          <a:bodyPr/>
+          <a:lstStyle/>
+          <a:p>
+            <a:r>
+              <a:rPr lang="en-US" smtClean="0"/>
+              <a:t>Entry Point (cont.)</a:t>
+            </a:r>
+            <a:endParaRPr lang="en-GB"/>
+          </a:p>
+        </p:txBody>
+      </p:sp>
+      <p:sp>
+        <p:nvSpPr>
+          <p:cNvPr id="3" name="Content Placeholder 2"/>
+          <p:cNvSpPr>
+            <a:spLocks noGrp="1"/>
+          </p:cNvSpPr>
+          <p:nvPr>
+            <p:ph idx="1"/>
+          </p:nvPr>
+        </p:nvSpPr>
+        <p:spPr>
+          <a:xfrm>
+            <a:off x="457200" y="1073253"/>
+            <a:ext cx="8229600" cy="5113791"/>
+          </a:xfrm>
+        </p:spPr>
+        <p:txBody>
+          <a:bodyPr/>
+          <a:lstStyle/>
+          <a:p>
+            <a:pPr marL="0" indent="0">
+              <a:buNone/>
+            </a:pPr>
+            <a:r>
+              <a:rPr lang="en-GB" sz="1800"/>
+              <a:t>public class EntryPoint {</a:t>
+            </a:r>
+          </a:p>
+          <a:p>
+            <a:pPr marL="0" indent="0">
+              <a:buNone/>
+            </a:pPr>
+            <a:r>
+              <a:rPr lang="en-US" sz="1800"/>
+              <a:t>  public static void bar(String s) { System.out.println(s);}  </a:t>
+            </a:r>
+          </a:p>
+          <a:p>
+            <a:pPr marL="0" indent="0">
+              <a:buNone/>
+            </a:pPr>
+            <a:r>
+              <a:rPr lang="en-GB" sz="1800"/>
+              <a:t>  public static void main(String[] args) {</a:t>
+            </a:r>
+          </a:p>
+          <a:p>
+            <a:pPr marL="0" indent="0">
+              <a:buNone/>
+            </a:pPr>
+            <a:r>
+              <a:rPr lang="en-US" sz="1800"/>
+              <a:t> </a:t>
+            </a:r>
+            <a:r>
+              <a:rPr lang="en-US" sz="1800" smtClean="0"/>
+              <a:t>     System.out.println</a:t>
+            </a:r>
+            <a:r>
+              <a:rPr lang="en-US" sz="1800"/>
+              <a:t>("</a:t>
+            </a:r>
+            <a:r>
+              <a:rPr lang="en-US" sz="1800"/>
+              <a:t>Calling </a:t>
+            </a:r>
+            <a:r>
+              <a:rPr lang="en-US" sz="1800" smtClean="0"/>
+              <a:t>EntryPoint2");</a:t>
+            </a:r>
+            <a:endParaRPr lang="en-US" sz="1800"/>
+          </a:p>
+          <a:p>
+            <a:pPr marL="0" indent="0">
+              <a:buNone/>
+            </a:pPr>
+            <a:r>
+              <a:rPr lang="en-US" sz="1800"/>
+              <a:t>      </a:t>
+            </a:r>
+            <a:r>
+              <a:rPr lang="en-US" sz="1800" smtClean="0"/>
+              <a:t>System.out.println(EntryPoint2.foo(args[0])); </a:t>
+            </a:r>
+          </a:p>
+          <a:p>
+            <a:pPr marL="0" indent="0">
+              <a:buNone/>
+            </a:pPr>
+            <a:r>
+              <a:rPr lang="en-US" sz="1800" smtClean="0"/>
+              <a:t>      System.out.println(EntryPoint2.foo(args[1])); </a:t>
+            </a:r>
+          </a:p>
+          <a:p>
+            <a:pPr marL="0" indent="0">
+              <a:buNone/>
+            </a:pPr>
+            <a:r>
+              <a:rPr lang="en-US" sz="1800"/>
+              <a:t> </a:t>
+            </a:r>
+            <a:r>
+              <a:rPr lang="en-US" sz="1800" smtClean="0"/>
+              <a:t>     //EntryPoint2.main(args);</a:t>
+            </a:r>
+          </a:p>
+          <a:p>
+            <a:pPr marL="0" indent="0">
+              <a:buNone/>
+            </a:pPr>
+            <a:r>
+              <a:rPr lang="en-US" sz="1800" smtClean="0"/>
+              <a:t>      </a:t>
+            </a:r>
+            <a:r>
+              <a:rPr lang="en-US" sz="1800"/>
+              <a:t>System.out.println("</a:t>
+            </a:r>
+            <a:r>
+              <a:rPr lang="en-US" sz="1800"/>
+              <a:t>Calling </a:t>
+            </a:r>
+            <a:r>
+              <a:rPr lang="en-US" sz="1800" smtClean="0"/>
+              <a:t>me - EntryPoint");  </a:t>
+            </a:r>
+          </a:p>
+          <a:p>
+            <a:pPr marL="0" indent="0">
+              <a:buNone/>
+            </a:pPr>
+            <a:r>
+              <a:rPr lang="en-US" sz="1800" smtClean="0"/>
+              <a:t>       System.out.println(args[0]);  System.out.println(args[1]);</a:t>
+            </a:r>
+            <a:endParaRPr lang="en-US" sz="1800"/>
+          </a:p>
+          <a:p>
+            <a:pPr marL="0" indent="0">
+              <a:buNone/>
+            </a:pPr>
+            <a:r>
+              <a:rPr lang="en-US" sz="1800" smtClean="0"/>
+              <a:t>       bar(args[0]); bar(args[1]);        </a:t>
+            </a:r>
+          </a:p>
+          <a:p>
+            <a:pPr marL="0" indent="0">
+              <a:buNone/>
+            </a:pPr>
+            <a:r>
+              <a:rPr lang="en-US" sz="1800" smtClean="0"/>
+              <a:t>   }</a:t>
+            </a:r>
+            <a:endParaRPr lang="en-US" sz="1800"/>
+          </a:p>
+          <a:p>
+            <a:pPr marL="0" indent="0">
+              <a:buNone/>
+            </a:pPr>
+            <a:r>
+              <a:rPr lang="en-US" sz="1800" smtClean="0"/>
+              <a:t>}</a:t>
+            </a:r>
+            <a:endParaRPr lang="en-US" sz="1800"/>
+          </a:p>
+          <a:p>
+            <a:r>
+              <a:rPr lang="en-US" smtClean="0"/>
+              <a:t>java EntryPoint string0 string1</a:t>
+            </a:r>
+          </a:p>
+          <a:p>
+            <a:r>
+              <a:rPr lang="en-US" smtClean="0"/>
+              <a:t>java EntryPoint2 string0 string1</a:t>
+            </a:r>
+          </a:p>
+          <a:p>
+            <a:endParaRPr lang="en-US"/>
+          </a:p>
+          <a:p>
+            <a:endParaRPr lang="en-US" smtClean="0"/>
+          </a:p>
+          <a:p>
+            <a:endParaRPr lang="en-US"/>
+          </a:p>
+          <a:p>
+            <a:endParaRPr lang="en-US" smtClean="0"/>
+          </a:p>
+          <a:p>
+            <a:endParaRPr lang="en-US"/>
+          </a:p>
+          <a:p>
+            <a:endParaRPr lang="en-US" smtClean="0"/>
+          </a:p>
+          <a:p>
+            <a:endParaRPr lang="en-US"/>
+          </a:p>
+          <a:p>
+            <a:endParaRPr lang="en-US" smtClean="0"/>
+          </a:p>
+          <a:p>
+            <a:endParaRPr lang="en-US"/>
+          </a:p>
+          <a:p>
+            <a:endParaRPr lang="en-US" smtClean="0"/>
+          </a:p>
+          <a:p>
+            <a:endParaRPr lang="en-US"/>
+          </a:p>
+          <a:p>
+            <a:endParaRPr lang="en-US" smtClean="0"/>
+          </a:p>
+          <a:p>
+            <a:endParaRPr lang="en-US"/>
+          </a:p>
+          <a:p>
+            <a:endParaRPr lang="en-US" smtClean="0"/>
+          </a:p>
+          <a:p>
+            <a:endParaRPr lang="en-US"/>
+          </a:p>
+          <a:p>
+            <a:endParaRPr lang="en-US" smtClean="0"/>
+          </a:p>
+          <a:p>
+            <a:endParaRPr lang="en-US"/>
+          </a:p>
+          <a:p>
+            <a:endParaRPr lang="en-US" smtClean="0"/>
+          </a:p>
+          <a:p>
+            <a:endParaRPr lang="en-US"/>
+          </a:p>
+          <a:p>
+            <a:endParaRPr lang="en-US" smtClean="0"/>
+          </a:p>
+          <a:p>
+            <a:endParaRPr lang="en-US"/>
+          </a:p>
+          <a:p>
+            <a:endParaRPr lang="en-US" smtClean="0"/>
+          </a:p>
+          <a:p>
+            <a:endParaRPr lang="en-US"/>
+          </a:p>
+          <a:p>
+            <a:endParaRPr lang="en-US" smtClean="0"/>
+          </a:p>
+          <a:p>
+            <a:endParaRPr lang="en-US"/>
+          </a:p>
+          <a:p>
+            <a:endParaRPr lang="en-US" smtClean="0"/>
+          </a:p>
+          <a:p>
+            <a:endParaRPr lang="en-US"/>
+          </a:p>
+          <a:p>
+            <a:endParaRPr lang="en-US" smtClean="0"/>
+          </a:p>
+          <a:p>
+            <a:endParaRPr lang="en-US"/>
+          </a:p>
+          <a:p>
+            <a:endParaRPr lang="en-US" smtClean="0"/>
+          </a:p>
+          <a:p>
+            <a:endParaRPr lang="en-US"/>
+          </a:p>
+          <a:p>
+            <a:endParaRPr lang="en-US" smtClean="0"/>
+          </a:p>
+          <a:p>
+            <a:endParaRPr lang="en-US"/>
+          </a:p>
+          <a:p>
+            <a:endParaRPr lang="en-US" smtClean="0"/>
+          </a:p>
+          <a:p>
+            <a:endParaRPr lang="en-US"/>
+          </a:p>
+          <a:p>
+            <a:endParaRPr lang="en-US" smtClean="0"/>
+          </a:p>
+          <a:p>
+            <a:endParaRPr lang="en-US"/>
+          </a:p>
+          <a:p>
+            <a:endParaRPr lang="en-US" smtClean="0"/>
+          </a:p>
+          <a:p>
+            <a:endParaRPr lang="en-US"/>
+          </a:p>
+          <a:p>
+            <a:endParaRPr lang="en-US" smtClean="0"/>
+          </a:p>
+          <a:p>
+            <a:endParaRPr lang="en-US"/>
+          </a:p>
+          <a:p>
+            <a:endParaRPr lang="en-US" smtClean="0"/>
+          </a:p>
+          <a:p>
+            <a:endParaRPr lang="en-US"/>
+          </a:p>
+          <a:p>
+            <a:endParaRPr lang="en-US" smtClean="0"/>
+          </a:p>
+          <a:p>
+            <a:endParaRPr lang="en-US"/>
+          </a:p>
+          <a:p>
+            <a:endParaRPr lang="en-US" smtClean="0"/>
+          </a:p>
+          <a:p>
+            <a:endParaRPr lang="en-US"/>
+          </a:p>
+          <a:p>
+            <a:endParaRPr lang="en-US" smtClean="0"/>
+          </a:p>
+          <a:p>
+            <a:endParaRPr lang="en-US"/>
+          </a:p>
+          <a:p>
+            <a:endParaRPr lang="en-US" smtClean="0"/>
+          </a:p>
+          <a:p>
+            <a:endParaRPr lang="en-US"/>
+          </a:p>
+          <a:p>
+            <a:endParaRPr lang="en-US" smtClean="0"/>
+          </a:p>
+          <a:p>
+            <a:endParaRPr lang="en-US"/>
+          </a:p>
+          <a:p>
+            <a:endParaRPr lang="en-GB"/>
+          </a:p>
+        </p:txBody>
+      </p:sp>
+      <p:sp>
+        <p:nvSpPr>
+          <p:cNvPr id="4" name="Footer Placeholder 3"/>
+          <p:cNvSpPr>
+            <a:spLocks noGrp="1"/>
+          </p:cNvSpPr>
+          <p:nvPr>
+            <p:ph type="ftr" sz="quarter" idx="10"/>
+          </p:nvPr>
+        </p:nvSpPr>
+        <p:spPr/>
+        <p:txBody>
+          <a:bodyPr/>
+          <a:lstStyle/>
+          <a:p>
+            <a:r>
+              <a:rPr lang="en-US" smtClean="0"/>
+              <a:t>Exercise 1: Basic</a:t>
+            </a:r>
+            <a:endParaRPr lang="en-US"/>
+          </a:p>
+        </p:txBody>
+      </p:sp>
+      <p:sp>
+        <p:nvSpPr>
+          <p:cNvPr id="5" name="Date Placeholder 4"/>
+          <p:cNvSpPr>
+            <a:spLocks noGrp="1"/>
+          </p:cNvSpPr>
+          <p:nvPr>
+            <p:ph type="dt" sz="half" idx="11"/>
+          </p:nvPr>
+        </p:nvSpPr>
+        <p:spPr/>
+        <p:txBody>
+          <a:bodyPr/>
+          <a:lstStyle/>
+          <a:p>
+            <a:r>
+              <a:rPr lang="mr-IN" smtClean="0"/>
+              <a:t>15/09/2018</a:t>
+            </a:r>
+            <a:endParaRPr lang="en-US"/>
+          </a:p>
+        </p:txBody>
+      </p:sp>
+      <p:sp>
+        <p:nvSpPr>
+          <p:cNvPr id="6" name="Slide Number Placeholder 5"/>
+          <p:cNvSpPr>
+            <a:spLocks noGrp="1"/>
+          </p:cNvSpPr>
+          <p:nvPr>
+            <p:ph type="sldNum" sz="quarter" idx="12"/>
+          </p:nvPr>
+        </p:nvSpPr>
+        <p:spPr/>
+        <p:txBody>
+          <a:bodyPr/>
+          <a:lstStyle/>
+          <a:p>
+            <a:fld id="{1D5CD492-2BC6-F348-9965-EC1D86DF57A8}" type="slidenum">
+              <a:rPr lang="en-US" smtClean="0"/>
+              <a:t>10</a:t>
+            </a:fld>
+            <a:endParaRPr lang="en-US"/>
+          </a:p>
+        </p:txBody>
+      </p:sp>
+    </p:spTree>
+    <p:extLst>
+      <p:ext uri="{BB962C8B-B14F-4D97-AF65-F5344CB8AC3E}">
+        <p14:creationId xmlns:p14="http://schemas.microsoft.com/office/powerpoint/2010/main" val="1808751532"/>
+      </p:ext>
+    </p:extLst>
   </p:cSld>
   <p:clrMapOvr>
     <a:masterClrMapping/>
@@ -4637,7 +5132,7 @@
           <a:lstStyle/>
           <a:p>
             <a:r>
-              <a:rPr lang="en-US" dirty="0"/>
+              <a:rPr lang="en-US"/>
               <a:t>Exercises 1</a:t>
             </a:r>
           </a:p>
@@ -4664,69 +5159,64 @@
           <a:lstStyle/>
           <a:p>
             <a:r>
-              <a:rPr lang="en-US" dirty="0"/>
+              <a:rPr lang="en-US"/>
               <a:t>Installation</a:t>
             </a:r>
           </a:p>
           <a:p>
             <a:r>
-              <a:rPr lang="en-US" dirty="0"/>
+              <a:rPr lang="en-US"/>
               <a:t>Set PATH</a:t>
             </a:r>
           </a:p>
           <a:p>
             <a:r>
-              <a:rPr lang="en-US" dirty="0"/>
+              <a:rPr lang="en-US"/>
               <a:t>Hello World</a:t>
             </a:r>
           </a:p>
           <a:p>
             <a:r>
-              <a:rPr lang="en-US" dirty="0"/>
+              <a:rPr lang="en-US"/>
               <a:t>Keyboard Input / Printing</a:t>
             </a:r>
           </a:p>
           <a:p>
             <a:r>
-              <a:rPr lang="en-US" dirty="0"/>
+              <a:rPr lang="en-US"/>
               <a:t>Entry point</a:t>
             </a:r>
           </a:p>
           <a:p>
             <a:r>
-              <a:rPr lang="en-US" dirty="0"/>
+              <a:rPr lang="en-US"/>
               <a:t>Variable</a:t>
             </a:r>
           </a:p>
           <a:p>
             <a:r>
-              <a:rPr lang="en-US" dirty="0"/>
+              <a:rPr lang="en-US"/>
               <a:t>If Statement</a:t>
             </a:r>
           </a:p>
           <a:p>
             <a:r>
-              <a:rPr lang="en-US" dirty="0"/>
+              <a:rPr lang="en-US"/>
               <a:t>Loop (Do-While, While, For)</a:t>
             </a:r>
           </a:p>
           <a:p>
             <a:r>
-              <a:rPr lang="en-US" dirty="0"/>
-              <a:t>Jar</a:t>
-            </a:r>
-            <a:r>
               <a:rPr lang="en-US"/>
-              <a:t>: Common Math &amp; Guava</a:t>
-            </a:r>
-            <a:endParaRPr lang="en-US" dirty="0"/>
-          </a:p>
-          <a:p>
-            <a:r>
-              <a:rPr lang="en-US" dirty="0" err="1"/>
+              <a:t>Jar: Common Math &amp; Guava</a:t>
+            </a:r>
+          </a:p>
+          <a:p>
+            <a:r>
+              <a:rPr lang="en-US" err="1"/>
               <a:t>Github</a:t>
             </a:r>
-            <a:endParaRPr lang="en-US" dirty="0"/>
+            <a:endParaRPr lang="en-US"/>
           </a:p>
         </p:txBody>
       </p:sp>
@@ -4746,7 +5236,7 @@
           <a:lstStyle/>
           <a:p>
             <a:r>
-              <a:rPr lang="en-US" dirty="0"/>
+              <a:rPr lang="en-US"/>
               <a:t>Exercise 1: Basic</a:t>
             </a:r>
           </a:p>
@@ -4768,10 +5258,10 @@
           <a:lstStyle/>
           <a:p>
             <a:r>
-              <a:rPr lang="en-GB" dirty="0"/>
+              <a:rPr lang="en-GB"/>
               <a:t>15/09/2018</a:t>
             </a:r>
-            <a:endParaRPr lang="en-US" dirty="0"/>
+            <a:endParaRPr lang="en-US"/>
           </a:p>
         </p:txBody>
       </p:sp>
@@ -4799,6 +5289,2690 @@
         </p:txBody>
       </p:sp>
     </p:spTree>
+  </p:cSld>
+  <p:clrMapOvr>
+    <a:masterClrMapping/>
+  </p:clrMapOvr>
+  <p:transition spd="med">
+    <p:wipe dir="r"/>
+  </p:transition>
+  <p:timing>
+    <p:tnLst>
+      <p:par>
+        <p:cTn id="1" dur="indefinite" restart="never" nodeType="tmRoot"/>
+      </p:par>
+    </p:tnLst>
+  </p:timing>
+</p:sld>
+</file>
+
+<file path=ppt/slides/slide3.xml><?xml version="1.0" encoding="utf-8"?>
+<p:sld xmlns:a="http://schemas.openxmlformats.org/drawingml/2006/main" xmlns:r="http://schemas.openxmlformats.org/officeDocument/2006/relationships" xmlns:p="http://schemas.openxmlformats.org/presentationml/2006/main">
+  <p:cSld>
+    <p:spTree>
+      <p:nvGrpSpPr>
+        <p:cNvPr id="1" name=""/>
+        <p:cNvGrpSpPr/>
+        <p:nvPr/>
+      </p:nvGrpSpPr>
+      <p:grpSpPr>
+        <a:xfrm>
+          <a:off x="0" y="0"/>
+          <a:ext cx="0" cy="0"/>
+          <a:chOff x="0" y="0"/>
+          <a:chExt cx="0" cy="0"/>
+        </a:xfrm>
+      </p:grpSpPr>
+      <p:sp>
+        <p:nvSpPr>
+          <p:cNvPr id="2" name="Title 1"/>
+          <p:cNvSpPr>
+            <a:spLocks noGrp="1"/>
+          </p:cNvSpPr>
+          <p:nvPr>
+            <p:ph type="title"/>
+          </p:nvPr>
+        </p:nvSpPr>
+        <p:spPr/>
+        <p:txBody>
+          <a:bodyPr/>
+          <a:lstStyle/>
+          <a:p>
+            <a:r>
+              <a:rPr lang="en-GB" smtClean="0"/>
+              <a:t>Installation</a:t>
+            </a:r>
+            <a:endParaRPr lang="en-GB"/>
+          </a:p>
+        </p:txBody>
+      </p:sp>
+      <p:sp>
+        <p:nvSpPr>
+          <p:cNvPr id="3" name="Content Placeholder 2"/>
+          <p:cNvSpPr>
+            <a:spLocks noGrp="1"/>
+          </p:cNvSpPr>
+          <p:nvPr>
+            <p:ph idx="1"/>
+          </p:nvPr>
+        </p:nvSpPr>
+        <p:spPr/>
+        <p:txBody>
+          <a:bodyPr/>
+          <a:lstStyle/>
+          <a:p>
+            <a:r>
+              <a:rPr lang="en-GB" smtClean="0"/>
+              <a:t>Download and install Java 8 &amp; Java 10 (JDK)</a:t>
+            </a:r>
+          </a:p>
+          <a:p>
+            <a:r>
+              <a:rPr lang="en-GB" smtClean="0"/>
+              <a:t>Use Java 10 as default (set in PATH)</a:t>
+            </a:r>
+          </a:p>
+          <a:p>
+            <a:pPr marL="0" indent="0">
+              <a:buNone/>
+            </a:pPr>
+            <a:r>
+              <a:rPr lang="en-GB"/>
+              <a:t>e</a:t>
+            </a:r>
+            <a:r>
+              <a:rPr lang="en-GB" smtClean="0"/>
+              <a:t>cho %PATH%</a:t>
+            </a:r>
+          </a:p>
+          <a:p>
+            <a:r>
+              <a:rPr lang="en-GB" smtClean="0"/>
+              <a:t>Check by running (in command line):</a:t>
+            </a:r>
+          </a:p>
+          <a:p>
+            <a:pPr marL="0" indent="0">
+              <a:buNone/>
+            </a:pPr>
+            <a:r>
+              <a:rPr lang="en-GB"/>
+              <a:t>j</a:t>
+            </a:r>
+            <a:r>
+              <a:rPr lang="en-GB" smtClean="0"/>
+              <a:t>ava –version</a:t>
+            </a:r>
+          </a:p>
+          <a:p>
+            <a:pPr marL="0" indent="0">
+              <a:buNone/>
+            </a:pPr>
+            <a:r>
+              <a:rPr lang="en-GB" err="1"/>
+              <a:t>j</a:t>
+            </a:r>
+            <a:r>
+              <a:rPr lang="en-GB" err="1" smtClean="0"/>
+              <a:t>avac</a:t>
+            </a:r>
+            <a:r>
+              <a:rPr lang="en-GB" smtClean="0"/>
+              <a:t> –version</a:t>
+            </a:r>
+          </a:p>
+          <a:p>
+            <a:pPr lvl="0"/>
+            <a:r>
+              <a:rPr lang="en-GB" err="1" smtClean="0"/>
+              <a:t>javac</a:t>
+            </a:r>
+            <a:r>
+              <a:rPr lang="en-GB" smtClean="0"/>
+              <a:t>: c = compiler, compile java source code (.java) to bytecode (.class).</a:t>
+            </a:r>
+          </a:p>
+          <a:p>
+            <a:pPr lvl="0"/>
+            <a:r>
+              <a:rPr lang="en-GB"/>
+              <a:t>j</a:t>
+            </a:r>
+            <a:r>
+              <a:rPr lang="en-GB" smtClean="0"/>
+              <a:t>ava: run java program (start JVM) with classes. </a:t>
+            </a:r>
+            <a:endParaRPr lang="en-GB"/>
+          </a:p>
+          <a:p>
+            <a:pPr marL="0" indent="0">
+              <a:buNone/>
+            </a:pPr>
+            <a:endParaRPr lang="en-GB"/>
+          </a:p>
+        </p:txBody>
+      </p:sp>
+      <p:sp>
+        <p:nvSpPr>
+          <p:cNvPr id="4" name="Footer Placeholder 3"/>
+          <p:cNvSpPr>
+            <a:spLocks noGrp="1"/>
+          </p:cNvSpPr>
+          <p:nvPr>
+            <p:ph type="ftr" sz="quarter" idx="10"/>
+          </p:nvPr>
+        </p:nvSpPr>
+        <p:spPr/>
+        <p:txBody>
+          <a:bodyPr/>
+          <a:lstStyle/>
+          <a:p>
+            <a:r>
+              <a:rPr lang="en-US" smtClean="0"/>
+              <a:t>Exercise 1: Basic</a:t>
+            </a:r>
+            <a:endParaRPr lang="en-US"/>
+          </a:p>
+        </p:txBody>
+      </p:sp>
+      <p:sp>
+        <p:nvSpPr>
+          <p:cNvPr id="5" name="Date Placeholder 4"/>
+          <p:cNvSpPr>
+            <a:spLocks noGrp="1"/>
+          </p:cNvSpPr>
+          <p:nvPr>
+            <p:ph type="dt" sz="half" idx="11"/>
+          </p:nvPr>
+        </p:nvSpPr>
+        <p:spPr/>
+        <p:txBody>
+          <a:bodyPr/>
+          <a:lstStyle/>
+          <a:p>
+            <a:r>
+              <a:rPr lang="mr-IN" smtClean="0"/>
+              <a:t>15/09/2018</a:t>
+            </a:r>
+            <a:endParaRPr lang="en-US"/>
+          </a:p>
+        </p:txBody>
+      </p:sp>
+      <p:sp>
+        <p:nvSpPr>
+          <p:cNvPr id="6" name="Slide Number Placeholder 5"/>
+          <p:cNvSpPr>
+            <a:spLocks noGrp="1"/>
+          </p:cNvSpPr>
+          <p:nvPr>
+            <p:ph type="sldNum" sz="quarter" idx="12"/>
+          </p:nvPr>
+        </p:nvSpPr>
+        <p:spPr/>
+        <p:txBody>
+          <a:bodyPr/>
+          <a:lstStyle/>
+          <a:p>
+            <a:fld id="{1D5CD492-2BC6-F348-9965-EC1D86DF57A8}" type="slidenum">
+              <a:rPr lang="en-US" smtClean="0"/>
+              <a:t>3</a:t>
+            </a:fld>
+            <a:endParaRPr lang="en-US"/>
+          </a:p>
+        </p:txBody>
+      </p:sp>
+    </p:spTree>
+    <p:extLst>
+      <p:ext uri="{BB962C8B-B14F-4D97-AF65-F5344CB8AC3E}">
+        <p14:creationId xmlns:p14="http://schemas.microsoft.com/office/powerpoint/2010/main" val="2772804446"/>
+      </p:ext>
+    </p:extLst>
+  </p:cSld>
+  <p:clrMapOvr>
+    <a:masterClrMapping/>
+  </p:clrMapOvr>
+  <p:transition spd="med">
+    <p:wipe dir="r"/>
+  </p:transition>
+  <p:timing>
+    <p:tnLst>
+      <p:par>
+        <p:cTn id="1" dur="indefinite" restart="never" nodeType="tmRoot"/>
+      </p:par>
+    </p:tnLst>
+  </p:timing>
+</p:sld>
+</file>
+
+<file path=ppt/slides/slide4.xml><?xml version="1.0" encoding="utf-8"?>
+<p:sld xmlns:a="http://schemas.openxmlformats.org/drawingml/2006/main" xmlns:r="http://schemas.openxmlformats.org/officeDocument/2006/relationships" xmlns:p="http://schemas.openxmlformats.org/presentationml/2006/main">
+  <p:cSld>
+    <p:spTree>
+      <p:nvGrpSpPr>
+        <p:cNvPr id="1" name=""/>
+        <p:cNvGrpSpPr/>
+        <p:nvPr/>
+      </p:nvGrpSpPr>
+      <p:grpSpPr>
+        <a:xfrm>
+          <a:off x="0" y="0"/>
+          <a:ext cx="0" cy="0"/>
+          <a:chOff x="0" y="0"/>
+          <a:chExt cx="0" cy="0"/>
+        </a:xfrm>
+      </p:grpSpPr>
+      <p:sp>
+        <p:nvSpPr>
+          <p:cNvPr id="2" name="Title 1"/>
+          <p:cNvSpPr>
+            <a:spLocks noGrp="1"/>
+          </p:cNvSpPr>
+          <p:nvPr>
+            <p:ph type="title"/>
+          </p:nvPr>
+        </p:nvSpPr>
+        <p:spPr/>
+        <p:txBody>
+          <a:bodyPr/>
+          <a:lstStyle/>
+          <a:p>
+            <a:r>
+              <a:rPr lang="en-GB" smtClean="0"/>
+              <a:t>Hello World</a:t>
+            </a:r>
+            <a:endParaRPr lang="en-GB"/>
+          </a:p>
+        </p:txBody>
+      </p:sp>
+      <p:sp>
+        <p:nvSpPr>
+          <p:cNvPr id="3" name="Content Placeholder 2"/>
+          <p:cNvSpPr>
+            <a:spLocks noGrp="1"/>
+          </p:cNvSpPr>
+          <p:nvPr>
+            <p:ph idx="1"/>
+          </p:nvPr>
+        </p:nvSpPr>
+        <p:spPr/>
+        <p:txBody>
+          <a:bodyPr/>
+          <a:lstStyle/>
+          <a:p>
+            <a:pPr marL="0" indent="0">
+              <a:buNone/>
+            </a:pPr>
+            <a:r>
+              <a:rPr lang="en-GB" smtClean="0"/>
+              <a:t>public class HelloWorld {</a:t>
+            </a:r>
+          </a:p>
+          <a:p>
+            <a:pPr marL="0" indent="0">
+              <a:buNone/>
+            </a:pPr>
+            <a:r>
+              <a:rPr lang="en-US" smtClean="0"/>
+              <a:t>  </a:t>
+            </a:r>
+            <a:r>
+              <a:rPr lang="en-GB" smtClean="0"/>
+              <a:t>   public static void main(String[] args) {</a:t>
+            </a:r>
+          </a:p>
+          <a:p>
+            <a:pPr marL="0" indent="0">
+              <a:buNone/>
+            </a:pPr>
+            <a:r>
+              <a:rPr lang="en-GB"/>
+              <a:t> </a:t>
+            </a:r>
+            <a:r>
+              <a:rPr lang="en-GB" smtClean="0"/>
+              <a:t>     System.out.println("Hello World!");</a:t>
+            </a:r>
+          </a:p>
+          <a:p>
+            <a:pPr marL="0" indent="0">
+              <a:buNone/>
+            </a:pPr>
+            <a:r>
+              <a:rPr lang="en-US" smtClean="0"/>
+              <a:t>    }</a:t>
+            </a:r>
+          </a:p>
+          <a:p>
+            <a:pPr marL="0" indent="0">
+              <a:buNone/>
+            </a:pPr>
+            <a:r>
+              <a:rPr lang="en-US" smtClean="0"/>
+              <a:t>}</a:t>
+            </a:r>
+          </a:p>
+          <a:p>
+            <a:pPr marL="0" indent="0">
+              <a:buNone/>
+            </a:pPr>
+            <a:r>
+              <a:rPr lang="en-US" smtClean="0"/>
+              <a:t>save as HelloWorld.java (In a folder outside of Users/Program Files/Windows, such as D:\Java), then change current directory to it (cd), compile and run:</a:t>
+            </a:r>
+          </a:p>
+          <a:p>
+            <a:pPr marL="0" indent="0">
+              <a:buNone/>
+            </a:pPr>
+            <a:r>
+              <a:rPr lang="en-US" smtClean="0"/>
+              <a:t>javac HelloWorld.java</a:t>
+            </a:r>
+          </a:p>
+          <a:p>
+            <a:pPr marL="0" indent="0">
+              <a:buNone/>
+            </a:pPr>
+            <a:r>
+              <a:rPr lang="en-US" smtClean="0"/>
+              <a:t>java HelloWorld</a:t>
+            </a:r>
+            <a:endParaRPr lang="en-GB"/>
+          </a:p>
+        </p:txBody>
+      </p:sp>
+      <p:sp>
+        <p:nvSpPr>
+          <p:cNvPr id="4" name="Footer Placeholder 3"/>
+          <p:cNvSpPr>
+            <a:spLocks noGrp="1"/>
+          </p:cNvSpPr>
+          <p:nvPr>
+            <p:ph type="ftr" sz="quarter" idx="10"/>
+          </p:nvPr>
+        </p:nvSpPr>
+        <p:spPr/>
+        <p:txBody>
+          <a:bodyPr/>
+          <a:lstStyle/>
+          <a:p>
+            <a:r>
+              <a:rPr lang="en-US" smtClean="0"/>
+              <a:t>Exercise 1: Basic</a:t>
+            </a:r>
+            <a:endParaRPr lang="en-US"/>
+          </a:p>
+        </p:txBody>
+      </p:sp>
+      <p:sp>
+        <p:nvSpPr>
+          <p:cNvPr id="5" name="Date Placeholder 4"/>
+          <p:cNvSpPr>
+            <a:spLocks noGrp="1"/>
+          </p:cNvSpPr>
+          <p:nvPr>
+            <p:ph type="dt" sz="half" idx="11"/>
+          </p:nvPr>
+        </p:nvSpPr>
+        <p:spPr/>
+        <p:txBody>
+          <a:bodyPr/>
+          <a:lstStyle/>
+          <a:p>
+            <a:r>
+              <a:rPr lang="mr-IN" smtClean="0"/>
+              <a:t>15/09/2018</a:t>
+            </a:r>
+            <a:endParaRPr lang="en-US"/>
+          </a:p>
+        </p:txBody>
+      </p:sp>
+      <p:sp>
+        <p:nvSpPr>
+          <p:cNvPr id="6" name="Slide Number Placeholder 5"/>
+          <p:cNvSpPr>
+            <a:spLocks noGrp="1"/>
+          </p:cNvSpPr>
+          <p:nvPr>
+            <p:ph type="sldNum" sz="quarter" idx="12"/>
+          </p:nvPr>
+        </p:nvSpPr>
+        <p:spPr/>
+        <p:txBody>
+          <a:bodyPr/>
+          <a:lstStyle/>
+          <a:p>
+            <a:fld id="{1D5CD492-2BC6-F348-9965-EC1D86DF57A8}" type="slidenum">
+              <a:rPr lang="en-US" smtClean="0"/>
+              <a:t>4</a:t>
+            </a:fld>
+            <a:endParaRPr lang="en-US"/>
+          </a:p>
+        </p:txBody>
+      </p:sp>
+    </p:spTree>
+    <p:extLst>
+      <p:ext uri="{BB962C8B-B14F-4D97-AF65-F5344CB8AC3E}">
+        <p14:creationId xmlns:p14="http://schemas.microsoft.com/office/powerpoint/2010/main" val="383940087"/>
+      </p:ext>
+    </p:extLst>
+  </p:cSld>
+  <p:clrMapOvr>
+    <a:masterClrMapping/>
+  </p:clrMapOvr>
+  <p:transition spd="med">
+    <p:wipe dir="r"/>
+  </p:transition>
+  <p:timing>
+    <p:tnLst>
+      <p:par>
+        <p:cTn id="1" dur="indefinite" restart="never" nodeType="tmRoot"/>
+      </p:par>
+    </p:tnLst>
+  </p:timing>
+</p:sld>
+</file>
+
+<file path=ppt/slides/slide5.xml><?xml version="1.0" encoding="utf-8"?>
+<p:sld xmlns:a="http://schemas.openxmlformats.org/drawingml/2006/main" xmlns:r="http://schemas.openxmlformats.org/officeDocument/2006/relationships" xmlns:p="http://schemas.openxmlformats.org/presentationml/2006/main">
+  <p:cSld>
+    <p:spTree>
+      <p:nvGrpSpPr>
+        <p:cNvPr id="1" name=""/>
+        <p:cNvGrpSpPr/>
+        <p:nvPr/>
+      </p:nvGrpSpPr>
+      <p:grpSpPr>
+        <a:xfrm>
+          <a:off x="0" y="0"/>
+          <a:ext cx="0" cy="0"/>
+          <a:chOff x="0" y="0"/>
+          <a:chExt cx="0" cy="0"/>
+        </a:xfrm>
+      </p:grpSpPr>
+      <p:sp>
+        <p:nvSpPr>
+          <p:cNvPr id="2" name="Title 1"/>
+          <p:cNvSpPr>
+            <a:spLocks noGrp="1"/>
+          </p:cNvSpPr>
+          <p:nvPr>
+            <p:ph type="title"/>
+          </p:nvPr>
+        </p:nvSpPr>
+        <p:spPr/>
+        <p:txBody>
+          <a:bodyPr/>
+          <a:lstStyle/>
+          <a:p>
+            <a:r>
+              <a:rPr lang="en-US"/>
+              <a:t>Keyboard Input </a:t>
+            </a:r>
+            <a:r>
+              <a:rPr lang="en-US"/>
+              <a:t>/ </a:t>
+            </a:r>
+            <a:r>
+              <a:rPr lang="en-US" smtClean="0"/>
+              <a:t>Printing</a:t>
+            </a:r>
+            <a:endParaRPr lang="en-GB"/>
+          </a:p>
+        </p:txBody>
+      </p:sp>
+      <p:sp>
+        <p:nvSpPr>
+          <p:cNvPr id="3" name="Content Placeholder 2"/>
+          <p:cNvSpPr>
+            <a:spLocks noGrp="1"/>
+          </p:cNvSpPr>
+          <p:nvPr>
+            <p:ph idx="1"/>
+          </p:nvPr>
+        </p:nvSpPr>
+        <p:spPr/>
+        <p:txBody>
+          <a:bodyPr/>
+          <a:lstStyle/>
+          <a:p>
+            <a:r>
+              <a:rPr lang="en-US" smtClean="0"/>
+              <a:t>Get a string input from user, put it to name.</a:t>
+            </a:r>
+          </a:p>
+          <a:p>
+            <a:r>
+              <a:rPr lang="en-US" smtClean="0"/>
+              <a:t>Print "Hello &lt;name&gt;"</a:t>
+            </a:r>
+          </a:p>
+          <a:p>
+            <a:r>
+              <a:rPr lang="en-GB" smtClean="0"/>
+              <a:t>import </a:t>
+            </a:r>
+            <a:r>
+              <a:rPr lang="en-GB"/>
+              <a:t>java.util.Scanner;</a:t>
+            </a:r>
+            <a:endParaRPr lang="en-US" smtClean="0"/>
+          </a:p>
+          <a:p>
+            <a:pPr marL="0" indent="0">
+              <a:buNone/>
+            </a:pPr>
+            <a:r>
+              <a:rPr lang="en-GB">
+                <a:solidFill>
+                  <a:srgbClr val="2B91AF"/>
+                </a:solidFill>
+                <a:latin typeface="inherit"/>
+              </a:rPr>
+              <a:t>Scanner</a:t>
+            </a:r>
+            <a:r>
+              <a:rPr lang="en-GB">
+                <a:solidFill>
+                  <a:srgbClr val="303336"/>
+                </a:solidFill>
+                <a:latin typeface="inherit"/>
+              </a:rPr>
+              <a:t> scanner = </a:t>
+            </a:r>
+            <a:r>
+              <a:rPr lang="en-GB">
+                <a:solidFill>
+                  <a:srgbClr val="101094"/>
+                </a:solidFill>
+                <a:latin typeface="inherit"/>
+              </a:rPr>
+              <a:t>new</a:t>
+            </a:r>
+            <a:r>
+              <a:rPr lang="en-GB">
+                <a:solidFill>
+                  <a:srgbClr val="303336"/>
+                </a:solidFill>
+                <a:latin typeface="inherit"/>
+              </a:rPr>
+              <a:t> </a:t>
+            </a:r>
+            <a:r>
+              <a:rPr lang="en-GB">
+                <a:solidFill>
+                  <a:srgbClr val="2B91AF"/>
+                </a:solidFill>
+                <a:latin typeface="inherit"/>
+              </a:rPr>
+              <a:t>Scanner</a:t>
+            </a:r>
+            <a:r>
+              <a:rPr lang="en-GB">
+                <a:solidFill>
+                  <a:srgbClr val="303336"/>
+                </a:solidFill>
+                <a:latin typeface="inherit"/>
+              </a:rPr>
+              <a:t>(</a:t>
+            </a:r>
+            <a:r>
+              <a:rPr lang="en-GB">
+                <a:solidFill>
+                  <a:srgbClr val="2B91AF"/>
+                </a:solidFill>
+                <a:latin typeface="inherit"/>
+              </a:rPr>
+              <a:t>System</a:t>
+            </a:r>
+            <a:r>
+              <a:rPr lang="en-GB">
+                <a:solidFill>
+                  <a:srgbClr val="303336"/>
+                </a:solidFill>
+                <a:latin typeface="inherit"/>
+              </a:rPr>
+              <a:t>.in); </a:t>
+            </a:r>
+            <a:r>
+              <a:rPr lang="en-GB">
+                <a:solidFill>
+                  <a:srgbClr val="2B91AF"/>
+                </a:solidFill>
+                <a:latin typeface="inherit"/>
+              </a:rPr>
+              <a:t>System</a:t>
+            </a:r>
+            <a:r>
+              <a:rPr lang="en-GB">
+                <a:solidFill>
+                  <a:srgbClr val="303336"/>
+                </a:solidFill>
+                <a:latin typeface="inherit"/>
+              </a:rPr>
+              <a:t>.out.print(</a:t>
+            </a:r>
+            <a:r>
+              <a:rPr lang="en-GB">
+                <a:solidFill>
+                  <a:srgbClr val="7D2727"/>
+                </a:solidFill>
+                <a:latin typeface="inherit"/>
+              </a:rPr>
+              <a:t>"Enter </a:t>
+            </a:r>
+            <a:r>
+              <a:rPr lang="en-GB">
+                <a:solidFill>
+                  <a:srgbClr val="7D2727"/>
+                </a:solidFill>
+                <a:latin typeface="inherit"/>
+              </a:rPr>
+              <a:t>a </a:t>
+            </a:r>
+            <a:r>
+              <a:rPr lang="en-GB" smtClean="0">
+                <a:solidFill>
+                  <a:srgbClr val="7D2727"/>
+                </a:solidFill>
+                <a:latin typeface="inherit"/>
+              </a:rPr>
+              <a:t>name:\</a:t>
+            </a:r>
+            <a:r>
+              <a:rPr lang="en-GB">
+                <a:solidFill>
+                  <a:srgbClr val="7D2727"/>
+                </a:solidFill>
+                <a:latin typeface="inherit"/>
+              </a:rPr>
+              <a:t>t</a:t>
+            </a:r>
+            <a:r>
+              <a:rPr lang="en-GB">
+                <a:solidFill>
+                  <a:srgbClr val="7D2727"/>
+                </a:solidFill>
+                <a:latin typeface="inherit"/>
+              </a:rPr>
+              <a:t>"</a:t>
+            </a:r>
+            <a:r>
+              <a:rPr lang="en-GB">
+                <a:solidFill>
+                  <a:srgbClr val="303336"/>
+                </a:solidFill>
+                <a:latin typeface="inherit"/>
+              </a:rPr>
+              <a:t>); </a:t>
+            </a:r>
+            <a:endParaRPr lang="en-GB" smtClean="0">
+              <a:solidFill>
+                <a:srgbClr val="303336"/>
+              </a:solidFill>
+              <a:latin typeface="inherit"/>
+            </a:endParaRPr>
+          </a:p>
+          <a:p>
+            <a:pPr marL="0" indent="0">
+              <a:buNone/>
+            </a:pPr>
+            <a:r>
+              <a:rPr lang="en-GB" smtClean="0">
+                <a:solidFill>
+                  <a:srgbClr val="2B91AF"/>
+                </a:solidFill>
+                <a:latin typeface="inherit"/>
+              </a:rPr>
+              <a:t>String</a:t>
+            </a:r>
+            <a:r>
+              <a:rPr lang="en-GB" smtClean="0">
+                <a:solidFill>
+                  <a:srgbClr val="303336"/>
+                </a:solidFill>
+                <a:latin typeface="inherit"/>
+              </a:rPr>
+              <a:t> name= </a:t>
+            </a:r>
+            <a:r>
+              <a:rPr lang="en-GB">
+                <a:solidFill>
+                  <a:srgbClr val="303336"/>
+                </a:solidFill>
+                <a:latin typeface="inherit"/>
+              </a:rPr>
+              <a:t>scanner.nextLine</a:t>
+            </a:r>
+            <a:r>
+              <a:rPr lang="en-GB">
+                <a:solidFill>
+                  <a:srgbClr val="303336"/>
+                </a:solidFill>
+                <a:latin typeface="inherit"/>
+              </a:rPr>
+              <a:t>(); </a:t>
+            </a:r>
+            <a:endParaRPr lang="en-GB" smtClean="0">
+              <a:solidFill>
+                <a:srgbClr val="303336"/>
+              </a:solidFill>
+              <a:latin typeface="inherit"/>
+            </a:endParaRPr>
+          </a:p>
+          <a:p>
+            <a:pPr marL="0" indent="0">
+              <a:buNone/>
+            </a:pPr>
+            <a:r>
+              <a:rPr lang="en-US" smtClean="0">
+                <a:solidFill>
+                  <a:srgbClr val="303336"/>
+                </a:solidFill>
+                <a:latin typeface="inherit"/>
+              </a:rPr>
+              <a:t>System.out.println("Hello " + name);</a:t>
+            </a:r>
+            <a:endParaRPr lang="en-GB"/>
+          </a:p>
+        </p:txBody>
+      </p:sp>
+      <p:sp>
+        <p:nvSpPr>
+          <p:cNvPr id="4" name="Footer Placeholder 3"/>
+          <p:cNvSpPr>
+            <a:spLocks noGrp="1"/>
+          </p:cNvSpPr>
+          <p:nvPr>
+            <p:ph type="ftr" sz="quarter" idx="10"/>
+          </p:nvPr>
+        </p:nvSpPr>
+        <p:spPr/>
+        <p:txBody>
+          <a:bodyPr/>
+          <a:lstStyle/>
+          <a:p>
+            <a:r>
+              <a:rPr lang="en-US" smtClean="0"/>
+              <a:t>Exercise 1: Basic</a:t>
+            </a:r>
+            <a:endParaRPr lang="en-US"/>
+          </a:p>
+        </p:txBody>
+      </p:sp>
+      <p:sp>
+        <p:nvSpPr>
+          <p:cNvPr id="5" name="Date Placeholder 4"/>
+          <p:cNvSpPr>
+            <a:spLocks noGrp="1"/>
+          </p:cNvSpPr>
+          <p:nvPr>
+            <p:ph type="dt" sz="half" idx="11"/>
+          </p:nvPr>
+        </p:nvSpPr>
+        <p:spPr/>
+        <p:txBody>
+          <a:bodyPr/>
+          <a:lstStyle/>
+          <a:p>
+            <a:r>
+              <a:rPr lang="mr-IN" smtClean="0"/>
+              <a:t>15/09/2018</a:t>
+            </a:r>
+            <a:endParaRPr lang="en-US"/>
+          </a:p>
+        </p:txBody>
+      </p:sp>
+      <p:sp>
+        <p:nvSpPr>
+          <p:cNvPr id="6" name="Slide Number Placeholder 5"/>
+          <p:cNvSpPr>
+            <a:spLocks noGrp="1"/>
+          </p:cNvSpPr>
+          <p:nvPr>
+            <p:ph type="sldNum" sz="quarter" idx="12"/>
+          </p:nvPr>
+        </p:nvSpPr>
+        <p:spPr/>
+        <p:txBody>
+          <a:bodyPr/>
+          <a:lstStyle/>
+          <a:p>
+            <a:fld id="{1D5CD492-2BC6-F348-9965-EC1D86DF57A8}" type="slidenum">
+              <a:rPr lang="en-US" smtClean="0"/>
+              <a:t>5</a:t>
+            </a:fld>
+            <a:endParaRPr lang="en-US"/>
+          </a:p>
+        </p:txBody>
+      </p:sp>
+    </p:spTree>
+    <p:extLst>
+      <p:ext uri="{BB962C8B-B14F-4D97-AF65-F5344CB8AC3E}">
+        <p14:creationId xmlns:p14="http://schemas.microsoft.com/office/powerpoint/2010/main" val="21900894"/>
+      </p:ext>
+    </p:extLst>
+  </p:cSld>
+  <p:clrMapOvr>
+    <a:masterClrMapping/>
+  </p:clrMapOvr>
+  <p:transition spd="med">
+    <p:wipe dir="r"/>
+  </p:transition>
+</p:sld>
+</file>
+
+<file path=ppt/slides/slide6.xml><?xml version="1.0" encoding="utf-8"?>
+<p:sld xmlns:a="http://schemas.openxmlformats.org/drawingml/2006/main" xmlns:r="http://schemas.openxmlformats.org/officeDocument/2006/relationships" xmlns:p="http://schemas.openxmlformats.org/presentationml/2006/main">
+  <p:cSld>
+    <p:spTree>
+      <p:nvGrpSpPr>
+        <p:cNvPr id="1" name=""/>
+        <p:cNvGrpSpPr/>
+        <p:nvPr/>
+      </p:nvGrpSpPr>
+      <p:grpSpPr>
+        <a:xfrm>
+          <a:off x="0" y="0"/>
+          <a:ext cx="0" cy="0"/>
+          <a:chOff x="0" y="0"/>
+          <a:chExt cx="0" cy="0"/>
+        </a:xfrm>
+      </p:grpSpPr>
+      <p:sp>
+        <p:nvSpPr>
+          <p:cNvPr id="2" name="Title 1"/>
+          <p:cNvSpPr>
+            <a:spLocks noGrp="1"/>
+          </p:cNvSpPr>
+          <p:nvPr>
+            <p:ph type="title"/>
+          </p:nvPr>
+        </p:nvSpPr>
+        <p:spPr/>
+        <p:txBody>
+          <a:bodyPr/>
+          <a:lstStyle/>
+          <a:p>
+            <a:r>
+              <a:rPr lang="en-US" smtClean="0"/>
+              <a:t>Entry Point</a:t>
+            </a:r>
+            <a:endParaRPr lang="en-GB"/>
+          </a:p>
+        </p:txBody>
+      </p:sp>
+      <p:sp>
+        <p:nvSpPr>
+          <p:cNvPr id="3" name="Content Placeholder 2"/>
+          <p:cNvSpPr>
+            <a:spLocks noGrp="1"/>
+          </p:cNvSpPr>
+          <p:nvPr>
+            <p:ph idx="1"/>
+          </p:nvPr>
+        </p:nvSpPr>
+        <p:spPr/>
+        <p:txBody>
+          <a:bodyPr/>
+          <a:lstStyle/>
+          <a:p>
+            <a:pPr marL="0" indent="0">
+              <a:buNone/>
+            </a:pPr>
+            <a:r>
+              <a:rPr lang="en-GB"/>
+              <a:t>public </a:t>
+            </a:r>
+            <a:r>
+              <a:rPr lang="en-GB"/>
+              <a:t>class </a:t>
+            </a:r>
+            <a:r>
+              <a:rPr lang="en-GB" smtClean="0"/>
+              <a:t>EntryPoint {</a:t>
+            </a:r>
+            <a:endParaRPr lang="en-GB"/>
+          </a:p>
+          <a:p>
+            <a:pPr marL="0" indent="0">
+              <a:buNone/>
+            </a:pPr>
+            <a:r>
+              <a:rPr lang="en-US"/>
+              <a:t>  public static void quang(String s</a:t>
+            </a:r>
+            <a:r>
+              <a:rPr lang="en-US"/>
+              <a:t>) </a:t>
+            </a:r>
+            <a:r>
+              <a:rPr lang="en-US" smtClean="0"/>
+              <a:t>{ System.out.println(s);}  </a:t>
+            </a:r>
+            <a:endParaRPr lang="en-US"/>
+          </a:p>
+          <a:p>
+            <a:pPr marL="0" indent="0">
+              <a:buNone/>
+            </a:pPr>
+            <a:r>
+              <a:rPr lang="en-GB" smtClean="0"/>
+              <a:t>  </a:t>
+            </a:r>
+            <a:r>
+              <a:rPr lang="en-GB"/>
+              <a:t>public static void main(String[] args) {</a:t>
+            </a:r>
+          </a:p>
+          <a:p>
+            <a:pPr marL="0" indent="0">
+              <a:buNone/>
+            </a:pPr>
+            <a:r>
+              <a:rPr lang="en-US"/>
+              <a:t>      quang("a test String");</a:t>
+            </a:r>
+            <a:endParaRPr lang="en-GB"/>
+          </a:p>
+          <a:p>
+            <a:pPr marL="0" indent="0">
+              <a:buNone/>
+            </a:pPr>
+            <a:r>
+              <a:rPr lang="en-GB"/>
+              <a:t>      System.out.println</a:t>
+            </a:r>
+            <a:r>
+              <a:rPr lang="en-GB"/>
+              <a:t>("</a:t>
+            </a:r>
+            <a:r>
+              <a:rPr lang="en-GB" smtClean="0"/>
+              <a:t>Hello </a:t>
+            </a:r>
+            <a:r>
+              <a:rPr lang="en-GB"/>
+              <a:t>World</a:t>
+            </a:r>
+            <a:r>
+              <a:rPr lang="en-GB" smtClean="0"/>
+              <a:t>!");</a:t>
+            </a:r>
+          </a:p>
+          <a:p>
+            <a:pPr marL="0" indent="0">
+              <a:buNone/>
+            </a:pPr>
+            <a:r>
+              <a:rPr lang="en-US" smtClean="0"/>
+              <a:t>       quang</a:t>
+            </a:r>
+            <a:r>
+              <a:rPr lang="en-US"/>
+              <a:t>("</a:t>
+            </a:r>
+            <a:r>
+              <a:rPr lang="en-US" smtClean="0"/>
+              <a:t>another String</a:t>
+            </a:r>
+            <a:r>
+              <a:rPr lang="en-US"/>
+              <a:t>");</a:t>
+            </a:r>
+            <a:endParaRPr lang="en-GB"/>
+          </a:p>
+          <a:p>
+            <a:pPr marL="0" indent="0">
+              <a:buNone/>
+            </a:pPr>
+            <a:r>
+              <a:rPr lang="en-US" smtClean="0"/>
+              <a:t>        quang("one more");</a:t>
+            </a:r>
+            <a:endParaRPr lang="en-GB"/>
+          </a:p>
+          <a:p>
+            <a:pPr marL="0" indent="0">
+              <a:buNone/>
+            </a:pPr>
+            <a:r>
+              <a:rPr lang="en-US"/>
+              <a:t>    }</a:t>
+            </a:r>
+          </a:p>
+          <a:p>
+            <a:pPr marL="0" indent="0">
+              <a:buNone/>
+            </a:pPr>
+            <a:r>
+              <a:rPr lang="en-US"/>
+              <a:t>}</a:t>
+            </a:r>
+          </a:p>
+          <a:p>
+            <a:endParaRPr lang="en-GB"/>
+          </a:p>
+        </p:txBody>
+      </p:sp>
+      <p:sp>
+        <p:nvSpPr>
+          <p:cNvPr id="4" name="Footer Placeholder 3"/>
+          <p:cNvSpPr>
+            <a:spLocks noGrp="1"/>
+          </p:cNvSpPr>
+          <p:nvPr>
+            <p:ph type="ftr" sz="quarter" idx="10"/>
+          </p:nvPr>
+        </p:nvSpPr>
+        <p:spPr/>
+        <p:txBody>
+          <a:bodyPr/>
+          <a:lstStyle/>
+          <a:p>
+            <a:r>
+              <a:rPr lang="en-US" smtClean="0"/>
+              <a:t>Exercise 1: Basic</a:t>
+            </a:r>
+            <a:endParaRPr lang="en-US"/>
+          </a:p>
+        </p:txBody>
+      </p:sp>
+      <p:sp>
+        <p:nvSpPr>
+          <p:cNvPr id="5" name="Date Placeholder 4"/>
+          <p:cNvSpPr>
+            <a:spLocks noGrp="1"/>
+          </p:cNvSpPr>
+          <p:nvPr>
+            <p:ph type="dt" sz="half" idx="11"/>
+          </p:nvPr>
+        </p:nvSpPr>
+        <p:spPr/>
+        <p:txBody>
+          <a:bodyPr/>
+          <a:lstStyle/>
+          <a:p>
+            <a:r>
+              <a:rPr lang="mr-IN" smtClean="0"/>
+              <a:t>15/09/2018</a:t>
+            </a:r>
+            <a:endParaRPr lang="en-US"/>
+          </a:p>
+        </p:txBody>
+      </p:sp>
+      <p:sp>
+        <p:nvSpPr>
+          <p:cNvPr id="6" name="Slide Number Placeholder 5"/>
+          <p:cNvSpPr>
+            <a:spLocks noGrp="1"/>
+          </p:cNvSpPr>
+          <p:nvPr>
+            <p:ph type="sldNum" sz="quarter" idx="12"/>
+          </p:nvPr>
+        </p:nvSpPr>
+        <p:spPr/>
+        <p:txBody>
+          <a:bodyPr/>
+          <a:lstStyle/>
+          <a:p>
+            <a:fld id="{1D5CD492-2BC6-F348-9965-EC1D86DF57A8}" type="slidenum">
+              <a:rPr lang="en-US" smtClean="0"/>
+              <a:t>6</a:t>
+            </a:fld>
+            <a:endParaRPr lang="en-US"/>
+          </a:p>
+        </p:txBody>
+      </p:sp>
+    </p:spTree>
+    <p:extLst>
+      <p:ext uri="{BB962C8B-B14F-4D97-AF65-F5344CB8AC3E}">
+        <p14:creationId xmlns:p14="http://schemas.microsoft.com/office/powerpoint/2010/main" val="1854006652"/>
+      </p:ext>
+    </p:extLst>
+  </p:cSld>
+  <p:clrMapOvr>
+    <a:masterClrMapping/>
+  </p:clrMapOvr>
+  <p:transition spd="med">
+    <p:wipe dir="r"/>
+  </p:transition>
+</p:sld>
+</file>
+
+<file path=ppt/slides/slide7.xml><?xml version="1.0" encoding="utf-8"?>
+<p:sld xmlns:a="http://schemas.openxmlformats.org/drawingml/2006/main" xmlns:r="http://schemas.openxmlformats.org/officeDocument/2006/relationships" xmlns:p="http://schemas.openxmlformats.org/presentationml/2006/main">
+  <p:cSld>
+    <p:spTree>
+      <p:nvGrpSpPr>
+        <p:cNvPr id="1" name=""/>
+        <p:cNvGrpSpPr/>
+        <p:nvPr/>
+      </p:nvGrpSpPr>
+      <p:grpSpPr>
+        <a:xfrm>
+          <a:off x="0" y="0"/>
+          <a:ext cx="0" cy="0"/>
+          <a:chOff x="0" y="0"/>
+          <a:chExt cx="0" cy="0"/>
+        </a:xfrm>
+      </p:grpSpPr>
+      <p:sp>
+        <p:nvSpPr>
+          <p:cNvPr id="2" name="Title 1"/>
+          <p:cNvSpPr>
+            <a:spLocks noGrp="1"/>
+          </p:cNvSpPr>
+          <p:nvPr>
+            <p:ph type="title"/>
+          </p:nvPr>
+        </p:nvSpPr>
+        <p:spPr/>
+        <p:txBody>
+          <a:bodyPr/>
+          <a:lstStyle/>
+          <a:p>
+            <a:r>
+              <a:rPr lang="en-US" smtClean="0"/>
+              <a:t>Entry Point (cont.)</a:t>
+            </a:r>
+            <a:endParaRPr lang="en-GB"/>
+          </a:p>
+        </p:txBody>
+      </p:sp>
+      <p:sp>
+        <p:nvSpPr>
+          <p:cNvPr id="3" name="Content Placeholder 2"/>
+          <p:cNvSpPr>
+            <a:spLocks noGrp="1"/>
+          </p:cNvSpPr>
+          <p:nvPr>
+            <p:ph idx="1"/>
+          </p:nvPr>
+        </p:nvSpPr>
+        <p:spPr/>
+        <p:txBody>
+          <a:bodyPr/>
+          <a:lstStyle/>
+          <a:p>
+            <a:pPr marL="0" indent="0">
+              <a:buNone/>
+            </a:pPr>
+            <a:r>
+              <a:rPr lang="en-GB"/>
+              <a:t>public </a:t>
+            </a:r>
+            <a:r>
+              <a:rPr lang="en-GB"/>
+              <a:t>class </a:t>
+            </a:r>
+            <a:r>
+              <a:rPr lang="en-GB" smtClean="0"/>
+              <a:t>EntryPoint {</a:t>
+            </a:r>
+            <a:endParaRPr lang="en-GB"/>
+          </a:p>
+          <a:p>
+            <a:pPr marL="0" indent="0">
+              <a:buNone/>
+            </a:pPr>
+            <a:r>
+              <a:rPr lang="en-US"/>
+              <a:t>  public static </a:t>
+            </a:r>
+            <a:r>
+              <a:rPr lang="en-US"/>
+              <a:t>void </a:t>
+            </a:r>
+            <a:r>
+              <a:rPr lang="en-US" smtClean="0"/>
+              <a:t>bar(String s</a:t>
+            </a:r>
+            <a:r>
+              <a:rPr lang="en-US"/>
+              <a:t>) </a:t>
+            </a:r>
+            <a:r>
+              <a:rPr lang="en-US" smtClean="0"/>
+              <a:t>{ System.out.println(s);}  </a:t>
+            </a:r>
+            <a:endParaRPr lang="en-US"/>
+          </a:p>
+          <a:p>
+            <a:pPr marL="0" indent="0">
+              <a:buNone/>
+            </a:pPr>
+            <a:r>
+              <a:rPr lang="en-GB" smtClean="0"/>
+              <a:t>  </a:t>
+            </a:r>
+            <a:r>
+              <a:rPr lang="en-GB"/>
+              <a:t>public static void main(String[] args</a:t>
+            </a:r>
+            <a:r>
+              <a:rPr lang="en-GB"/>
+              <a:t>) </a:t>
+            </a:r>
+            <a:r>
+              <a:rPr lang="en-GB" smtClean="0"/>
+              <a:t>{</a:t>
+            </a:r>
+          </a:p>
+          <a:p>
+            <a:pPr marL="0" indent="0">
+              <a:buNone/>
+            </a:pPr>
+            <a:r>
+              <a:rPr lang="en-US" smtClean="0"/>
+              <a:t>      bar(</a:t>
+            </a:r>
+            <a:r>
+              <a:rPr lang="en-GB"/>
+              <a:t>args[0]</a:t>
+            </a:r>
+            <a:r>
+              <a:rPr lang="en-US" smtClean="0"/>
+              <a:t>);</a:t>
+            </a:r>
+            <a:endParaRPr lang="en-GB" smtClean="0"/>
+          </a:p>
+          <a:p>
+            <a:pPr marL="0" indent="0">
+              <a:buNone/>
+            </a:pPr>
+            <a:r>
+              <a:rPr lang="en-GB" smtClean="0"/>
+              <a:t>      </a:t>
+            </a:r>
+            <a:r>
+              <a:rPr lang="en-GB"/>
+              <a:t>System.out.println</a:t>
+            </a:r>
+            <a:r>
+              <a:rPr lang="en-GB"/>
+              <a:t>("</a:t>
+            </a:r>
+            <a:r>
+              <a:rPr lang="en-GB" smtClean="0"/>
+              <a:t>Hello </a:t>
+            </a:r>
+            <a:r>
+              <a:rPr lang="en-GB"/>
+              <a:t>World</a:t>
+            </a:r>
+            <a:r>
+              <a:rPr lang="en-GB" smtClean="0"/>
+              <a:t>!");</a:t>
+            </a:r>
+          </a:p>
+          <a:p>
+            <a:pPr marL="0" indent="0">
+              <a:buNone/>
+            </a:pPr>
+            <a:r>
+              <a:rPr lang="en-US" smtClean="0"/>
+              <a:t>      bar(</a:t>
+            </a:r>
+            <a:r>
+              <a:rPr lang="en-GB" smtClean="0"/>
+              <a:t>args[1]</a:t>
+            </a:r>
+            <a:r>
+              <a:rPr lang="en-US" smtClean="0"/>
+              <a:t>); bar(</a:t>
+            </a:r>
+            <a:r>
+              <a:rPr lang="en-GB" smtClean="0"/>
+              <a:t>args[2]</a:t>
+            </a:r>
+            <a:r>
+              <a:rPr lang="en-US"/>
+              <a:t>);</a:t>
+            </a:r>
+            <a:endParaRPr lang="en-GB"/>
+          </a:p>
+          <a:p>
+            <a:pPr marL="0" indent="0">
+              <a:buNone/>
+            </a:pPr>
+            <a:r>
+              <a:rPr lang="en-US"/>
+              <a:t>    }</a:t>
+            </a:r>
+          </a:p>
+          <a:p>
+            <a:pPr marL="0" indent="0">
+              <a:buNone/>
+            </a:pPr>
+            <a:r>
+              <a:rPr lang="en-US"/>
+              <a:t>}</a:t>
+            </a:r>
+          </a:p>
+          <a:p>
+            <a:r>
+              <a:rPr lang="en-US" smtClean="0"/>
+              <a:t>java EntryPoint "a test string" "another string" "one more"</a:t>
+            </a:r>
+          </a:p>
+          <a:p>
+            <a:endParaRPr lang="en-US"/>
+          </a:p>
+          <a:p>
+            <a:endParaRPr lang="en-US" smtClean="0"/>
+          </a:p>
+          <a:p>
+            <a:endParaRPr lang="en-US"/>
+          </a:p>
+          <a:p>
+            <a:endParaRPr lang="en-US" smtClean="0"/>
+          </a:p>
+          <a:p>
+            <a:endParaRPr lang="en-US"/>
+          </a:p>
+          <a:p>
+            <a:endParaRPr lang="en-US" smtClean="0"/>
+          </a:p>
+          <a:p>
+            <a:endParaRPr lang="en-US"/>
+          </a:p>
+          <a:p>
+            <a:endParaRPr lang="en-US" smtClean="0"/>
+          </a:p>
+          <a:p>
+            <a:endParaRPr lang="en-US"/>
+          </a:p>
+          <a:p>
+            <a:endParaRPr lang="en-US" smtClean="0"/>
+          </a:p>
+          <a:p>
+            <a:endParaRPr lang="en-US"/>
+          </a:p>
+          <a:p>
+            <a:endParaRPr lang="en-US" smtClean="0"/>
+          </a:p>
+          <a:p>
+            <a:endParaRPr lang="en-US"/>
+          </a:p>
+          <a:p>
+            <a:endParaRPr lang="en-US" smtClean="0"/>
+          </a:p>
+          <a:p>
+            <a:endParaRPr lang="en-US"/>
+          </a:p>
+          <a:p>
+            <a:endParaRPr lang="en-US" smtClean="0"/>
+          </a:p>
+          <a:p>
+            <a:endParaRPr lang="en-US"/>
+          </a:p>
+          <a:p>
+            <a:endParaRPr lang="en-US" smtClean="0"/>
+          </a:p>
+          <a:p>
+            <a:endParaRPr lang="en-US"/>
+          </a:p>
+          <a:p>
+            <a:endParaRPr lang="en-US" smtClean="0"/>
+          </a:p>
+          <a:p>
+            <a:endParaRPr lang="en-US"/>
+          </a:p>
+          <a:p>
+            <a:endParaRPr lang="en-US" smtClean="0"/>
+          </a:p>
+          <a:p>
+            <a:endParaRPr lang="en-US"/>
+          </a:p>
+          <a:p>
+            <a:endParaRPr lang="en-US" smtClean="0"/>
+          </a:p>
+          <a:p>
+            <a:endParaRPr lang="en-US"/>
+          </a:p>
+          <a:p>
+            <a:endParaRPr lang="en-US" smtClean="0"/>
+          </a:p>
+          <a:p>
+            <a:endParaRPr lang="en-US"/>
+          </a:p>
+          <a:p>
+            <a:endParaRPr lang="en-US" smtClean="0"/>
+          </a:p>
+          <a:p>
+            <a:endParaRPr lang="en-US"/>
+          </a:p>
+          <a:p>
+            <a:endParaRPr lang="en-US" smtClean="0"/>
+          </a:p>
+          <a:p>
+            <a:endParaRPr lang="en-US"/>
+          </a:p>
+          <a:p>
+            <a:endParaRPr lang="en-US" smtClean="0"/>
+          </a:p>
+          <a:p>
+            <a:endParaRPr lang="en-US"/>
+          </a:p>
+          <a:p>
+            <a:endParaRPr lang="en-US" smtClean="0"/>
+          </a:p>
+          <a:p>
+            <a:endParaRPr lang="en-US"/>
+          </a:p>
+          <a:p>
+            <a:endParaRPr lang="en-US" smtClean="0"/>
+          </a:p>
+          <a:p>
+            <a:endParaRPr lang="en-US"/>
+          </a:p>
+          <a:p>
+            <a:endParaRPr lang="en-US" smtClean="0"/>
+          </a:p>
+          <a:p>
+            <a:endParaRPr lang="en-US"/>
+          </a:p>
+          <a:p>
+            <a:endParaRPr lang="en-US" smtClean="0"/>
+          </a:p>
+          <a:p>
+            <a:endParaRPr lang="en-US"/>
+          </a:p>
+          <a:p>
+            <a:endParaRPr lang="en-US" smtClean="0"/>
+          </a:p>
+          <a:p>
+            <a:endParaRPr lang="en-US"/>
+          </a:p>
+          <a:p>
+            <a:endParaRPr lang="en-US" smtClean="0"/>
+          </a:p>
+          <a:p>
+            <a:endParaRPr lang="en-US"/>
+          </a:p>
+          <a:p>
+            <a:endParaRPr lang="en-US" smtClean="0"/>
+          </a:p>
+          <a:p>
+            <a:endParaRPr lang="en-US"/>
+          </a:p>
+          <a:p>
+            <a:endParaRPr lang="en-US" smtClean="0"/>
+          </a:p>
+          <a:p>
+            <a:endParaRPr lang="en-US"/>
+          </a:p>
+          <a:p>
+            <a:endParaRPr lang="en-US" smtClean="0"/>
+          </a:p>
+          <a:p>
+            <a:endParaRPr lang="en-US"/>
+          </a:p>
+          <a:p>
+            <a:endParaRPr lang="en-US" smtClean="0"/>
+          </a:p>
+          <a:p>
+            <a:endParaRPr lang="en-US"/>
+          </a:p>
+          <a:p>
+            <a:endParaRPr lang="en-US" smtClean="0"/>
+          </a:p>
+          <a:p>
+            <a:endParaRPr lang="en-US"/>
+          </a:p>
+          <a:p>
+            <a:endParaRPr lang="en-US" smtClean="0"/>
+          </a:p>
+          <a:p>
+            <a:endParaRPr lang="en-US"/>
+          </a:p>
+          <a:p>
+            <a:endParaRPr lang="en-US" smtClean="0"/>
+          </a:p>
+          <a:p>
+            <a:endParaRPr lang="en-US"/>
+          </a:p>
+          <a:p>
+            <a:endParaRPr lang="en-US" smtClean="0"/>
+          </a:p>
+          <a:p>
+            <a:endParaRPr lang="en-US"/>
+          </a:p>
+          <a:p>
+            <a:endParaRPr lang="en-GB"/>
+          </a:p>
+        </p:txBody>
+      </p:sp>
+      <p:sp>
+        <p:nvSpPr>
+          <p:cNvPr id="4" name="Footer Placeholder 3"/>
+          <p:cNvSpPr>
+            <a:spLocks noGrp="1"/>
+          </p:cNvSpPr>
+          <p:nvPr>
+            <p:ph type="ftr" sz="quarter" idx="10"/>
+          </p:nvPr>
+        </p:nvSpPr>
+        <p:spPr/>
+        <p:txBody>
+          <a:bodyPr/>
+          <a:lstStyle/>
+          <a:p>
+            <a:r>
+              <a:rPr lang="en-US" smtClean="0"/>
+              <a:t>Exercise 1: Basic</a:t>
+            </a:r>
+            <a:endParaRPr lang="en-US"/>
+          </a:p>
+        </p:txBody>
+      </p:sp>
+      <p:sp>
+        <p:nvSpPr>
+          <p:cNvPr id="5" name="Date Placeholder 4"/>
+          <p:cNvSpPr>
+            <a:spLocks noGrp="1"/>
+          </p:cNvSpPr>
+          <p:nvPr>
+            <p:ph type="dt" sz="half" idx="11"/>
+          </p:nvPr>
+        </p:nvSpPr>
+        <p:spPr/>
+        <p:txBody>
+          <a:bodyPr/>
+          <a:lstStyle/>
+          <a:p>
+            <a:r>
+              <a:rPr lang="mr-IN" smtClean="0"/>
+              <a:t>15/09/2018</a:t>
+            </a:r>
+            <a:endParaRPr lang="en-US"/>
+          </a:p>
+        </p:txBody>
+      </p:sp>
+      <p:sp>
+        <p:nvSpPr>
+          <p:cNvPr id="6" name="Slide Number Placeholder 5"/>
+          <p:cNvSpPr>
+            <a:spLocks noGrp="1"/>
+          </p:cNvSpPr>
+          <p:nvPr>
+            <p:ph type="sldNum" sz="quarter" idx="12"/>
+          </p:nvPr>
+        </p:nvSpPr>
+        <p:spPr/>
+        <p:txBody>
+          <a:bodyPr/>
+          <a:lstStyle/>
+          <a:p>
+            <a:fld id="{1D5CD492-2BC6-F348-9965-EC1D86DF57A8}" type="slidenum">
+              <a:rPr lang="en-US" smtClean="0"/>
+              <a:t>7</a:t>
+            </a:fld>
+            <a:endParaRPr lang="en-US"/>
+          </a:p>
+        </p:txBody>
+      </p:sp>
+    </p:spTree>
+    <p:extLst>
+      <p:ext uri="{BB962C8B-B14F-4D97-AF65-F5344CB8AC3E}">
+        <p14:creationId xmlns:p14="http://schemas.microsoft.com/office/powerpoint/2010/main" val="3143451151"/>
+      </p:ext>
+    </p:extLst>
+  </p:cSld>
+  <p:clrMapOvr>
+    <a:masterClrMapping/>
+  </p:clrMapOvr>
+  <p:transition spd="med">
+    <p:wipe dir="r"/>
+  </p:transition>
+</p:sld>
+</file>
+
+<file path=ppt/slides/slide8.xml><?xml version="1.0" encoding="utf-8"?>
+<p:sld xmlns:a="http://schemas.openxmlformats.org/drawingml/2006/main" xmlns:r="http://schemas.openxmlformats.org/officeDocument/2006/relationships" xmlns:p="http://schemas.openxmlformats.org/presentationml/2006/main">
+  <p:cSld>
+    <p:spTree>
+      <p:nvGrpSpPr>
+        <p:cNvPr id="1" name=""/>
+        <p:cNvGrpSpPr/>
+        <p:nvPr/>
+      </p:nvGrpSpPr>
+      <p:grpSpPr>
+        <a:xfrm>
+          <a:off x="0" y="0"/>
+          <a:ext cx="0" cy="0"/>
+          <a:chOff x="0" y="0"/>
+          <a:chExt cx="0" cy="0"/>
+        </a:xfrm>
+      </p:grpSpPr>
+      <p:sp>
+        <p:nvSpPr>
+          <p:cNvPr id="2" name="Title 1"/>
+          <p:cNvSpPr>
+            <a:spLocks noGrp="1"/>
+          </p:cNvSpPr>
+          <p:nvPr>
+            <p:ph type="title"/>
+          </p:nvPr>
+        </p:nvSpPr>
+        <p:spPr/>
+        <p:txBody>
+          <a:bodyPr/>
+          <a:lstStyle/>
+          <a:p>
+            <a:r>
+              <a:rPr lang="en-US" smtClean="0"/>
+              <a:t>Entry Point (cont.)</a:t>
+            </a:r>
+            <a:endParaRPr lang="en-GB"/>
+          </a:p>
+        </p:txBody>
+      </p:sp>
+      <p:sp>
+        <p:nvSpPr>
+          <p:cNvPr id="3" name="Content Placeholder 2"/>
+          <p:cNvSpPr>
+            <a:spLocks noGrp="1"/>
+          </p:cNvSpPr>
+          <p:nvPr>
+            <p:ph idx="1"/>
+          </p:nvPr>
+        </p:nvSpPr>
+        <p:spPr>
+          <a:xfrm>
+            <a:off x="457200" y="1417638"/>
+            <a:ext cx="8229600" cy="4708525"/>
+          </a:xfrm>
+        </p:spPr>
+        <p:txBody>
+          <a:bodyPr/>
+          <a:lstStyle/>
+          <a:p>
+            <a:pPr marL="0" indent="0">
+              <a:buNone/>
+            </a:pPr>
+            <a:r>
+              <a:rPr lang="en-GB" sz="1600"/>
+              <a:t>public </a:t>
+            </a:r>
+            <a:r>
+              <a:rPr lang="en-GB" sz="1600"/>
+              <a:t>class </a:t>
+            </a:r>
+            <a:r>
+              <a:rPr lang="en-GB" sz="1600" smtClean="0"/>
+              <a:t>EntryPoint2 {</a:t>
+            </a:r>
+            <a:endParaRPr lang="en-GB" sz="1600"/>
+          </a:p>
+          <a:p>
+            <a:pPr marL="0" indent="0">
+              <a:buNone/>
+            </a:pPr>
+            <a:r>
+              <a:rPr lang="en-US" sz="1600"/>
+              <a:t>  public </a:t>
+            </a:r>
+            <a:r>
+              <a:rPr lang="en-US" sz="1600"/>
+              <a:t>static </a:t>
+            </a:r>
+            <a:r>
+              <a:rPr lang="en-US" sz="1600" smtClean="0"/>
+              <a:t>String foo (String </a:t>
+            </a:r>
+            <a:r>
+              <a:rPr lang="en-US" sz="1600"/>
+              <a:t>s</a:t>
+            </a:r>
+            <a:r>
+              <a:rPr lang="en-US" sz="1600"/>
+              <a:t>) </a:t>
+            </a:r>
+            <a:r>
+              <a:rPr lang="en-US" sz="1600" smtClean="0"/>
+              <a:t>{ </a:t>
+            </a:r>
+          </a:p>
+          <a:p>
+            <a:pPr marL="0" indent="0">
+              <a:buNone/>
+            </a:pPr>
+            <a:r>
+              <a:rPr lang="en-US" sz="1600" smtClean="0"/>
+              <a:t>     return </a:t>
+            </a:r>
+            <a:r>
+              <a:rPr lang="en-GB" sz="1600"/>
+              <a:t>new </a:t>
+            </a:r>
+            <a:r>
+              <a:rPr lang="en-GB" sz="1600" smtClean="0"/>
+              <a:t>StringBuilder(s).</a:t>
+            </a:r>
+            <a:r>
+              <a:rPr lang="en-GB" sz="1600"/>
+              <a:t>reverse().</a:t>
+            </a:r>
+            <a:r>
+              <a:rPr lang="en-GB" sz="1600"/>
+              <a:t>toString</a:t>
+            </a:r>
+            <a:r>
+              <a:rPr lang="en-GB" sz="1600" smtClean="0"/>
+              <a:t>()</a:t>
+            </a:r>
+            <a:r>
+              <a:rPr lang="en-US" sz="1600" smtClean="0"/>
+              <a:t>;}  </a:t>
+            </a:r>
+            <a:endParaRPr lang="en-US" sz="1600"/>
+          </a:p>
+          <a:p>
+            <a:pPr marL="0" indent="0">
+              <a:buNone/>
+            </a:pPr>
+            <a:r>
+              <a:rPr lang="en-GB" sz="1600" smtClean="0"/>
+              <a:t>  </a:t>
+            </a:r>
+            <a:r>
+              <a:rPr lang="en-GB" sz="1600"/>
+              <a:t>public static void main(String[] args</a:t>
+            </a:r>
+            <a:r>
+              <a:rPr lang="en-GB" sz="1600"/>
+              <a:t>) </a:t>
+            </a:r>
+            <a:r>
+              <a:rPr lang="en-GB" sz="1600" smtClean="0"/>
+              <a:t>{</a:t>
+            </a:r>
+          </a:p>
+          <a:p>
+            <a:pPr marL="0" indent="0">
+              <a:buNone/>
+            </a:pPr>
+            <a:r>
+              <a:rPr lang="en-US" sz="1600" smtClean="0"/>
+              <a:t>      </a:t>
+            </a:r>
+            <a:r>
+              <a:rPr lang="en-US" sz="1600"/>
+              <a:t>return </a:t>
+            </a:r>
+            <a:r>
+              <a:rPr lang="en-GB" sz="1600"/>
+              <a:t>new StringBuilder(s).reverse().toString()</a:t>
+            </a:r>
+            <a:r>
+              <a:rPr lang="en-US" sz="1600"/>
+              <a:t>;}  </a:t>
+            </a:r>
+          </a:p>
+          <a:p>
+            <a:pPr marL="0" indent="0">
+              <a:buNone/>
+            </a:pPr>
+            <a:r>
+              <a:rPr lang="en-GB" sz="1600"/>
+              <a:t>  public static void main(String[] args) {</a:t>
+            </a:r>
+          </a:p>
+          <a:p>
+            <a:pPr marL="0" indent="0">
+              <a:buNone/>
+            </a:pPr>
+            <a:r>
+              <a:rPr lang="en-US" sz="1600"/>
+              <a:t>      System.out.println("</a:t>
+            </a:r>
+            <a:r>
+              <a:rPr lang="en-US" sz="1600"/>
+              <a:t>Calling </a:t>
+            </a:r>
+            <a:r>
+              <a:rPr lang="en-US" sz="1600" smtClean="0"/>
+              <a:t>EntryPoint2");</a:t>
+            </a:r>
+            <a:endParaRPr lang="en-US" sz="1600"/>
+          </a:p>
+          <a:p>
+            <a:pPr marL="0" indent="0">
+              <a:buNone/>
+            </a:pPr>
+            <a:r>
+              <a:rPr lang="en-US" sz="1600"/>
+              <a:t>      EntryPoint.bar(args[0]); EntryPoint.bar(args[1]);</a:t>
+            </a:r>
+          </a:p>
+          <a:p>
+            <a:pPr marL="0" indent="0">
+              <a:buNone/>
+            </a:pPr>
+            <a:r>
+              <a:rPr lang="en-US" sz="1600"/>
+              <a:t>      EntryPoint.main(args);</a:t>
+            </a:r>
+          </a:p>
+          <a:p>
+            <a:pPr marL="0" indent="0">
+              <a:buNone/>
+            </a:pPr>
+            <a:r>
+              <a:rPr lang="en-US" sz="1600"/>
+              <a:t>       System.out.println("Calling me - EntryPoint2");</a:t>
+            </a:r>
+          </a:p>
+          <a:p>
+            <a:pPr marL="0" indent="0">
+              <a:buNone/>
+            </a:pPr>
+            <a:r>
+              <a:rPr lang="en-US" sz="1600"/>
+              <a:t>        System.out.println(foo(args[0])); System.out.println(foo(args[1])); </a:t>
+            </a:r>
+            <a:endParaRPr lang="en-GB" sz="1600"/>
+          </a:p>
+          <a:p>
+            <a:pPr marL="0" indent="0">
+              <a:buNone/>
+            </a:pPr>
+            <a:r>
+              <a:rPr lang="en-US" sz="1600" smtClean="0"/>
+              <a:t>    </a:t>
+            </a:r>
+            <a:r>
+              <a:rPr lang="en-US" sz="1600"/>
+              <a:t>}</a:t>
+            </a:r>
+          </a:p>
+          <a:p>
+            <a:pPr marL="0" indent="0">
+              <a:buNone/>
+            </a:pPr>
+            <a:r>
+              <a:rPr lang="en-US" sz="1600" smtClean="0"/>
+              <a:t>}</a:t>
+            </a:r>
+            <a:endParaRPr lang="en-US" sz="1600"/>
+          </a:p>
+          <a:p>
+            <a:endParaRPr lang="en-US" smtClean="0"/>
+          </a:p>
+          <a:p>
+            <a:endParaRPr lang="en-US"/>
+          </a:p>
+          <a:p>
+            <a:endParaRPr lang="en-US" smtClean="0"/>
+          </a:p>
+          <a:p>
+            <a:endParaRPr lang="en-US"/>
+          </a:p>
+          <a:p>
+            <a:endParaRPr lang="en-US" smtClean="0"/>
+          </a:p>
+          <a:p>
+            <a:endParaRPr lang="en-US"/>
+          </a:p>
+          <a:p>
+            <a:endParaRPr lang="en-US" smtClean="0"/>
+          </a:p>
+          <a:p>
+            <a:endParaRPr lang="en-US"/>
+          </a:p>
+          <a:p>
+            <a:endParaRPr lang="en-US" smtClean="0"/>
+          </a:p>
+          <a:p>
+            <a:endParaRPr lang="en-US"/>
+          </a:p>
+          <a:p>
+            <a:endParaRPr lang="en-US" smtClean="0"/>
+          </a:p>
+          <a:p>
+            <a:endParaRPr lang="en-US"/>
+          </a:p>
+          <a:p>
+            <a:endParaRPr lang="en-US" smtClean="0"/>
+          </a:p>
+          <a:p>
+            <a:endParaRPr lang="en-US"/>
+          </a:p>
+          <a:p>
+            <a:endParaRPr lang="en-US" smtClean="0"/>
+          </a:p>
+          <a:p>
+            <a:endParaRPr lang="en-US"/>
+          </a:p>
+          <a:p>
+            <a:endParaRPr lang="en-US" smtClean="0"/>
+          </a:p>
+          <a:p>
+            <a:endParaRPr lang="en-US"/>
+          </a:p>
+          <a:p>
+            <a:endParaRPr lang="en-US" smtClean="0"/>
+          </a:p>
+          <a:p>
+            <a:endParaRPr lang="en-US"/>
+          </a:p>
+          <a:p>
+            <a:endParaRPr lang="en-US" smtClean="0"/>
+          </a:p>
+          <a:p>
+            <a:endParaRPr lang="en-US"/>
+          </a:p>
+          <a:p>
+            <a:endParaRPr lang="en-US" smtClean="0"/>
+          </a:p>
+          <a:p>
+            <a:endParaRPr lang="en-US"/>
+          </a:p>
+          <a:p>
+            <a:endParaRPr lang="en-US" smtClean="0"/>
+          </a:p>
+          <a:p>
+            <a:endParaRPr lang="en-US"/>
+          </a:p>
+          <a:p>
+            <a:endParaRPr lang="en-US" smtClean="0"/>
+          </a:p>
+          <a:p>
+            <a:endParaRPr lang="en-US"/>
+          </a:p>
+          <a:p>
+            <a:endParaRPr lang="en-US" smtClean="0"/>
+          </a:p>
+          <a:p>
+            <a:endParaRPr lang="en-US"/>
+          </a:p>
+          <a:p>
+            <a:endParaRPr lang="en-US" smtClean="0"/>
+          </a:p>
+          <a:p>
+            <a:endParaRPr lang="en-US"/>
+          </a:p>
+          <a:p>
+            <a:endParaRPr lang="en-US" smtClean="0"/>
+          </a:p>
+          <a:p>
+            <a:endParaRPr lang="en-US"/>
+          </a:p>
+          <a:p>
+            <a:endParaRPr lang="en-US" smtClean="0"/>
+          </a:p>
+          <a:p>
+            <a:endParaRPr lang="en-US"/>
+          </a:p>
+          <a:p>
+            <a:endParaRPr lang="en-US" smtClean="0"/>
+          </a:p>
+          <a:p>
+            <a:endParaRPr lang="en-US"/>
+          </a:p>
+          <a:p>
+            <a:endParaRPr lang="en-US" smtClean="0"/>
+          </a:p>
+          <a:p>
+            <a:endParaRPr lang="en-US"/>
+          </a:p>
+          <a:p>
+            <a:endParaRPr lang="en-US" smtClean="0"/>
+          </a:p>
+          <a:p>
+            <a:endParaRPr lang="en-US"/>
+          </a:p>
+          <a:p>
+            <a:endParaRPr lang="en-US" smtClean="0"/>
+          </a:p>
+          <a:p>
+            <a:endParaRPr lang="en-US"/>
+          </a:p>
+          <a:p>
+            <a:endParaRPr lang="en-US" smtClean="0"/>
+          </a:p>
+          <a:p>
+            <a:endParaRPr lang="en-US"/>
+          </a:p>
+          <a:p>
+            <a:endParaRPr lang="en-US" smtClean="0"/>
+          </a:p>
+          <a:p>
+            <a:endParaRPr lang="en-US"/>
+          </a:p>
+          <a:p>
+            <a:endParaRPr lang="en-US" smtClean="0"/>
+          </a:p>
+          <a:p>
+            <a:endParaRPr lang="en-US"/>
+          </a:p>
+          <a:p>
+            <a:endParaRPr lang="en-US" smtClean="0"/>
+          </a:p>
+          <a:p>
+            <a:endParaRPr lang="en-US"/>
+          </a:p>
+          <a:p>
+            <a:endParaRPr lang="en-US" smtClean="0"/>
+          </a:p>
+          <a:p>
+            <a:endParaRPr lang="en-US"/>
+          </a:p>
+          <a:p>
+            <a:endParaRPr lang="en-US" smtClean="0"/>
+          </a:p>
+          <a:p>
+            <a:endParaRPr lang="en-US"/>
+          </a:p>
+          <a:p>
+            <a:endParaRPr lang="en-US" smtClean="0"/>
+          </a:p>
+          <a:p>
+            <a:endParaRPr lang="en-US"/>
+          </a:p>
+          <a:p>
+            <a:endParaRPr lang="en-US" smtClean="0"/>
+          </a:p>
+          <a:p>
+            <a:endParaRPr lang="en-US"/>
+          </a:p>
+          <a:p>
+            <a:endParaRPr lang="en-GB"/>
+          </a:p>
+        </p:txBody>
+      </p:sp>
+      <p:sp>
+        <p:nvSpPr>
+          <p:cNvPr id="4" name="Footer Placeholder 3"/>
+          <p:cNvSpPr>
+            <a:spLocks noGrp="1"/>
+          </p:cNvSpPr>
+          <p:nvPr>
+            <p:ph type="ftr" sz="quarter" idx="10"/>
+          </p:nvPr>
+        </p:nvSpPr>
+        <p:spPr/>
+        <p:txBody>
+          <a:bodyPr/>
+          <a:lstStyle/>
+          <a:p>
+            <a:r>
+              <a:rPr lang="en-US" smtClean="0"/>
+              <a:t>Exercise 1: Basic</a:t>
+            </a:r>
+            <a:endParaRPr lang="en-US"/>
+          </a:p>
+        </p:txBody>
+      </p:sp>
+      <p:sp>
+        <p:nvSpPr>
+          <p:cNvPr id="5" name="Date Placeholder 4"/>
+          <p:cNvSpPr>
+            <a:spLocks noGrp="1"/>
+          </p:cNvSpPr>
+          <p:nvPr>
+            <p:ph type="dt" sz="half" idx="11"/>
+          </p:nvPr>
+        </p:nvSpPr>
+        <p:spPr/>
+        <p:txBody>
+          <a:bodyPr/>
+          <a:lstStyle/>
+          <a:p>
+            <a:r>
+              <a:rPr lang="mr-IN" smtClean="0"/>
+              <a:t>15/09/2018</a:t>
+            </a:r>
+            <a:endParaRPr lang="en-US"/>
+          </a:p>
+        </p:txBody>
+      </p:sp>
+      <p:sp>
+        <p:nvSpPr>
+          <p:cNvPr id="6" name="Slide Number Placeholder 5"/>
+          <p:cNvSpPr>
+            <a:spLocks noGrp="1"/>
+          </p:cNvSpPr>
+          <p:nvPr>
+            <p:ph type="sldNum" sz="quarter" idx="12"/>
+          </p:nvPr>
+        </p:nvSpPr>
+        <p:spPr/>
+        <p:txBody>
+          <a:bodyPr/>
+          <a:lstStyle/>
+          <a:p>
+            <a:fld id="{1D5CD492-2BC6-F348-9965-EC1D86DF57A8}" type="slidenum">
+              <a:rPr lang="en-US" smtClean="0"/>
+              <a:t>8</a:t>
+            </a:fld>
+            <a:endParaRPr lang="en-US"/>
+          </a:p>
+        </p:txBody>
+      </p:sp>
+    </p:spTree>
+    <p:extLst>
+      <p:ext uri="{BB962C8B-B14F-4D97-AF65-F5344CB8AC3E}">
+        <p14:creationId xmlns:p14="http://schemas.microsoft.com/office/powerpoint/2010/main" val="3876809827"/>
+      </p:ext>
+    </p:extLst>
+  </p:cSld>
+  <p:clrMapOvr>
+    <a:masterClrMapping/>
+  </p:clrMapOvr>
+  <p:transition spd="med">
+    <p:wipe dir="r"/>
+  </p:transition>
+</p:sld>
+</file>
+
+<file path=ppt/slides/slide9.xml><?xml version="1.0" encoding="utf-8"?>
+<p:sld xmlns:a="http://schemas.openxmlformats.org/drawingml/2006/main" xmlns:r="http://schemas.openxmlformats.org/officeDocument/2006/relationships" xmlns:p="http://schemas.openxmlformats.org/presentationml/2006/main">
+  <p:cSld>
+    <p:spTree>
+      <p:nvGrpSpPr>
+        <p:cNvPr id="1" name=""/>
+        <p:cNvGrpSpPr/>
+        <p:nvPr/>
+      </p:nvGrpSpPr>
+      <p:grpSpPr>
+        <a:xfrm>
+          <a:off x="0" y="0"/>
+          <a:ext cx="0" cy="0"/>
+          <a:chOff x="0" y="0"/>
+          <a:chExt cx="0" cy="0"/>
+        </a:xfrm>
+      </p:grpSpPr>
+      <p:sp>
+        <p:nvSpPr>
+          <p:cNvPr id="2" name="Title 1"/>
+          <p:cNvSpPr>
+            <a:spLocks noGrp="1"/>
+          </p:cNvSpPr>
+          <p:nvPr>
+            <p:ph type="title"/>
+          </p:nvPr>
+        </p:nvSpPr>
+        <p:spPr/>
+        <p:txBody>
+          <a:bodyPr/>
+          <a:lstStyle/>
+          <a:p>
+            <a:r>
+              <a:rPr lang="en-US" smtClean="0"/>
+              <a:t>Entry Point (cont.)</a:t>
+            </a:r>
+            <a:endParaRPr lang="en-GB"/>
+          </a:p>
+        </p:txBody>
+      </p:sp>
+      <p:sp>
+        <p:nvSpPr>
+          <p:cNvPr id="3" name="Content Placeholder 2"/>
+          <p:cNvSpPr>
+            <a:spLocks noGrp="1"/>
+          </p:cNvSpPr>
+          <p:nvPr>
+            <p:ph idx="1"/>
+          </p:nvPr>
+        </p:nvSpPr>
+        <p:spPr>
+          <a:xfrm>
+            <a:off x="457200" y="1417638"/>
+            <a:ext cx="8229600" cy="5113791"/>
+          </a:xfrm>
+        </p:spPr>
+        <p:txBody>
+          <a:bodyPr/>
+          <a:lstStyle/>
+          <a:p>
+            <a:pPr marL="0" indent="0">
+              <a:buNone/>
+            </a:pPr>
+            <a:r>
+              <a:rPr lang="en-GB" sz="1800"/>
+              <a:t>public </a:t>
+            </a:r>
+            <a:r>
+              <a:rPr lang="en-GB" sz="1800"/>
+              <a:t>class </a:t>
+            </a:r>
+            <a:r>
+              <a:rPr lang="en-GB" sz="1800" smtClean="0"/>
+              <a:t>EntryPoint2 {</a:t>
+            </a:r>
+            <a:endParaRPr lang="en-GB" sz="1800"/>
+          </a:p>
+          <a:p>
+            <a:pPr marL="0" indent="0">
+              <a:buNone/>
+            </a:pPr>
+            <a:r>
+              <a:rPr lang="en-US" sz="1800"/>
+              <a:t>  public </a:t>
+            </a:r>
+            <a:r>
+              <a:rPr lang="en-US" sz="1800"/>
+              <a:t>static </a:t>
+            </a:r>
+            <a:r>
+              <a:rPr lang="en-US" sz="1800" smtClean="0"/>
+              <a:t>String foo (String </a:t>
+            </a:r>
+            <a:r>
+              <a:rPr lang="en-US" sz="1800"/>
+              <a:t>s</a:t>
+            </a:r>
+            <a:r>
+              <a:rPr lang="en-US" sz="1800"/>
+              <a:t>) </a:t>
+            </a:r>
+            <a:r>
+              <a:rPr lang="en-US" sz="1800" smtClean="0"/>
+              <a:t>{ </a:t>
+            </a:r>
+          </a:p>
+          <a:p>
+            <a:pPr marL="0" indent="0">
+              <a:buNone/>
+            </a:pPr>
+            <a:r>
+              <a:rPr lang="en-US" sz="1800" smtClean="0"/>
+              <a:t>     return </a:t>
+            </a:r>
+            <a:r>
+              <a:rPr lang="en-GB" sz="1800"/>
+              <a:t>new </a:t>
+            </a:r>
+            <a:r>
+              <a:rPr lang="en-GB" sz="1800" smtClean="0"/>
+              <a:t>StringBuilder(s).</a:t>
+            </a:r>
+            <a:r>
+              <a:rPr lang="en-GB" sz="1800"/>
+              <a:t>reverse().</a:t>
+            </a:r>
+            <a:r>
+              <a:rPr lang="en-GB" sz="1800"/>
+              <a:t>toString</a:t>
+            </a:r>
+            <a:r>
+              <a:rPr lang="en-GB" sz="1800" smtClean="0"/>
+              <a:t>()</a:t>
+            </a:r>
+            <a:r>
+              <a:rPr lang="en-US" sz="1800" smtClean="0"/>
+              <a:t>;}  </a:t>
+            </a:r>
+            <a:endParaRPr lang="en-US" sz="1800"/>
+          </a:p>
+          <a:p>
+            <a:pPr marL="0" indent="0">
+              <a:buNone/>
+            </a:pPr>
+            <a:r>
+              <a:rPr lang="en-GB" sz="1800" smtClean="0"/>
+              <a:t>  </a:t>
+            </a:r>
+            <a:r>
+              <a:rPr lang="en-GB" sz="1800"/>
+              <a:t>public static void main(String[] args</a:t>
+            </a:r>
+            <a:r>
+              <a:rPr lang="en-GB" sz="1800"/>
+              <a:t>) </a:t>
+            </a:r>
+            <a:r>
+              <a:rPr lang="en-GB" sz="1800" smtClean="0"/>
+              <a:t>{</a:t>
+            </a:r>
+          </a:p>
+          <a:p>
+            <a:pPr marL="0" indent="0">
+              <a:buNone/>
+            </a:pPr>
+            <a:r>
+              <a:rPr lang="en-US" sz="1800" smtClean="0"/>
+              <a:t>      System.out.println("Calling EntryPoint");</a:t>
+            </a:r>
+          </a:p>
+          <a:p>
+            <a:pPr marL="0" indent="0">
+              <a:buNone/>
+            </a:pPr>
+            <a:r>
+              <a:rPr lang="en-US" sz="1800"/>
+              <a:t> </a:t>
+            </a:r>
+            <a:r>
+              <a:rPr lang="en-US" sz="1800" smtClean="0"/>
+              <a:t>     EntryPoint.bar(args[0]); EntryPoint.bar(args[1]);</a:t>
+            </a:r>
+          </a:p>
+          <a:p>
+            <a:pPr marL="0" indent="0">
+              <a:buNone/>
+            </a:pPr>
+            <a:r>
+              <a:rPr lang="en-US" sz="1800"/>
+              <a:t> </a:t>
+            </a:r>
+            <a:r>
+              <a:rPr lang="en-US" sz="1800" smtClean="0"/>
+              <a:t>     EntryPoint.main(args);</a:t>
+            </a:r>
+          </a:p>
+          <a:p>
+            <a:pPr marL="0" indent="0">
+              <a:buNone/>
+            </a:pPr>
+            <a:r>
+              <a:rPr lang="en-US" sz="1800"/>
+              <a:t> </a:t>
+            </a:r>
+            <a:r>
+              <a:rPr lang="en-US" sz="1800" smtClean="0"/>
+              <a:t>      System.out.println("Calling me - EntryPoint2");</a:t>
+            </a:r>
+          </a:p>
+          <a:p>
+            <a:pPr marL="0" indent="0">
+              <a:buNone/>
+            </a:pPr>
+            <a:r>
+              <a:rPr lang="en-US" sz="1800"/>
+              <a:t> </a:t>
+            </a:r>
+            <a:r>
+              <a:rPr lang="en-US" sz="1800" smtClean="0"/>
+              <a:t>       System.out.println(foo(args[0])); System.out.println(foo(args[1])); </a:t>
+            </a:r>
+            <a:endParaRPr lang="en-GB" sz="1800" smtClean="0"/>
+          </a:p>
+          <a:p>
+            <a:pPr marL="0" indent="0">
+              <a:buNone/>
+            </a:pPr>
+            <a:r>
+              <a:rPr lang="en-US" sz="1800" smtClean="0"/>
+              <a:t>    }</a:t>
+            </a:r>
+          </a:p>
+          <a:p>
+            <a:pPr marL="0" indent="0">
+              <a:buNone/>
+            </a:pPr>
+            <a:r>
+              <a:rPr lang="en-US" sz="1800" smtClean="0"/>
+              <a:t>}</a:t>
+            </a:r>
+            <a:endParaRPr lang="en-US" sz="1800"/>
+          </a:p>
+          <a:p>
+            <a:r>
+              <a:rPr lang="en-US" smtClean="0"/>
+              <a:t>java EntryPoint2 string0 string1</a:t>
+            </a:r>
+          </a:p>
+          <a:p>
+            <a:endParaRPr lang="en-US"/>
+          </a:p>
+          <a:p>
+            <a:endParaRPr lang="en-US" smtClean="0"/>
+          </a:p>
+          <a:p>
+            <a:endParaRPr lang="en-US"/>
+          </a:p>
+          <a:p>
+            <a:endParaRPr lang="en-US" smtClean="0"/>
+          </a:p>
+          <a:p>
+            <a:endParaRPr lang="en-US"/>
+          </a:p>
+          <a:p>
+            <a:endParaRPr lang="en-US" smtClean="0"/>
+          </a:p>
+          <a:p>
+            <a:endParaRPr lang="en-US"/>
+          </a:p>
+          <a:p>
+            <a:endParaRPr lang="en-US" smtClean="0"/>
+          </a:p>
+          <a:p>
+            <a:endParaRPr lang="en-US"/>
+          </a:p>
+          <a:p>
+            <a:endParaRPr lang="en-US" smtClean="0"/>
+          </a:p>
+          <a:p>
+            <a:endParaRPr lang="en-US"/>
+          </a:p>
+          <a:p>
+            <a:endParaRPr lang="en-US" smtClean="0"/>
+          </a:p>
+          <a:p>
+            <a:endParaRPr lang="en-US"/>
+          </a:p>
+          <a:p>
+            <a:endParaRPr lang="en-US" smtClean="0"/>
+          </a:p>
+          <a:p>
+            <a:endParaRPr lang="en-US"/>
+          </a:p>
+          <a:p>
+            <a:endParaRPr lang="en-US" smtClean="0"/>
+          </a:p>
+          <a:p>
+            <a:endParaRPr lang="en-US"/>
+          </a:p>
+          <a:p>
+            <a:endParaRPr lang="en-US" smtClean="0"/>
+          </a:p>
+          <a:p>
+            <a:endParaRPr lang="en-US"/>
+          </a:p>
+          <a:p>
+            <a:endParaRPr lang="en-US" smtClean="0"/>
+          </a:p>
+          <a:p>
+            <a:endParaRPr lang="en-US"/>
+          </a:p>
+          <a:p>
+            <a:endParaRPr lang="en-US" smtClean="0"/>
+          </a:p>
+          <a:p>
+            <a:endParaRPr lang="en-US"/>
+          </a:p>
+          <a:p>
+            <a:endParaRPr lang="en-US" smtClean="0"/>
+          </a:p>
+          <a:p>
+            <a:endParaRPr lang="en-US"/>
+          </a:p>
+          <a:p>
+            <a:endParaRPr lang="en-US" smtClean="0"/>
+          </a:p>
+          <a:p>
+            <a:endParaRPr lang="en-US"/>
+          </a:p>
+          <a:p>
+            <a:endParaRPr lang="en-US" smtClean="0"/>
+          </a:p>
+          <a:p>
+            <a:endParaRPr lang="en-US"/>
+          </a:p>
+          <a:p>
+            <a:endParaRPr lang="en-US" smtClean="0"/>
+          </a:p>
+          <a:p>
+            <a:endParaRPr lang="en-US"/>
+          </a:p>
+          <a:p>
+            <a:endParaRPr lang="en-US" smtClean="0"/>
+          </a:p>
+          <a:p>
+            <a:endParaRPr lang="en-US"/>
+          </a:p>
+          <a:p>
+            <a:endParaRPr lang="en-US" smtClean="0"/>
+          </a:p>
+          <a:p>
+            <a:endParaRPr lang="en-US"/>
+          </a:p>
+          <a:p>
+            <a:endParaRPr lang="en-US" smtClean="0"/>
+          </a:p>
+          <a:p>
+            <a:endParaRPr lang="en-US"/>
+          </a:p>
+          <a:p>
+            <a:endParaRPr lang="en-US" smtClean="0"/>
+          </a:p>
+          <a:p>
+            <a:endParaRPr lang="en-US"/>
+          </a:p>
+          <a:p>
+            <a:endParaRPr lang="en-US" smtClean="0"/>
+          </a:p>
+          <a:p>
+            <a:endParaRPr lang="en-US"/>
+          </a:p>
+          <a:p>
+            <a:endParaRPr lang="en-US" smtClean="0"/>
+          </a:p>
+          <a:p>
+            <a:endParaRPr lang="en-US"/>
+          </a:p>
+          <a:p>
+            <a:endParaRPr lang="en-US" smtClean="0"/>
+          </a:p>
+          <a:p>
+            <a:endParaRPr lang="en-US"/>
+          </a:p>
+          <a:p>
+            <a:endParaRPr lang="en-US" smtClean="0"/>
+          </a:p>
+          <a:p>
+            <a:endParaRPr lang="en-US"/>
+          </a:p>
+          <a:p>
+            <a:endParaRPr lang="en-US" smtClean="0"/>
+          </a:p>
+          <a:p>
+            <a:endParaRPr lang="en-US"/>
+          </a:p>
+          <a:p>
+            <a:endParaRPr lang="en-US" smtClean="0"/>
+          </a:p>
+          <a:p>
+            <a:endParaRPr lang="en-US"/>
+          </a:p>
+          <a:p>
+            <a:endParaRPr lang="en-US" smtClean="0"/>
+          </a:p>
+          <a:p>
+            <a:endParaRPr lang="en-US"/>
+          </a:p>
+          <a:p>
+            <a:endParaRPr lang="en-US" smtClean="0"/>
+          </a:p>
+          <a:p>
+            <a:endParaRPr lang="en-US"/>
+          </a:p>
+          <a:p>
+            <a:endParaRPr lang="en-US" smtClean="0"/>
+          </a:p>
+          <a:p>
+            <a:endParaRPr lang="en-US"/>
+          </a:p>
+          <a:p>
+            <a:endParaRPr lang="en-US" smtClean="0"/>
+          </a:p>
+          <a:p>
+            <a:endParaRPr lang="en-US"/>
+          </a:p>
+          <a:p>
+            <a:endParaRPr lang="en-GB"/>
+          </a:p>
+        </p:txBody>
+      </p:sp>
+      <p:sp>
+        <p:nvSpPr>
+          <p:cNvPr id="4" name="Footer Placeholder 3"/>
+          <p:cNvSpPr>
+            <a:spLocks noGrp="1"/>
+          </p:cNvSpPr>
+          <p:nvPr>
+            <p:ph type="ftr" sz="quarter" idx="10"/>
+          </p:nvPr>
+        </p:nvSpPr>
+        <p:spPr/>
+        <p:txBody>
+          <a:bodyPr/>
+          <a:lstStyle/>
+          <a:p>
+            <a:r>
+              <a:rPr lang="en-US" smtClean="0"/>
+              <a:t>Exercise 1: Basic</a:t>
+            </a:r>
+            <a:endParaRPr lang="en-US"/>
+          </a:p>
+        </p:txBody>
+      </p:sp>
+      <p:sp>
+        <p:nvSpPr>
+          <p:cNvPr id="5" name="Date Placeholder 4"/>
+          <p:cNvSpPr>
+            <a:spLocks noGrp="1"/>
+          </p:cNvSpPr>
+          <p:nvPr>
+            <p:ph type="dt" sz="half" idx="11"/>
+          </p:nvPr>
+        </p:nvSpPr>
+        <p:spPr/>
+        <p:txBody>
+          <a:bodyPr/>
+          <a:lstStyle/>
+          <a:p>
+            <a:r>
+              <a:rPr lang="mr-IN" smtClean="0"/>
+              <a:t>15/09/2018</a:t>
+            </a:r>
+            <a:endParaRPr lang="en-US"/>
+          </a:p>
+        </p:txBody>
+      </p:sp>
+      <p:sp>
+        <p:nvSpPr>
+          <p:cNvPr id="6" name="Slide Number Placeholder 5"/>
+          <p:cNvSpPr>
+            <a:spLocks noGrp="1"/>
+          </p:cNvSpPr>
+          <p:nvPr>
+            <p:ph type="sldNum" sz="quarter" idx="12"/>
+          </p:nvPr>
+        </p:nvSpPr>
+        <p:spPr/>
+        <p:txBody>
+          <a:bodyPr/>
+          <a:lstStyle/>
+          <a:p>
+            <a:fld id="{1D5CD492-2BC6-F348-9965-EC1D86DF57A8}" type="slidenum">
+              <a:rPr lang="en-US" smtClean="0"/>
+              <a:t>9</a:t>
+            </a:fld>
+            <a:endParaRPr lang="en-US"/>
+          </a:p>
+        </p:txBody>
+      </p:sp>
+    </p:spTree>
+    <p:extLst>
+      <p:ext uri="{BB962C8B-B14F-4D97-AF65-F5344CB8AC3E}">
+        <p14:creationId xmlns:p14="http://schemas.microsoft.com/office/powerpoint/2010/main" val="3777024625"/>
+      </p:ext>
+    </p:extLst>
   </p:cSld>
   <p:clrMapOvr>
     <a:masterClrMapping/>

--- a/courses/oopjava/practice1.pptx
+++ b/courses/oopjava/practice1.pptx
@@ -151,7 +151,7 @@
   </p:defaultTextStyle>
   <p:extLst>
     <p:ext uri="{EFAFB233-063F-42B5-8137-9DF3F51BA10A}">
-      <p15:sldGuideLst xmlns:p15="http://schemas.microsoft.com/office/powerpoint/2012/main" xmlns="">
+      <p15:sldGuideLst xmlns:p15="http://schemas.microsoft.com/office/powerpoint/2012/main">
         <p15:guide id="1" orient="horz" pos="2160">
           <p15:clr>
             <a:srgbClr val="A4A3A4"/>
@@ -251,7 +251,7 @@
             <a:fld id="{CB44B6B1-5441-9644-AE1C-BB7EA5DBA264}" type="datetimeFigureOut">
               <a:rPr lang="en-US" smtClean="0"/>
               <a:pPr/>
-              <a:t>9/15/2018</a:t>
+              <a:t>9/15/18</a:t>
             </a:fld>
             <a:endParaRPr lang="en-US"/>
           </a:p>
@@ -419,7 +419,7 @@
             <a:fld id="{41878819-472C-A14B-95BF-39C94BA106B2}" type="datetimeFigureOut">
               <a:rPr lang="en-US" smtClean="0"/>
               <a:pPr/>
-              <a:t>9/15/2018</a:t>
+              <a:t>9/15/18</a:t>
             </a:fld>
             <a:endParaRPr lang="en-US"/>
           </a:p>
@@ -874,10 +874,9 @@
           <a:lstStyle/>
           <a:p>
             <a:r>
-              <a:rPr lang="en-US" smtClean="0"/>
-              <a:t>Exercise 1: Basic</a:t>
-            </a:r>
-            <a:endParaRPr lang="en-US"/>
+              <a:rPr lang="en-US" dirty="0"/>
+              <a:t>Practice 1: Overview</a:t>
+            </a:r>
           </a:p>
         </p:txBody>
       </p:sp>
@@ -897,7 +896,7 @@
           <a:lstStyle/>
           <a:p>
             <a:r>
-              <a:rPr lang="en-GB" smtClean="0"/>
+              <a:rPr lang="en-GB"/>
               <a:t>15/09/2018</a:t>
             </a:r>
             <a:endParaRPr lang="en-US"/>
@@ -1066,7 +1065,7 @@
           </a:lstStyle>
           <a:p>
             <a:r>
-              <a:rPr lang="en-GB" smtClean="0"/>
+              <a:rPr lang="en-GB"/>
               <a:t>15/09/2018</a:t>
             </a:r>
             <a:endParaRPr lang="en-US"/>
@@ -1104,10 +1103,9 @@
               <a:defRPr/>
             </a:pPr>
             <a:r>
-              <a:rPr lang="en-US" smtClean="0"/>
-              <a:t>Exercise 1: Basic</a:t>
-            </a:r>
-            <a:endParaRPr lang="en-US"/>
+              <a:rPr lang="en-US" dirty="0"/>
+              <a:t>Practice 1: Overview</a:t>
+            </a:r>
           </a:p>
         </p:txBody>
       </p:sp>
@@ -1296,7 +1294,7 @@
           </a:lstStyle>
           <a:p>
             <a:r>
-              <a:rPr lang="en-GB" smtClean="0"/>
+              <a:rPr lang="en-GB"/>
               <a:t>15/09/2018</a:t>
             </a:r>
             <a:endParaRPr lang="en-US"/>
@@ -1334,10 +1332,9 @@
               <a:defRPr/>
             </a:pPr>
             <a:r>
-              <a:rPr lang="en-US" smtClean="0"/>
-              <a:t>Exercise 1: Basic</a:t>
-            </a:r>
-            <a:endParaRPr lang="en-US"/>
+              <a:rPr lang="en-US" dirty="0"/>
+              <a:t>Practice 1: Overview</a:t>
+            </a:r>
           </a:p>
         </p:txBody>
       </p:sp>
@@ -1575,10 +1572,9 @@
           <a:lstStyle/>
           <a:p>
             <a:r>
-              <a:rPr lang="en-US" smtClean="0"/>
-              <a:t>Exercise 1: Basic</a:t>
-            </a:r>
-            <a:endParaRPr lang="en-US"/>
+              <a:rPr lang="en-US" dirty="0"/>
+              <a:t>Practice 1: Overview</a:t>
+            </a:r>
           </a:p>
         </p:txBody>
       </p:sp>
@@ -1598,7 +1594,7 @@
           <a:lstStyle/>
           <a:p>
             <a:r>
-              <a:rPr lang="mr-IN" smtClean="0"/>
+              <a:rPr lang="mr-IN"/>
               <a:t>15/09/2018</a:t>
             </a:r>
             <a:endParaRPr lang="en-US"/>
@@ -1841,7 +1837,7 @@
               <a:defRPr/>
             </a:pPr>
             <a:r>
-              <a:rPr lang="mr-IN" smtClean="0"/>
+              <a:rPr lang="mr-IN"/>
               <a:t>15/09/2018</a:t>
             </a:r>
             <a:endParaRPr lang="en-US"/>
@@ -1879,10 +1875,9 @@
               <a:defRPr/>
             </a:pPr>
             <a:r>
-              <a:rPr lang="en-US" smtClean="0"/>
-              <a:t>Exercise 1: Basic</a:t>
-            </a:r>
-            <a:endParaRPr lang="en-US"/>
+              <a:rPr lang="en-US" dirty="0"/>
+              <a:t>Practice 1: Overview</a:t>
+            </a:r>
           </a:p>
         </p:txBody>
       </p:sp>
@@ -2185,7 +2180,7 @@
               <a:defRPr/>
             </a:pPr>
             <a:r>
-              <a:rPr lang="mr-IN" smtClean="0"/>
+              <a:rPr lang="mr-IN"/>
               <a:t>15/09/2018</a:t>
             </a:r>
             <a:endParaRPr lang="en-US"/>
@@ -2223,10 +2218,9 @@
               <a:defRPr/>
             </a:pPr>
             <a:r>
-              <a:rPr lang="en-US" smtClean="0"/>
-              <a:t>Exercise 1: Basic</a:t>
-            </a:r>
-            <a:endParaRPr lang="en-US"/>
+              <a:rPr lang="en-US" dirty="0"/>
+              <a:t>Practice 1: Overview</a:t>
+            </a:r>
           </a:p>
         </p:txBody>
       </p:sp>
@@ -2669,7 +2663,7 @@
               <a:defRPr/>
             </a:pPr>
             <a:r>
-              <a:rPr lang="mr-IN" smtClean="0"/>
+              <a:rPr lang="mr-IN"/>
               <a:t>15/09/2018</a:t>
             </a:r>
             <a:endParaRPr lang="en-US"/>
@@ -2707,10 +2701,9 @@
               <a:defRPr/>
             </a:pPr>
             <a:r>
-              <a:rPr lang="en-US" smtClean="0"/>
-              <a:t>Exercise 1: Basic</a:t>
-            </a:r>
-            <a:endParaRPr lang="en-US"/>
+              <a:rPr lang="en-US" dirty="0"/>
+              <a:t>Practice 1: Overview</a:t>
+            </a:r>
           </a:p>
         </p:txBody>
       </p:sp>
@@ -2837,7 +2830,7 @@
               <a:defRPr/>
             </a:pPr>
             <a:r>
-              <a:rPr lang="en-GB" smtClean="0"/>
+              <a:rPr lang="en-GB"/>
               <a:t>15/09/2018</a:t>
             </a:r>
             <a:endParaRPr lang="en-US"/>
@@ -2875,10 +2868,9 @@
               <a:defRPr/>
             </a:pPr>
             <a:r>
-              <a:rPr lang="en-US" smtClean="0"/>
-              <a:t>Exercise 1: Basic</a:t>
-            </a:r>
-            <a:endParaRPr lang="en-US"/>
+              <a:rPr lang="en-US" dirty="0"/>
+              <a:t>Practice 1: Overview</a:t>
+            </a:r>
           </a:p>
         </p:txBody>
       </p:sp>
@@ -2979,7 +2971,7 @@
           </a:lstStyle>
           <a:p>
             <a:r>
-              <a:rPr lang="en-GB" smtClean="0"/>
+              <a:rPr lang="en-GB"/>
               <a:t>15/09/2018</a:t>
             </a:r>
             <a:endParaRPr lang="en-US"/>
@@ -3017,10 +3009,9 @@
               <a:defRPr/>
             </a:pPr>
             <a:r>
-              <a:rPr lang="en-US" smtClean="0"/>
-              <a:t>Exercise 1: Basic</a:t>
-            </a:r>
-            <a:endParaRPr lang="en-US"/>
+              <a:rPr lang="en-US" dirty="0"/>
+              <a:t>Practice 1: Overview</a:t>
+            </a:r>
           </a:p>
         </p:txBody>
       </p:sp>
@@ -3309,7 +3300,7 @@
           </a:lstStyle>
           <a:p>
             <a:r>
-              <a:rPr lang="en-GB" smtClean="0"/>
+              <a:rPr lang="en-GB"/>
               <a:t>15/09/2018</a:t>
             </a:r>
             <a:endParaRPr lang="en-US"/>
@@ -3347,10 +3338,9 @@
               <a:defRPr/>
             </a:pPr>
             <a:r>
-              <a:rPr lang="en-US" smtClean="0"/>
-              <a:t>Exercise 1: Basic</a:t>
-            </a:r>
-            <a:endParaRPr lang="en-US"/>
+              <a:rPr lang="en-US" dirty="0"/>
+              <a:t>Practice 1: Overview</a:t>
+            </a:r>
           </a:p>
         </p:txBody>
       </p:sp>
@@ -3620,7 +3610,7 @@
           </a:lstStyle>
           <a:p>
             <a:r>
-              <a:rPr lang="en-GB" smtClean="0"/>
+              <a:rPr lang="en-GB"/>
               <a:t>15/09/2018</a:t>
             </a:r>
             <a:endParaRPr lang="en-US"/>
@@ -3658,10 +3648,9 @@
               <a:defRPr/>
             </a:pPr>
             <a:r>
-              <a:rPr lang="en-US" smtClean="0"/>
-              <a:t>Exercise 1: Basic</a:t>
-            </a:r>
-            <a:endParaRPr lang="en-US"/>
+              <a:rPr lang="en-US" dirty="0"/>
+              <a:t>Practice 1: Overview</a:t>
+            </a:r>
           </a:p>
         </p:txBody>
       </p:sp>
@@ -3930,10 +3919,9 @@
           </a:lstStyle>
           <a:p>
             <a:r>
-              <a:rPr lang="en-US" smtClean="0"/>
-              <a:t>Exercise 1: Basic</a:t>
-            </a:r>
-            <a:endParaRPr lang="en-US"/>
+              <a:rPr lang="en-US" dirty="0"/>
+              <a:t>Practice 1: Overview</a:t>
+            </a:r>
           </a:p>
         </p:txBody>
       </p:sp>
@@ -3971,7 +3959,7 @@
           </a:lstStyle>
           <a:p>
             <a:r>
-              <a:rPr lang="en-GB" smtClean="0"/>
+              <a:rPr lang="en-GB"/>
               <a:t>15/09/2018</a:t>
             </a:r>
             <a:endParaRPr lang="en-US"/>
@@ -4584,8 +4572,8 @@
           <a:lstStyle/>
           <a:p>
             <a:r>
-              <a:rPr lang="en-US"/>
-              <a:t>Exercise 1: Basic</a:t>
+              <a:rPr lang="en-US" dirty="0"/>
+              <a:t>Practice 1: Overview</a:t>
             </a:r>
           </a:p>
         </p:txBody>
@@ -4621,13 +4609,6 @@
   <p:transition spd="med">
     <p:wipe dir="r"/>
   </p:transition>
-  <p:timing>
-    <p:tnLst>
-      <p:par>
-        <p:cTn id="1" dur="indefinite" restart="never" nodeType="tmRoot"/>
-      </p:par>
-    </p:tnLst>
-  </p:timing>
 </p:sld>
 </file>
 
@@ -4664,7 +4645,7 @@
           <a:lstStyle/>
           <a:p>
             <a:r>
-              <a:rPr lang="en-US" smtClean="0"/>
+              <a:rPr lang="en-US"/>
               <a:t>Entry Point (cont.)</a:t>
             </a:r>
             <a:endParaRPr lang="en-GB"/>
@@ -4695,8 +4676,16 @@
               <a:buNone/>
             </a:pPr>
             <a:r>
-              <a:rPr lang="en-GB" sz="1800"/>
-              <a:t>public class EntryPoint {</a:t>
+              <a:rPr lang="en-GB" sz="1800" dirty="0"/>
+              <a:t>public class </a:t>
+            </a:r>
+            <a:r>
+              <a:rPr lang="en-GB" sz="1800" dirty="0" err="1"/>
+              <a:t>EntryPoint</a:t>
+            </a:r>
+            <a:r>
+              <a:rPr lang="en-GB" sz="1800" dirty="0"/>
+              <a:t> {</a:t>
             </a:r>
           </a:p>
           <a:p>
@@ -4704,8 +4693,16 @@
               <a:buNone/>
             </a:pPr>
             <a:r>
-              <a:rPr lang="en-US" sz="1800"/>
-              <a:t>  public static void bar(String s) { System.out.println(s);}  </a:t>
+              <a:rPr lang="en-US" sz="1800" dirty="0"/>
+              <a:t>  public static void bar(String s) { </a:t>
+            </a:r>
+            <a:r>
+              <a:rPr lang="en-US" sz="1800" dirty="0" err="1"/>
+              <a:t>System.out.println</a:t>
+            </a:r>
+            <a:r>
+              <a:rPr lang="en-US" sz="1800" dirty="0"/>
+              <a:t>(s);}  </a:t>
             </a:r>
           </a:p>
           <a:p>
@@ -4713,8 +4710,16 @@
               <a:buNone/>
             </a:pPr>
             <a:r>
-              <a:rPr lang="en-GB" sz="1800"/>
-              <a:t>  public static void main(String[] args) {</a:t>
+              <a:rPr lang="en-GB" sz="1800" dirty="0"/>
+              <a:t>  public static void main(String[] </a:t>
+            </a:r>
+            <a:r>
+              <a:rPr lang="en-GB" sz="1800" dirty="0" err="1"/>
+              <a:t>args</a:t>
+            </a:r>
+            <a:r>
+              <a:rPr lang="en-GB" sz="1800" dirty="0"/>
+              <a:t>) {</a:t>
             </a:r>
           </a:p>
           <a:p>
@@ -4722,38 +4727,41 @@
               <a:buNone/>
             </a:pPr>
             <a:r>
-              <a:rPr lang="en-US" sz="1800"/>
-              <a:t> </a:t>
-            </a:r>
-            <a:r>
-              <a:rPr lang="en-US" sz="1800" smtClean="0"/>
-              <a:t>     System.out.println</a:t>
-            </a:r>
-            <a:r>
-              <a:rPr lang="en-US" sz="1800"/>
-              <a:t>("</a:t>
-            </a:r>
-            <a:r>
-              <a:rPr lang="en-US" sz="1800"/>
-              <a:t>Calling </a:t>
-            </a:r>
-            <a:r>
-              <a:rPr lang="en-US" sz="1800" smtClean="0"/>
-              <a:t>EntryPoint2");</a:t>
-            </a:r>
-            <a:endParaRPr lang="en-US" sz="1800"/>
+              <a:rPr lang="en-US" sz="1800" dirty="0"/>
+              <a:t>      </a:t>
+            </a:r>
+            <a:r>
+              <a:rPr lang="en-US" sz="1800" dirty="0" err="1"/>
+              <a:t>System.out.println</a:t>
+            </a:r>
+            <a:r>
+              <a:rPr lang="en-US" sz="1800" dirty="0"/>
+              <a:t>("Calling EntryPoint2");</a:t>
+            </a:r>
           </a:p>
           <a:p>
             <a:pPr marL="0" indent="0">
               <a:buNone/>
             </a:pPr>
             <a:r>
-              <a:rPr lang="en-US" sz="1800"/>
+              <a:rPr lang="en-US" sz="1800" dirty="0"/>
               <a:t>      </a:t>
             </a:r>
             <a:r>
-              <a:rPr lang="en-US" sz="1800" smtClean="0"/>
-              <a:t>System.out.println(EntryPoint2.foo(args[0])); </a:t>
+              <a:rPr lang="en-US" sz="1800" dirty="0" err="1"/>
+              <a:t>System.out.println</a:t>
+            </a:r>
+            <a:r>
+              <a:rPr lang="en-US" sz="1800" dirty="0"/>
+              <a:t>(EntryPoint2.foo(</a:t>
+            </a:r>
+            <a:r>
+              <a:rPr lang="en-US" sz="1800" dirty="0" err="1"/>
+              <a:t>args</a:t>
+            </a:r>
+            <a:r>
+              <a:rPr lang="en-US" sz="1800" dirty="0"/>
+              <a:t>[0])); </a:t>
             </a:r>
           </a:p>
           <a:p>
@@ -4761,8 +4769,24 @@
               <a:buNone/>
             </a:pPr>
             <a:r>
-              <a:rPr lang="en-US" sz="1800" smtClean="0"/>
-              <a:t>      System.out.println(EntryPoint2.foo(args[1])); </a:t>
+              <a:rPr lang="en-US" sz="1800" dirty="0"/>
+              <a:t>      </a:t>
+            </a:r>
+            <a:r>
+              <a:rPr lang="en-US" sz="1800" dirty="0" err="1"/>
+              <a:t>System.out.println</a:t>
+            </a:r>
+            <a:r>
+              <a:rPr lang="en-US" sz="1800" dirty="0"/>
+              <a:t>(EntryPoint2.foo(</a:t>
+            </a:r>
+            <a:r>
+              <a:rPr lang="en-US" sz="1800" dirty="0" err="1"/>
+              <a:t>args</a:t>
+            </a:r>
+            <a:r>
+              <a:rPr lang="en-US" sz="1800" dirty="0"/>
+              <a:t>[1])); </a:t>
             </a:r>
           </a:p>
           <a:p>
@@ -4770,12 +4794,16 @@
               <a:buNone/>
             </a:pPr>
             <a:r>
-              <a:rPr lang="en-US" sz="1800"/>
-              <a:t> </a:t>
-            </a:r>
-            <a:r>
-              <a:rPr lang="en-US" sz="1800" smtClean="0"/>
-              <a:t>     //EntryPoint2.main(args);</a:t>
+              <a:rPr lang="en-US" sz="1800" dirty="0"/>
+              <a:t>      //EntryPoint2.main(</a:t>
+            </a:r>
+            <a:r>
+              <a:rPr lang="en-US" sz="1800" dirty="0" err="1"/>
+              <a:t>args</a:t>
+            </a:r>
+            <a:r>
+              <a:rPr lang="en-US" sz="1800" dirty="0"/>
+              <a:t>);</a:t>
             </a:r>
           </a:p>
           <a:p>
@@ -4783,20 +4811,24 @@
               <a:buNone/>
             </a:pPr>
             <a:r>
-              <a:rPr lang="en-US" sz="1800" smtClean="0"/>
+              <a:rPr lang="en-US" sz="1800" dirty="0"/>
               <a:t>      </a:t>
             </a:r>
             <a:r>
-              <a:rPr lang="en-US" sz="1800"/>
-              <a:t>System.out.println("</a:t>
-            </a:r>
-            <a:r>
-              <a:rPr lang="en-US" sz="1800"/>
-              <a:t>Calling </a:t>
-            </a:r>
-            <a:r>
-              <a:rPr lang="en-US" sz="1800" smtClean="0"/>
-              <a:t>me - EntryPoint");  </a:t>
+              <a:rPr lang="en-US" sz="1800" dirty="0" err="1"/>
+              <a:t>System.out.println</a:t>
+            </a:r>
+            <a:r>
+              <a:rPr lang="en-US" sz="1800" dirty="0"/>
+              <a:t>("Calling me - </a:t>
+            </a:r>
+            <a:r>
+              <a:rPr lang="en-US" sz="1800" dirty="0" err="1"/>
+              <a:t>EntryPoint</a:t>
+            </a:r>
+            <a:r>
+              <a:rPr lang="en-US" sz="1800" dirty="0"/>
+              <a:t>");  </a:t>
             </a:r>
           </a:p>
           <a:p>
@@ -4804,18 +4836,65 @@
               <a:buNone/>
             </a:pPr>
             <a:r>
-              <a:rPr lang="en-US" sz="1800" smtClean="0"/>
-              <a:t>       System.out.println(args[0]);  System.out.println(args[1]);</a:t>
-            </a:r>
-            <a:endParaRPr lang="en-US" sz="1800"/>
+              <a:rPr lang="en-US" sz="1800" dirty="0"/>
+              <a:t>       </a:t>
+            </a:r>
+            <a:r>
+              <a:rPr lang="en-US" sz="1800" dirty="0" err="1"/>
+              <a:t>System.out.println</a:t>
+            </a:r>
+            <a:r>
+              <a:rPr lang="en-US" sz="1800" dirty="0"/>
+              <a:t>(</a:t>
+            </a:r>
+            <a:r>
+              <a:rPr lang="en-US" sz="1800" dirty="0" err="1"/>
+              <a:t>args</a:t>
+            </a:r>
+            <a:r>
+              <a:rPr lang="en-US" sz="1800" dirty="0"/>
+              <a:t>[0]);  </a:t>
+            </a:r>
+            <a:r>
+              <a:rPr lang="en-US" sz="1800" dirty="0" err="1"/>
+              <a:t>System.out.println</a:t>
+            </a:r>
+            <a:r>
+              <a:rPr lang="en-US" sz="1800" dirty="0"/>
+              <a:t>(</a:t>
+            </a:r>
+            <a:r>
+              <a:rPr lang="en-US" sz="1800" dirty="0" err="1"/>
+              <a:t>args</a:t>
+            </a:r>
+            <a:r>
+              <a:rPr lang="en-US" sz="1800" dirty="0"/>
+              <a:t>[1]);</a:t>
+            </a:r>
           </a:p>
           <a:p>
             <a:pPr marL="0" indent="0">
               <a:buNone/>
             </a:pPr>
             <a:r>
-              <a:rPr lang="en-US" sz="1800" smtClean="0"/>
-              <a:t>       bar(args[0]); bar(args[1]);        </a:t>
+              <a:rPr lang="en-US" sz="1800" dirty="0"/>
+              <a:t>       bar(</a:t>
+            </a:r>
+            <a:r>
+              <a:rPr lang="en-US" sz="1800" dirty="0" err="1"/>
+              <a:t>args</a:t>
+            </a:r>
+            <a:r>
+              <a:rPr lang="en-US" sz="1800" dirty="0"/>
+              <a:t>[0]); bar(</a:t>
+            </a:r>
+            <a:r>
+              <a:rPr lang="en-US" sz="1800" dirty="0" err="1"/>
+              <a:t>args</a:t>
+            </a:r>
+            <a:r>
+              <a:rPr lang="en-US" sz="1800" dirty="0"/>
+              <a:t>[1]);        </a:t>
             </a:r>
           </a:p>
           <a:p>
@@ -4823,194 +4902,200 @@
               <a:buNone/>
             </a:pPr>
             <a:r>
-              <a:rPr lang="en-US" sz="1800" smtClean="0"/>
+              <a:rPr lang="en-US" sz="1800" dirty="0"/>
               <a:t>   }</a:t>
             </a:r>
-            <a:endParaRPr lang="en-US" sz="1800"/>
           </a:p>
           <a:p>
             <a:pPr marL="0" indent="0">
               <a:buNone/>
             </a:pPr>
             <a:r>
-              <a:rPr lang="en-US" sz="1800" smtClean="0"/>
+              <a:rPr lang="en-US" sz="1800" dirty="0"/>
               <a:t>}</a:t>
             </a:r>
-            <a:endParaRPr lang="en-US" sz="1800"/>
-          </a:p>
-          <a:p>
-            <a:r>
-              <a:rPr lang="en-US" smtClean="0"/>
-              <a:t>java EntryPoint string0 string1</a:t>
-            </a:r>
-          </a:p>
-          <a:p>
-            <a:r>
-              <a:rPr lang="en-US" smtClean="0"/>
+          </a:p>
+          <a:p>
+            <a:r>
+              <a:rPr lang="en-US" dirty="0"/>
+              <a:t>java </a:t>
+            </a:r>
+            <a:r>
+              <a:rPr lang="en-US" dirty="0" err="1"/>
+              <a:t>EntryPoint</a:t>
+            </a:r>
+            <a:r>
+              <a:rPr lang="en-US" dirty="0"/>
+              <a:t> string0 string1</a:t>
+            </a:r>
+          </a:p>
+          <a:p>
+            <a:r>
+              <a:rPr lang="en-US" dirty="0"/>
               <a:t>java EntryPoint2 string0 string1</a:t>
             </a:r>
           </a:p>
           <a:p>
-            <a:endParaRPr lang="en-US"/>
-          </a:p>
-          <a:p>
-            <a:endParaRPr lang="en-US" smtClean="0"/>
-          </a:p>
-          <a:p>
-            <a:endParaRPr lang="en-US"/>
-          </a:p>
-          <a:p>
-            <a:endParaRPr lang="en-US" smtClean="0"/>
-          </a:p>
-          <a:p>
-            <a:endParaRPr lang="en-US"/>
-          </a:p>
-          <a:p>
-            <a:endParaRPr lang="en-US" smtClean="0"/>
-          </a:p>
-          <a:p>
-            <a:endParaRPr lang="en-US"/>
-          </a:p>
-          <a:p>
-            <a:endParaRPr lang="en-US" smtClean="0"/>
-          </a:p>
-          <a:p>
-            <a:endParaRPr lang="en-US"/>
-          </a:p>
-          <a:p>
-            <a:endParaRPr lang="en-US" smtClean="0"/>
-          </a:p>
-          <a:p>
-            <a:endParaRPr lang="en-US"/>
-          </a:p>
-          <a:p>
-            <a:endParaRPr lang="en-US" smtClean="0"/>
-          </a:p>
-          <a:p>
-            <a:endParaRPr lang="en-US"/>
-          </a:p>
-          <a:p>
-            <a:endParaRPr lang="en-US" smtClean="0"/>
-          </a:p>
-          <a:p>
-            <a:endParaRPr lang="en-US"/>
-          </a:p>
-          <a:p>
-            <a:endParaRPr lang="en-US" smtClean="0"/>
-          </a:p>
-          <a:p>
-            <a:endParaRPr lang="en-US"/>
-          </a:p>
-          <a:p>
-            <a:endParaRPr lang="en-US" smtClean="0"/>
-          </a:p>
-          <a:p>
-            <a:endParaRPr lang="en-US"/>
-          </a:p>
-          <a:p>
-            <a:endParaRPr lang="en-US" smtClean="0"/>
-          </a:p>
-          <a:p>
-            <a:endParaRPr lang="en-US"/>
-          </a:p>
-          <a:p>
-            <a:endParaRPr lang="en-US" smtClean="0"/>
-          </a:p>
-          <a:p>
-            <a:endParaRPr lang="en-US"/>
-          </a:p>
-          <a:p>
-            <a:endParaRPr lang="en-US" smtClean="0"/>
-          </a:p>
-          <a:p>
-            <a:endParaRPr lang="en-US"/>
-          </a:p>
-          <a:p>
-            <a:endParaRPr lang="en-US" smtClean="0"/>
-          </a:p>
-          <a:p>
-            <a:endParaRPr lang="en-US"/>
-          </a:p>
-          <a:p>
-            <a:endParaRPr lang="en-US" smtClean="0"/>
-          </a:p>
-          <a:p>
-            <a:endParaRPr lang="en-US"/>
-          </a:p>
-          <a:p>
-            <a:endParaRPr lang="en-US" smtClean="0"/>
-          </a:p>
-          <a:p>
-            <a:endParaRPr lang="en-US"/>
-          </a:p>
-          <a:p>
-            <a:endParaRPr lang="en-US" smtClean="0"/>
-          </a:p>
-          <a:p>
-            <a:endParaRPr lang="en-US"/>
-          </a:p>
-          <a:p>
-            <a:endParaRPr lang="en-US" smtClean="0"/>
-          </a:p>
-          <a:p>
-            <a:endParaRPr lang="en-US"/>
-          </a:p>
-          <a:p>
-            <a:endParaRPr lang="en-US" smtClean="0"/>
-          </a:p>
-          <a:p>
-            <a:endParaRPr lang="en-US"/>
-          </a:p>
-          <a:p>
-            <a:endParaRPr lang="en-US" smtClean="0"/>
-          </a:p>
-          <a:p>
-            <a:endParaRPr lang="en-US"/>
-          </a:p>
-          <a:p>
-            <a:endParaRPr lang="en-US" smtClean="0"/>
-          </a:p>
-          <a:p>
-            <a:endParaRPr lang="en-US"/>
-          </a:p>
-          <a:p>
-            <a:endParaRPr lang="en-US" smtClean="0"/>
-          </a:p>
-          <a:p>
-            <a:endParaRPr lang="en-US"/>
-          </a:p>
-          <a:p>
-            <a:endParaRPr lang="en-US" smtClean="0"/>
-          </a:p>
-          <a:p>
-            <a:endParaRPr lang="en-US"/>
-          </a:p>
-          <a:p>
-            <a:endParaRPr lang="en-US" smtClean="0"/>
-          </a:p>
-          <a:p>
-            <a:endParaRPr lang="en-US"/>
-          </a:p>
-          <a:p>
-            <a:endParaRPr lang="en-US" smtClean="0"/>
-          </a:p>
-          <a:p>
-            <a:endParaRPr lang="en-US"/>
-          </a:p>
-          <a:p>
-            <a:endParaRPr lang="en-US" smtClean="0"/>
-          </a:p>
-          <a:p>
-            <a:endParaRPr lang="en-US"/>
-          </a:p>
-          <a:p>
-            <a:endParaRPr lang="en-US" smtClean="0"/>
-          </a:p>
-          <a:p>
-            <a:endParaRPr lang="en-US"/>
-          </a:p>
-          <a:p>
-            <a:endParaRPr lang="en-GB"/>
+            <a:endParaRPr lang="en-US" dirty="0"/>
+          </a:p>
+          <a:p>
+            <a:endParaRPr lang="en-US" dirty="0"/>
+          </a:p>
+          <a:p>
+            <a:endParaRPr lang="en-US" dirty="0"/>
+          </a:p>
+          <a:p>
+            <a:endParaRPr lang="en-US" dirty="0"/>
+          </a:p>
+          <a:p>
+            <a:endParaRPr lang="en-US" dirty="0"/>
+          </a:p>
+          <a:p>
+            <a:endParaRPr lang="en-US" dirty="0"/>
+          </a:p>
+          <a:p>
+            <a:endParaRPr lang="en-US" dirty="0"/>
+          </a:p>
+          <a:p>
+            <a:endParaRPr lang="en-US" dirty="0"/>
+          </a:p>
+          <a:p>
+            <a:endParaRPr lang="en-US" dirty="0"/>
+          </a:p>
+          <a:p>
+            <a:endParaRPr lang="en-US" dirty="0"/>
+          </a:p>
+          <a:p>
+            <a:endParaRPr lang="en-US" dirty="0"/>
+          </a:p>
+          <a:p>
+            <a:endParaRPr lang="en-US" dirty="0"/>
+          </a:p>
+          <a:p>
+            <a:endParaRPr lang="en-US" dirty="0"/>
+          </a:p>
+          <a:p>
+            <a:endParaRPr lang="en-US" dirty="0"/>
+          </a:p>
+          <a:p>
+            <a:endParaRPr lang="en-US" dirty="0"/>
+          </a:p>
+          <a:p>
+            <a:endParaRPr lang="en-US" dirty="0"/>
+          </a:p>
+          <a:p>
+            <a:endParaRPr lang="en-US" dirty="0"/>
+          </a:p>
+          <a:p>
+            <a:endParaRPr lang="en-US" dirty="0"/>
+          </a:p>
+          <a:p>
+            <a:endParaRPr lang="en-US" dirty="0"/>
+          </a:p>
+          <a:p>
+            <a:endParaRPr lang="en-US" dirty="0"/>
+          </a:p>
+          <a:p>
+            <a:endParaRPr lang="en-US" dirty="0"/>
+          </a:p>
+          <a:p>
+            <a:endParaRPr lang="en-US" dirty="0"/>
+          </a:p>
+          <a:p>
+            <a:endParaRPr lang="en-US" dirty="0"/>
+          </a:p>
+          <a:p>
+            <a:endParaRPr lang="en-US" dirty="0"/>
+          </a:p>
+          <a:p>
+            <a:endParaRPr lang="en-US" dirty="0"/>
+          </a:p>
+          <a:p>
+            <a:endParaRPr lang="en-US" dirty="0"/>
+          </a:p>
+          <a:p>
+            <a:endParaRPr lang="en-US" dirty="0"/>
+          </a:p>
+          <a:p>
+            <a:endParaRPr lang="en-US" dirty="0"/>
+          </a:p>
+          <a:p>
+            <a:endParaRPr lang="en-US" dirty="0"/>
+          </a:p>
+          <a:p>
+            <a:endParaRPr lang="en-US" dirty="0"/>
+          </a:p>
+          <a:p>
+            <a:endParaRPr lang="en-US" dirty="0"/>
+          </a:p>
+          <a:p>
+            <a:endParaRPr lang="en-US" dirty="0"/>
+          </a:p>
+          <a:p>
+            <a:endParaRPr lang="en-US" dirty="0"/>
+          </a:p>
+          <a:p>
+            <a:endParaRPr lang="en-US" dirty="0"/>
+          </a:p>
+          <a:p>
+            <a:endParaRPr lang="en-US" dirty="0"/>
+          </a:p>
+          <a:p>
+            <a:endParaRPr lang="en-US" dirty="0"/>
+          </a:p>
+          <a:p>
+            <a:endParaRPr lang="en-US" dirty="0"/>
+          </a:p>
+          <a:p>
+            <a:endParaRPr lang="en-US" dirty="0"/>
+          </a:p>
+          <a:p>
+            <a:endParaRPr lang="en-US" dirty="0"/>
+          </a:p>
+          <a:p>
+            <a:endParaRPr lang="en-US" dirty="0"/>
+          </a:p>
+          <a:p>
+            <a:endParaRPr lang="en-US" dirty="0"/>
+          </a:p>
+          <a:p>
+            <a:endParaRPr lang="en-US" dirty="0"/>
+          </a:p>
+          <a:p>
+            <a:endParaRPr lang="en-US" dirty="0"/>
+          </a:p>
+          <a:p>
+            <a:endParaRPr lang="en-US" dirty="0"/>
+          </a:p>
+          <a:p>
+            <a:endParaRPr lang="en-US" dirty="0"/>
+          </a:p>
+          <a:p>
+            <a:endParaRPr lang="en-US" dirty="0"/>
+          </a:p>
+          <a:p>
+            <a:endParaRPr lang="en-US" dirty="0"/>
+          </a:p>
+          <a:p>
+            <a:endParaRPr lang="en-US" dirty="0"/>
+          </a:p>
+          <a:p>
+            <a:endParaRPr lang="en-US" dirty="0"/>
+          </a:p>
+          <a:p>
+            <a:endParaRPr lang="en-US" dirty="0"/>
+          </a:p>
+          <a:p>
+            <a:endParaRPr lang="en-US" dirty="0"/>
+          </a:p>
+          <a:p>
+            <a:endParaRPr lang="en-US" dirty="0"/>
+          </a:p>
+          <a:p>
+            <a:endParaRPr lang="en-US" dirty="0"/>
+          </a:p>
+          <a:p>
+            <a:endParaRPr lang="en-GB" dirty="0"/>
           </a:p>
         </p:txBody>
       </p:sp>
@@ -5030,10 +5115,9 @@
           <a:lstStyle/>
           <a:p>
             <a:r>
-              <a:rPr lang="en-US" smtClean="0"/>
-              <a:t>Exercise 1: Basic</a:t>
-            </a:r>
-            <a:endParaRPr lang="en-US"/>
+              <a:rPr lang="en-US" dirty="0"/>
+              <a:t>Practice 1: Overview</a:t>
+            </a:r>
           </a:p>
         </p:txBody>
       </p:sp>
@@ -5053,7 +5137,7 @@
           <a:lstStyle/>
           <a:p>
             <a:r>
-              <a:rPr lang="mr-IN" smtClean="0"/>
+              <a:rPr lang="mr-IN"/>
               <a:t>15/09/2018</a:t>
             </a:r>
             <a:endParaRPr lang="en-US"/>
@@ -5132,8 +5216,8 @@
           <a:lstStyle/>
           <a:p>
             <a:r>
-              <a:rPr lang="en-US"/>
-              <a:t>Exercises 1</a:t>
+              <a:rPr lang="en-US" dirty="0"/>
+              <a:t>Practice 1</a:t>
             </a:r>
           </a:p>
         </p:txBody>
@@ -5159,65 +5243,34 @@
           <a:lstStyle/>
           <a:p>
             <a:r>
-              <a:rPr lang="en-US"/>
+              <a:rPr lang="en-US" dirty="0"/>
               <a:t>Installation</a:t>
             </a:r>
           </a:p>
           <a:p>
             <a:r>
-              <a:rPr lang="en-US"/>
+              <a:rPr lang="en-US" dirty="0"/>
               <a:t>Set PATH</a:t>
             </a:r>
           </a:p>
           <a:p>
             <a:r>
-              <a:rPr lang="en-US"/>
+              <a:rPr lang="en-US" dirty="0"/>
               <a:t>Hello World</a:t>
             </a:r>
           </a:p>
           <a:p>
             <a:r>
-              <a:rPr lang="en-US"/>
+              <a:rPr lang="en-US" dirty="0"/>
               <a:t>Keyboard Input / Printing</a:t>
             </a:r>
           </a:p>
           <a:p>
             <a:r>
-              <a:rPr lang="en-US"/>
+              <a:rPr lang="en-US" dirty="0"/>
               <a:t>Entry point</a:t>
             </a:r>
           </a:p>
-          <a:p>
-            <a:r>
-              <a:rPr lang="en-US"/>
-              <a:t>Variable</a:t>
-            </a:r>
-          </a:p>
-          <a:p>
-            <a:r>
-              <a:rPr lang="en-US"/>
-              <a:t>If Statement</a:t>
-            </a:r>
-          </a:p>
-          <a:p>
-            <a:r>
-              <a:rPr lang="en-US"/>
-              <a:t>Loop (Do-While, While, For)</a:t>
-            </a:r>
-          </a:p>
-          <a:p>
-            <a:r>
-              <a:rPr lang="en-US"/>
-              <a:t>Jar: Common Math &amp; Guava</a:t>
-            </a:r>
-          </a:p>
-          <a:p>
-            <a:r>
-              <a:rPr lang="en-US" err="1"/>
-              <a:t>Github</a:t>
-            </a:r>
-            <a:endParaRPr lang="en-US"/>
-          </a:p>
         </p:txBody>
       </p:sp>
       <p:sp>
@@ -5236,8 +5289,8 @@
           <a:lstStyle/>
           <a:p>
             <a:r>
-              <a:rPr lang="en-US"/>
-              <a:t>Exercise 1: Basic</a:t>
+              <a:rPr lang="en-US" dirty="0"/>
+              <a:t>Practice 1: Overview</a:t>
             </a:r>
           </a:p>
         </p:txBody>
@@ -5258,10 +5311,10 @@
           <a:lstStyle/>
           <a:p>
             <a:r>
-              <a:rPr lang="en-GB"/>
+              <a:rPr lang="en-GB" dirty="0"/>
               <a:t>15/09/2018</a:t>
             </a:r>
-            <a:endParaRPr lang="en-US"/>
+            <a:endParaRPr lang="en-US" dirty="0"/>
           </a:p>
         </p:txBody>
       </p:sp>
@@ -5296,13 +5349,6 @@
   <p:transition spd="med">
     <p:wipe dir="r"/>
   </p:transition>
-  <p:timing>
-    <p:tnLst>
-      <p:par>
-        <p:cTn id="1" dur="indefinite" restart="never" nodeType="tmRoot"/>
-      </p:par>
-    </p:tnLst>
-  </p:timing>
 </p:sld>
 </file>
 
@@ -5339,21 +5385,109 @@
           <a:lstStyle/>
           <a:p>
             <a:r>
-              <a:rPr lang="en-GB" smtClean="0"/>
+              <a:rPr lang="en-GB"/>
               <a:t>Installation</a:t>
             </a:r>
+          </a:p>
+        </p:txBody>
+      </p:sp>
+      <p:sp>
+        <p:nvSpPr>
+          <p:cNvPr id="3" name="Content Placeholder 2"/>
+          <p:cNvSpPr>
+            <a:spLocks noGrp="1"/>
+          </p:cNvSpPr>
+          <p:nvPr>
+            <p:ph idx="1"/>
+          </p:nvPr>
+        </p:nvSpPr>
+        <p:spPr/>
+        <p:txBody>
+          <a:bodyPr/>
+          <a:lstStyle/>
+          <a:p>
+            <a:r>
+              <a:rPr lang="en-GB"/>
+              <a:t>Download and install Java 8 &amp; Java 10 (JDK)</a:t>
+            </a:r>
+          </a:p>
+          <a:p>
+            <a:r>
+              <a:rPr lang="en-GB"/>
+              <a:t>Use Java 10 as default (set in PATH)</a:t>
+            </a:r>
+          </a:p>
+          <a:p>
+            <a:pPr marL="0" indent="0">
+              <a:buNone/>
+            </a:pPr>
+            <a:r>
+              <a:rPr lang="en-GB"/>
+              <a:t>echo %PATH%</a:t>
+            </a:r>
+          </a:p>
+          <a:p>
+            <a:r>
+              <a:rPr lang="en-GB"/>
+              <a:t>Check by running (in command line):</a:t>
+            </a:r>
+          </a:p>
+          <a:p>
+            <a:pPr marL="0" indent="0">
+              <a:buNone/>
+            </a:pPr>
+            <a:r>
+              <a:rPr lang="en-GB"/>
+              <a:t>java –version</a:t>
+            </a:r>
+          </a:p>
+          <a:p>
+            <a:pPr marL="0" indent="0">
+              <a:buNone/>
+            </a:pPr>
+            <a:r>
+              <a:rPr lang="en-GB" err="1"/>
+              <a:t>javac</a:t>
+            </a:r>
+            <a:r>
+              <a:rPr lang="en-GB"/>
+              <a:t> –version</a:t>
+            </a:r>
+          </a:p>
+          <a:p>
+            <a:pPr lvl="0"/>
+            <a:r>
+              <a:rPr lang="en-GB" err="1"/>
+              <a:t>javac</a:t>
+            </a:r>
+            <a:r>
+              <a:rPr lang="en-GB"/>
+              <a:t>: c = compiler, compile java source code (.java) to bytecode (.class).</a:t>
+            </a:r>
+          </a:p>
+          <a:p>
+            <a:pPr lvl="0"/>
+            <a:r>
+              <a:rPr lang="en-GB"/>
+              <a:t>java: run java program (start JVM) with classes. </a:t>
+            </a:r>
+          </a:p>
+          <a:p>
+            <a:pPr marL="0" indent="0">
+              <a:buNone/>
+            </a:pPr>
             <a:endParaRPr lang="en-GB"/>
           </a:p>
         </p:txBody>
       </p:sp>
       <p:sp>
         <p:nvSpPr>
-          <p:cNvPr id="3" name="Content Placeholder 2"/>
-          <p:cNvSpPr>
-            <a:spLocks noGrp="1"/>
-          </p:cNvSpPr>
-          <p:nvPr>
-            <p:ph idx="1"/>
+          <p:cNvPr id="4" name="Footer Placeholder 3"/>
+          <p:cNvSpPr>
+            <a:spLocks noGrp="1"/>
+          </p:cNvSpPr>
+          <p:nvPr>
+            <p:ph type="ftr" sz="quarter" idx="10"/>
           </p:nvPr>
         </p:nvSpPr>
         <p:spPr/>
@@ -5362,104 +5496,20 @@
           <a:lstStyle/>
           <a:p>
             <a:r>
-              <a:rPr lang="en-GB" smtClean="0"/>
-              <a:t>Download and install Java 8 &amp; Java 10 (JDK)</a:t>
-            </a:r>
-          </a:p>
-          <a:p>
-            <a:r>
-              <a:rPr lang="en-GB" smtClean="0"/>
-              <a:t>Use Java 10 as default (set in PATH)</a:t>
-            </a:r>
-          </a:p>
-          <a:p>
-            <a:pPr marL="0" indent="0">
-              <a:buNone/>
-            </a:pPr>
-            <a:r>
-              <a:rPr lang="en-GB"/>
-              <a:t>e</a:t>
-            </a:r>
-            <a:r>
-              <a:rPr lang="en-GB" smtClean="0"/>
-              <a:t>cho %PATH%</a:t>
-            </a:r>
-          </a:p>
-          <a:p>
-            <a:r>
-              <a:rPr lang="en-GB" smtClean="0"/>
-              <a:t>Check by running (in command line):</a:t>
-            </a:r>
-          </a:p>
-          <a:p>
-            <a:pPr marL="0" indent="0">
-              <a:buNone/>
-            </a:pPr>
-            <a:r>
-              <a:rPr lang="en-GB"/>
-              <a:t>j</a:t>
-            </a:r>
-            <a:r>
-              <a:rPr lang="en-GB" smtClean="0"/>
-              <a:t>ava –version</a:t>
-            </a:r>
-          </a:p>
-          <a:p>
-            <a:pPr marL="0" indent="0">
-              <a:buNone/>
-            </a:pPr>
-            <a:r>
-              <a:rPr lang="en-GB" err="1"/>
-              <a:t>j</a:t>
-            </a:r>
-            <a:r>
-              <a:rPr lang="en-GB" err="1" smtClean="0"/>
-              <a:t>avac</a:t>
-            </a:r>
-            <a:r>
-              <a:rPr lang="en-GB" smtClean="0"/>
-              <a:t> –version</a:t>
-            </a:r>
-          </a:p>
-          <a:p>
-            <a:pPr lvl="0"/>
-            <a:r>
-              <a:rPr lang="en-GB" err="1" smtClean="0"/>
-              <a:t>javac</a:t>
-            </a:r>
-            <a:r>
-              <a:rPr lang="en-GB" smtClean="0"/>
-              <a:t>: c = compiler, compile java source code (.java) to bytecode (.class).</a:t>
-            </a:r>
-          </a:p>
-          <a:p>
-            <a:pPr lvl="0"/>
-            <a:r>
-              <a:rPr lang="en-GB"/>
-              <a:t>j</a:t>
-            </a:r>
-            <a:r>
-              <a:rPr lang="en-GB" smtClean="0"/>
-              <a:t>ava: run java program (start JVM) with classes. </a:t>
-            </a:r>
-            <a:endParaRPr lang="en-GB"/>
-          </a:p>
-          <a:p>
-            <a:pPr marL="0" indent="0">
-              <a:buNone/>
-            </a:pPr>
-            <a:endParaRPr lang="en-GB"/>
-          </a:p>
-        </p:txBody>
-      </p:sp>
-      <p:sp>
-        <p:nvSpPr>
-          <p:cNvPr id="4" name="Footer Placeholder 3"/>
-          <p:cNvSpPr>
-            <a:spLocks noGrp="1"/>
-          </p:cNvSpPr>
-          <p:nvPr>
-            <p:ph type="ftr" sz="quarter" idx="10"/>
+              <a:rPr lang="en-US" dirty="0"/>
+              <a:t>Practice 1: Overview</a:t>
+            </a:r>
+          </a:p>
+        </p:txBody>
+      </p:sp>
+      <p:sp>
+        <p:nvSpPr>
+          <p:cNvPr id="5" name="Date Placeholder 4"/>
+          <p:cNvSpPr>
+            <a:spLocks noGrp="1"/>
+          </p:cNvSpPr>
+          <p:nvPr>
+            <p:ph type="dt" sz="half" idx="11"/>
           </p:nvPr>
         </p:nvSpPr>
         <p:spPr/>
@@ -5468,30 +5518,7 @@
           <a:lstStyle/>
           <a:p>
             <a:r>
-              <a:rPr lang="en-US" smtClean="0"/>
-              <a:t>Exercise 1: Basic</a:t>
-            </a:r>
-            <a:endParaRPr lang="en-US"/>
-          </a:p>
-        </p:txBody>
-      </p:sp>
-      <p:sp>
-        <p:nvSpPr>
-          <p:cNvPr id="5" name="Date Placeholder 4"/>
-          <p:cNvSpPr>
-            <a:spLocks noGrp="1"/>
-          </p:cNvSpPr>
-          <p:nvPr>
-            <p:ph type="dt" sz="half" idx="11"/>
-          </p:nvPr>
-        </p:nvSpPr>
-        <p:spPr/>
-        <p:txBody>
-          <a:bodyPr/>
-          <a:lstStyle/>
-          <a:p>
-            <a:r>
-              <a:rPr lang="mr-IN" smtClean="0"/>
+              <a:rPr lang="mr-IN"/>
               <a:t>15/09/2018</a:t>
             </a:r>
             <a:endParaRPr lang="en-US"/>
@@ -5534,13 +5561,6 @@
   <p:transition spd="med">
     <p:wipe dir="r"/>
   </p:transition>
-  <p:timing>
-    <p:tnLst>
-      <p:par>
-        <p:cTn id="1" dur="indefinite" restart="never" nodeType="tmRoot"/>
-      </p:par>
-    </p:tnLst>
-  </p:timing>
 </p:sld>
 </file>
 
@@ -5577,21 +5597,113 @@
           <a:lstStyle/>
           <a:p>
             <a:r>
-              <a:rPr lang="en-GB" smtClean="0"/>
+              <a:rPr lang="en-GB"/>
               <a:t>Hello World</a:t>
             </a:r>
+          </a:p>
+        </p:txBody>
+      </p:sp>
+      <p:sp>
+        <p:nvSpPr>
+          <p:cNvPr id="3" name="Content Placeholder 2"/>
+          <p:cNvSpPr>
+            <a:spLocks noGrp="1"/>
+          </p:cNvSpPr>
+          <p:nvPr>
+            <p:ph idx="1"/>
+          </p:nvPr>
+        </p:nvSpPr>
+        <p:spPr/>
+        <p:txBody>
+          <a:bodyPr/>
+          <a:lstStyle/>
+          <a:p>
+            <a:pPr marL="0" indent="0">
+              <a:buNone/>
+            </a:pPr>
+            <a:r>
+              <a:rPr lang="en-GB"/>
+              <a:t>public class HelloWorld {</a:t>
+            </a:r>
+          </a:p>
+          <a:p>
+            <a:pPr marL="0" indent="0">
+              <a:buNone/>
+            </a:pPr>
+            <a:r>
+              <a:rPr lang="en-US"/>
+              <a:t>  </a:t>
+            </a:r>
+            <a:r>
+              <a:rPr lang="en-GB"/>
+              <a:t>   public static void main(String[] args) {</a:t>
+            </a:r>
+          </a:p>
+          <a:p>
+            <a:pPr marL="0" indent="0">
+              <a:buNone/>
+            </a:pPr>
+            <a:r>
+              <a:rPr lang="en-GB"/>
+              <a:t>      System.out.println("Hello World!");</a:t>
+            </a:r>
+          </a:p>
+          <a:p>
+            <a:pPr marL="0" indent="0">
+              <a:buNone/>
+            </a:pPr>
+            <a:r>
+              <a:rPr lang="en-US"/>
+              <a:t>    }</a:t>
+            </a:r>
+          </a:p>
+          <a:p>
+            <a:pPr marL="0" indent="0">
+              <a:buNone/>
+            </a:pPr>
+            <a:r>
+              <a:rPr lang="en-US"/>
+              <a:t>}</a:t>
+            </a:r>
+          </a:p>
+          <a:p>
+            <a:pPr marL="0" indent="0">
+              <a:buNone/>
+            </a:pPr>
+            <a:r>
+              <a:rPr lang="en-US"/>
+              <a:t>save as HelloWorld.java (In a folder outside of Users/Program Files/Windows, such as D:\Java), then change current directory to it (cd), compile and run:</a:t>
+            </a:r>
+          </a:p>
+          <a:p>
+            <a:pPr marL="0" indent="0">
+              <a:buNone/>
+            </a:pPr>
+            <a:r>
+              <a:rPr lang="en-US"/>
+              <a:t>javac HelloWorld.java</a:t>
+            </a:r>
+          </a:p>
+          <a:p>
+            <a:pPr marL="0" indent="0">
+              <a:buNone/>
+            </a:pPr>
+            <a:r>
+              <a:rPr lang="en-US"/>
+              <a:t>java HelloWorld</a:t>
+            </a:r>
             <a:endParaRPr lang="en-GB"/>
           </a:p>
         </p:txBody>
       </p:sp>
       <p:sp>
         <p:nvSpPr>
-          <p:cNvPr id="3" name="Content Placeholder 2"/>
-          <p:cNvSpPr>
-            <a:spLocks noGrp="1"/>
-          </p:cNvSpPr>
-          <p:nvPr>
-            <p:ph idx="1"/>
+          <p:cNvPr id="4" name="Footer Placeholder 3"/>
+          <p:cNvSpPr>
+            <a:spLocks noGrp="1"/>
+          </p:cNvSpPr>
+          <p:nvPr>
+            <p:ph type="ftr" sz="quarter" idx="10"/>
           </p:nvPr>
         </p:nvSpPr>
         <p:spPr/>
@@ -5599,96 +5711,21 @@
           <a:bodyPr/>
           <a:lstStyle/>
           <a:p>
-            <a:pPr marL="0" indent="0">
-              <a:buNone/>
-            </a:pPr>
-            <a:r>
-              <a:rPr lang="en-GB" smtClean="0"/>
-              <a:t>public class HelloWorld {</a:t>
-            </a:r>
-          </a:p>
-          <a:p>
-            <a:pPr marL="0" indent="0">
-              <a:buNone/>
-            </a:pPr>
-            <a:r>
-              <a:rPr lang="en-US" smtClean="0"/>
-              <a:t>  </a:t>
-            </a:r>
-            <a:r>
-              <a:rPr lang="en-GB" smtClean="0"/>
-              <a:t>   public static void main(String[] args) {</a:t>
-            </a:r>
-          </a:p>
-          <a:p>
-            <a:pPr marL="0" indent="0">
-              <a:buNone/>
-            </a:pPr>
-            <a:r>
-              <a:rPr lang="en-GB"/>
-              <a:t> </a:t>
-            </a:r>
-            <a:r>
-              <a:rPr lang="en-GB" smtClean="0"/>
-              <a:t>     System.out.println("Hello World!");</a:t>
-            </a:r>
-          </a:p>
-          <a:p>
-            <a:pPr marL="0" indent="0">
-              <a:buNone/>
-            </a:pPr>
-            <a:r>
-              <a:rPr lang="en-US" smtClean="0"/>
-              <a:t>    }</a:t>
-            </a:r>
-          </a:p>
-          <a:p>
-            <a:pPr marL="0" indent="0">
-              <a:buNone/>
-            </a:pPr>
-            <a:r>
-              <a:rPr lang="en-US" smtClean="0"/>
-              <a:t>}</a:t>
-            </a:r>
-          </a:p>
-          <a:p>
-            <a:pPr marL="0" indent="0">
-              <a:buNone/>
-            </a:pPr>
-            <a:r>
-              <a:rPr lang="en-US" smtClean="0"/>
-              <a:t>save as HelloWorld.java (In a folder outside of Users/Program Files/Windows, such as D:\Java), then change current directory to it (cd), compile and run:</a:t>
-            </a:r>
-          </a:p>
-          <a:p>
-            <a:pPr marL="0" indent="0">
-              <a:buNone/>
-            </a:pPr>
-            <a:r>
-              <a:rPr lang="en-US" smtClean="0"/>
-              <a:t>javac HelloWorld.java</a:t>
-            </a:r>
-          </a:p>
-          <a:p>
-            <a:pPr marL="0" indent="0">
-              <a:buNone/>
-            </a:pPr>
-            <a:r>
-              <a:rPr lang="en-US" smtClean="0"/>
-              <a:t>java HelloWorld</a:t>
-            </a:r>
-            <a:endParaRPr lang="en-GB"/>
-          </a:p>
-        </p:txBody>
-      </p:sp>
-      <p:sp>
-        <p:nvSpPr>
-          <p:cNvPr id="4" name="Footer Placeholder 3"/>
-          <p:cNvSpPr>
-            <a:spLocks noGrp="1"/>
-          </p:cNvSpPr>
-          <p:nvPr>
-            <p:ph type="ftr" sz="quarter" idx="10"/>
+            <a:r>
+              <a:rPr lang="en-US" dirty="0"/>
+              <a:t>Practice 1: Overview</a:t>
+            </a:r>
+          </a:p>
+        </p:txBody>
+      </p:sp>
+      <p:sp>
+        <p:nvSpPr>
+          <p:cNvPr id="5" name="Date Placeholder 4"/>
+          <p:cNvSpPr>
+            <a:spLocks noGrp="1"/>
+          </p:cNvSpPr>
+          <p:nvPr>
+            <p:ph type="dt" sz="half" idx="11"/>
           </p:nvPr>
         </p:nvSpPr>
         <p:spPr/>
@@ -5697,30 +5734,7 @@
           <a:lstStyle/>
           <a:p>
             <a:r>
-              <a:rPr lang="en-US" smtClean="0"/>
-              <a:t>Exercise 1: Basic</a:t>
-            </a:r>
-            <a:endParaRPr lang="en-US"/>
-          </a:p>
-        </p:txBody>
-      </p:sp>
-      <p:sp>
-        <p:nvSpPr>
-          <p:cNvPr id="5" name="Date Placeholder 4"/>
-          <p:cNvSpPr>
-            <a:spLocks noGrp="1"/>
-          </p:cNvSpPr>
-          <p:nvPr>
-            <p:ph type="dt" sz="half" idx="11"/>
-          </p:nvPr>
-        </p:nvSpPr>
-        <p:spPr/>
-        <p:txBody>
-          <a:bodyPr/>
-          <a:lstStyle/>
-          <a:p>
-            <a:r>
-              <a:rPr lang="mr-IN" smtClean="0"/>
+              <a:rPr lang="mr-IN"/>
               <a:t>15/09/2018</a:t>
             </a:r>
             <a:endParaRPr lang="en-US"/>
@@ -5763,13 +5777,6 @@
   <p:transition spd="med">
     <p:wipe dir="r"/>
   </p:transition>
-  <p:timing>
-    <p:tnLst>
-      <p:par>
-        <p:cTn id="1" dur="indefinite" restart="never" nodeType="tmRoot"/>
-      </p:par>
-    </p:tnLst>
-  </p:timing>
 </p:sld>
 </file>
 
@@ -5807,56 +5814,44 @@
           <a:p>
             <a:r>
               <a:rPr lang="en-US"/>
-              <a:t>Keyboard Input </a:t>
-            </a:r>
+              <a:t>Keyboard Input / Printing</a:t>
+            </a:r>
+            <a:endParaRPr lang="en-GB"/>
+          </a:p>
+        </p:txBody>
+      </p:sp>
+      <p:sp>
+        <p:nvSpPr>
+          <p:cNvPr id="3" name="Content Placeholder 2"/>
+          <p:cNvSpPr>
+            <a:spLocks noGrp="1"/>
+          </p:cNvSpPr>
+          <p:nvPr>
+            <p:ph idx="1"/>
+          </p:nvPr>
+        </p:nvSpPr>
+        <p:spPr/>
+        <p:txBody>
+          <a:bodyPr/>
+          <a:lstStyle/>
+          <a:p>
             <a:r>
               <a:rPr lang="en-US"/>
-              <a:t>/ </a:t>
-            </a:r>
-            <a:r>
-              <a:rPr lang="en-US" smtClean="0"/>
-              <a:t>Printing</a:t>
-            </a:r>
-            <a:endParaRPr lang="en-GB"/>
-          </a:p>
-        </p:txBody>
-      </p:sp>
-      <p:sp>
-        <p:nvSpPr>
-          <p:cNvPr id="3" name="Content Placeholder 2"/>
-          <p:cNvSpPr>
-            <a:spLocks noGrp="1"/>
-          </p:cNvSpPr>
-          <p:nvPr>
-            <p:ph idx="1"/>
-          </p:nvPr>
-        </p:nvSpPr>
-        <p:spPr/>
-        <p:txBody>
-          <a:bodyPr/>
-          <a:lstStyle/>
-          <a:p>
-            <a:r>
-              <a:rPr lang="en-US" smtClean="0"/>
               <a:t>Get a string input from user, put it to name.</a:t>
             </a:r>
           </a:p>
           <a:p>
             <a:r>
-              <a:rPr lang="en-US" smtClean="0"/>
+              <a:rPr lang="en-US"/>
               <a:t>Print "Hello &lt;name&gt;"</a:t>
             </a:r>
           </a:p>
           <a:p>
             <a:r>
-              <a:rPr lang="en-GB" smtClean="0"/>
-              <a:t>import </a:t>
-            </a:r>
-            <a:r>
-              <a:rPr lang="en-GB"/>
-              <a:t>java.util.Scanner;</a:t>
-            </a:r>
-            <a:endParaRPr lang="en-US" smtClean="0"/>
+              <a:rPr lang="en-GB"/>
+              <a:t>import java.util.Scanner;</a:t>
+            </a:r>
+            <a:endParaRPr lang="en-US"/>
           </a:p>
           <a:p>
             <a:pPr marL="0" indent="0">
@@ -5959,43 +5954,7 @@
                 </a:solidFill>
                 <a:latin typeface="inherit"/>
               </a:rPr>
-              <a:t>"Enter </a:t>
-            </a:r>
-            <a:r>
-              <a:rPr lang="en-GB">
-                <a:solidFill>
-                  <a:srgbClr val="7D2727"/>
-                </a:solidFill>
-                <a:latin typeface="inherit"/>
-              </a:rPr>
-              <a:t>a </a:t>
-            </a:r>
-            <a:r>
-              <a:rPr lang="en-GB" smtClean="0">
-                <a:solidFill>
-                  <a:srgbClr val="7D2727"/>
-                </a:solidFill>
-                <a:latin typeface="inherit"/>
-              </a:rPr>
-              <a:t>name:\</a:t>
-            </a:r>
-            <a:r>
-              <a:rPr lang="en-GB">
-                <a:solidFill>
-                  <a:srgbClr val="7D2727"/>
-                </a:solidFill>
-                <a:latin typeface="inherit"/>
-              </a:rPr>
-              <a:t>t</a:t>
-            </a:r>
-            <a:r>
-              <a:rPr lang="en-GB">
-                <a:solidFill>
-                  <a:srgbClr val="7D2727"/>
-                </a:solidFill>
-                <a:latin typeface="inherit"/>
-              </a:rPr>
-              <a:t>"</a:t>
+              <a:t>"Enter a name:\t"</a:t>
             </a:r>
             <a:r>
               <a:rPr lang="en-GB">
@@ -6006,19 +5965,13 @@
               </a:rPr>
               <a:t>); </a:t>
             </a:r>
-            <a:endParaRPr lang="en-GB" smtClean="0">
-              <a:solidFill>
-                <a:srgbClr val="303336"/>
-              </a:solidFill>
-              <a:latin typeface="inherit"/>
-            </a:endParaRPr>
           </a:p>
           <a:p>
             <a:pPr marL="0" indent="0">
               <a:buNone/>
             </a:pPr>
             <a:r>
-              <a:rPr lang="en-GB" smtClean="0">
+              <a:rPr lang="en-GB">
                 <a:solidFill>
                   <a:srgbClr val="2B91AF"/>
                 </a:solidFill>
@@ -6027,45 +5980,21 @@
               <a:t>String</a:t>
             </a:r>
             <a:r>
-              <a:rPr lang="en-GB" smtClean="0">
-                <a:solidFill>
-                  <a:srgbClr val="303336"/>
-                </a:solidFill>
-                <a:latin typeface="inherit"/>
-              </a:rPr>
-              <a:t> name= </a:t>
-            </a:r>
-            <a:r>
               <a:rPr lang="en-GB">
                 <a:solidFill>
                   <a:srgbClr val="303336"/>
                 </a:solidFill>
                 <a:latin typeface="inherit"/>
               </a:rPr>
-              <a:t>scanner.nextLine</a:t>
-            </a:r>
-            <a:r>
-              <a:rPr lang="en-GB">
-                <a:solidFill>
-                  <a:srgbClr val="303336"/>
-                </a:solidFill>
-                <a:latin typeface="inherit"/>
-              </a:rPr>
-              <a:t>(); </a:t>
-            </a:r>
-            <a:endParaRPr lang="en-GB" smtClean="0">
-              <a:solidFill>
-                <a:srgbClr val="303336"/>
-              </a:solidFill>
-              <a:latin typeface="inherit"/>
-            </a:endParaRPr>
+              <a:t> name= scanner.nextLine(); </a:t>
+            </a:r>
           </a:p>
           <a:p>
             <a:pPr marL="0" indent="0">
               <a:buNone/>
             </a:pPr>
             <a:r>
-              <a:rPr lang="en-US" smtClean="0">
+              <a:rPr lang="en-US">
                 <a:solidFill>
                   <a:srgbClr val="303336"/>
                 </a:solidFill>
@@ -6093,10 +6022,9 @@
           <a:lstStyle/>
           <a:p>
             <a:r>
-              <a:rPr lang="en-US" smtClean="0"/>
-              <a:t>Exercise 1: Basic</a:t>
-            </a:r>
-            <a:endParaRPr lang="en-US"/>
+              <a:rPr lang="en-US" dirty="0"/>
+              <a:t>Practice 1: Overview</a:t>
+            </a:r>
           </a:p>
         </p:txBody>
       </p:sp>
@@ -6116,7 +6044,7 @@
           <a:lstStyle/>
           <a:p>
             <a:r>
-              <a:rPr lang="mr-IN" smtClean="0"/>
+              <a:rPr lang="mr-IN"/>
               <a:t>15/09/2018</a:t>
             </a:r>
             <a:endParaRPr lang="en-US"/>
@@ -6195,7 +6123,7 @@
           <a:lstStyle/>
           <a:p>
             <a:r>
-              <a:rPr lang="en-US" smtClean="0"/>
+              <a:rPr lang="en-US"/>
               <a:t>Entry Point</a:t>
             </a:r>
             <a:endParaRPr lang="en-GB"/>
@@ -6222,17 +6150,8 @@
             </a:pPr>
             <a:r>
               <a:rPr lang="en-GB"/>
-              <a:t>public </a:t>
-            </a:r>
-            <a:r>
-              <a:rPr lang="en-GB"/>
-              <a:t>class </a:t>
-            </a:r>
-            <a:r>
-              <a:rPr lang="en-GB" smtClean="0"/>
-              <a:t>EntryPoint {</a:t>
-            </a:r>
-            <a:endParaRPr lang="en-GB"/>
+              <a:t>public class EntryPoint {</a:t>
+            </a:r>
           </a:p>
           <a:p>
             <a:pPr marL="0" indent="0">
@@ -6240,29 +6159,16 @@
             </a:pPr>
             <a:r>
               <a:rPr lang="en-US"/>
-              <a:t>  public static void quang(String s</a:t>
-            </a:r>
-            <a:r>
-              <a:rPr lang="en-US"/>
-              <a:t>) </a:t>
-            </a:r>
-            <a:r>
-              <a:rPr lang="en-US" smtClean="0"/>
-              <a:t>{ System.out.println(s);}  </a:t>
-            </a:r>
-            <a:endParaRPr lang="en-US"/>
+              <a:t>  public static void quang(String s) { System.out.println(s);}  </a:t>
+            </a:r>
           </a:p>
           <a:p>
             <a:pPr marL="0" indent="0">
               <a:buNone/>
             </a:pPr>
             <a:r>
-              <a:rPr lang="en-GB" smtClean="0"/>
-              <a:t>  </a:t>
-            </a:r>
-            <a:r>
-              <a:rPr lang="en-GB"/>
-              <a:t>public static void main(String[] args) {</a:t>
+              <a:rPr lang="en-GB"/>
+              <a:t>  public static void main(String[] args) {</a:t>
             </a:r>
           </a:p>
           <a:p>
@@ -6281,23 +6187,7 @@
             </a:pPr>
             <a:r>
               <a:rPr lang="en-GB"/>
-              <a:t>      System.out.println</a:t>
-            </a:r>
-            <a:r>
-              <a:rPr lang="en-GB"/>
-              <a:t>("</a:t>
-            </a:r>
-            <a:r>
-              <a:rPr lang="en-GB" smtClean="0"/>
-              <a:t>Hello </a:t>
-            </a:r>
-            <a:r>
-              <a:rPr lang="en-GB"/>
-              <a:t>World</a:t>
-            </a:r>
-            <a:r>
-              <a:rPr lang="en-GB" smtClean="0"/>
-              <a:t>!");</a:t>
+              <a:t>      System.out.println("Hello World!");</a:t>
             </a:r>
           </a:p>
           <a:p>
@@ -6305,29 +6195,17 @@
               <a:buNone/>
             </a:pPr>
             <a:r>
-              <a:rPr lang="en-US" smtClean="0"/>
-              <a:t>       quang</a:t>
-            </a:r>
-            <a:r>
               <a:rPr lang="en-US"/>
-              <a:t>("</a:t>
-            </a:r>
-            <a:r>
-              <a:rPr lang="en-US" smtClean="0"/>
-              <a:t>another String</a:t>
-            </a:r>
+              <a:t>       quang("another String");</a:t>
+            </a:r>
+            <a:endParaRPr lang="en-GB"/>
+          </a:p>
+          <a:p>
+            <a:pPr marL="0" indent="0">
+              <a:buNone/>
+            </a:pPr>
             <a:r>
               <a:rPr lang="en-US"/>
-              <a:t>");</a:t>
-            </a:r>
-            <a:endParaRPr lang="en-GB"/>
-          </a:p>
-          <a:p>
-            <a:pPr marL="0" indent="0">
-              <a:buNone/>
-            </a:pPr>
-            <a:r>
-              <a:rPr lang="en-US" smtClean="0"/>
               <a:t>        quang("one more");</a:t>
             </a:r>
             <a:endParaRPr lang="en-GB"/>
@@ -6371,10 +6249,9 @@
           <a:lstStyle/>
           <a:p>
             <a:r>
-              <a:rPr lang="en-US" smtClean="0"/>
-              <a:t>Exercise 1: Basic</a:t>
-            </a:r>
-            <a:endParaRPr lang="en-US"/>
+              <a:rPr lang="en-US" dirty="0"/>
+              <a:t>Practice 1: Overview</a:t>
+            </a:r>
           </a:p>
         </p:txBody>
       </p:sp>
@@ -6394,7 +6271,7 @@
           <a:lstStyle/>
           <a:p>
             <a:r>
-              <a:rPr lang="mr-IN" smtClean="0"/>
+              <a:rPr lang="mr-IN"/>
               <a:t>15/09/2018</a:t>
             </a:r>
             <a:endParaRPr lang="en-US"/>
@@ -6473,7 +6350,7 @@
           <a:lstStyle/>
           <a:p>
             <a:r>
-              <a:rPr lang="en-US" smtClean="0"/>
+              <a:rPr lang="en-US"/>
               <a:t>Entry Point (cont.)</a:t>
             </a:r>
             <a:endParaRPr lang="en-GB"/>
@@ -6500,17 +6377,8 @@
             </a:pPr>
             <a:r>
               <a:rPr lang="en-GB"/>
-              <a:t>public </a:t>
-            </a:r>
-            <a:r>
-              <a:rPr lang="en-GB"/>
-              <a:t>class </a:t>
-            </a:r>
-            <a:r>
-              <a:rPr lang="en-GB" smtClean="0"/>
-              <a:t>EntryPoint {</a:t>
-            </a:r>
-            <a:endParaRPr lang="en-GB"/>
+              <a:t>public class EntryPoint {</a:t>
+            </a:r>
           </a:p>
           <a:p>
             <a:pPr marL="0" indent="0">
@@ -6518,113 +6386,29 @@
             </a:pPr>
             <a:r>
               <a:rPr lang="en-US"/>
-              <a:t>  public static </a:t>
-            </a:r>
+              <a:t>  public static void bar(String s) { System.out.println(s);}  </a:t>
+            </a:r>
+          </a:p>
+          <a:p>
+            <a:pPr marL="0" indent="0">
+              <a:buNone/>
+            </a:pPr>
+            <a:r>
+              <a:rPr lang="en-GB"/>
+              <a:t>  public static void main(String[] args) {</a:t>
+            </a:r>
+          </a:p>
+          <a:p>
+            <a:pPr marL="0" indent="0">
+              <a:buNone/>
+            </a:pPr>
             <a:r>
               <a:rPr lang="en-US"/>
-              <a:t>void </a:t>
-            </a:r>
-            <a:r>
-              <a:rPr lang="en-US" smtClean="0"/>
-              <a:t>bar(String s</a:t>
-            </a:r>
-            <a:r>
-              <a:rPr lang="en-US"/>
-              <a:t>) </a:t>
-            </a:r>
-            <a:r>
-              <a:rPr lang="en-US" smtClean="0"/>
-              <a:t>{ System.out.println(s);}  </a:t>
-            </a:r>
-            <a:endParaRPr lang="en-US"/>
-          </a:p>
-          <a:p>
-            <a:pPr marL="0" indent="0">
-              <a:buNone/>
-            </a:pPr>
-            <a:r>
-              <a:rPr lang="en-GB" smtClean="0"/>
-              <a:t>  </a:t>
-            </a:r>
-            <a:r>
-              <a:rPr lang="en-GB"/>
-              <a:t>public static void main(String[] args</a:t>
-            </a:r>
-            <a:r>
-              <a:rPr lang="en-GB"/>
-              <a:t>) </a:t>
-            </a:r>
-            <a:r>
-              <a:rPr lang="en-GB" smtClean="0"/>
-              <a:t>{</a:t>
-            </a:r>
-          </a:p>
-          <a:p>
-            <a:pPr marL="0" indent="0">
-              <a:buNone/>
-            </a:pPr>
-            <a:r>
-              <a:rPr lang="en-US" smtClean="0"/>
               <a:t>      bar(</a:t>
             </a:r>
             <a:r>
               <a:rPr lang="en-GB"/>
               <a:t>args[0]</a:t>
-            </a:r>
-            <a:r>
-              <a:rPr lang="en-US" smtClean="0"/>
-              <a:t>);</a:t>
-            </a:r>
-            <a:endParaRPr lang="en-GB" smtClean="0"/>
-          </a:p>
-          <a:p>
-            <a:pPr marL="0" indent="0">
-              <a:buNone/>
-            </a:pPr>
-            <a:r>
-              <a:rPr lang="en-GB" smtClean="0"/>
-              <a:t>      </a:t>
-            </a:r>
-            <a:r>
-              <a:rPr lang="en-GB"/>
-              <a:t>System.out.println</a:t>
-            </a:r>
-            <a:r>
-              <a:rPr lang="en-GB"/>
-              <a:t>("</a:t>
-            </a:r>
-            <a:r>
-              <a:rPr lang="en-GB" smtClean="0"/>
-              <a:t>Hello </a:t>
-            </a:r>
-            <a:r>
-              <a:rPr lang="en-GB"/>
-              <a:t>World</a:t>
-            </a:r>
-            <a:r>
-              <a:rPr lang="en-GB" smtClean="0"/>
-              <a:t>!");</a:t>
-            </a:r>
-          </a:p>
-          <a:p>
-            <a:pPr marL="0" indent="0">
-              <a:buNone/>
-            </a:pPr>
-            <a:r>
-              <a:rPr lang="en-US" smtClean="0"/>
-              <a:t>      bar(</a:t>
-            </a:r>
-            <a:r>
-              <a:rPr lang="en-GB" smtClean="0"/>
-              <a:t>args[1]</a:t>
-            </a:r>
-            <a:r>
-              <a:rPr lang="en-US" smtClean="0"/>
-              <a:t>); bar(</a:t>
-            </a:r>
-            <a:r>
-              <a:rPr lang="en-GB" smtClean="0"/>
-              <a:t>args[2]</a:t>
             </a:r>
             <a:r>
               <a:rPr lang="en-US"/>
@@ -6637,6 +6421,41 @@
               <a:buNone/>
             </a:pPr>
             <a:r>
+              <a:rPr lang="en-GB"/>
+              <a:t>      System.out.println("Hello World!");</a:t>
+            </a:r>
+          </a:p>
+          <a:p>
+            <a:pPr marL="0" indent="0">
+              <a:buNone/>
+            </a:pPr>
+            <a:r>
+              <a:rPr lang="en-US"/>
+              <a:t>      bar(</a:t>
+            </a:r>
+            <a:r>
+              <a:rPr lang="en-GB"/>
+              <a:t>args[1]</a:t>
+            </a:r>
+            <a:r>
+              <a:rPr lang="en-US"/>
+              <a:t>); bar(</a:t>
+            </a:r>
+            <a:r>
+              <a:rPr lang="en-GB"/>
+              <a:t>args[2]</a:t>
+            </a:r>
+            <a:r>
+              <a:rPr lang="en-US"/>
+              <a:t>);</a:t>
+            </a:r>
+            <a:endParaRPr lang="en-GB"/>
+          </a:p>
+          <a:p>
+            <a:pPr marL="0" indent="0">
+              <a:buNone/>
+            </a:pPr>
+            <a:r>
               <a:rPr lang="en-US"/>
               <a:t>    }</a:t>
             </a:r>
@@ -6652,7 +6471,7 @@
           </a:p>
           <a:p>
             <a:r>
-              <a:rPr lang="en-US" smtClean="0"/>
+              <a:rPr lang="en-US"/>
               <a:t>java EntryPoint "a test string" "another string" "one more"</a:t>
             </a:r>
           </a:p>
@@ -6660,181 +6479,181 @@
             <a:endParaRPr lang="en-US"/>
           </a:p>
           <a:p>
-            <a:endParaRPr lang="en-US" smtClean="0"/>
-          </a:p>
-          <a:p>
-            <a:endParaRPr lang="en-US"/>
-          </a:p>
-          <a:p>
-            <a:endParaRPr lang="en-US" smtClean="0"/>
-          </a:p>
-          <a:p>
-            <a:endParaRPr lang="en-US"/>
-          </a:p>
-          <a:p>
-            <a:endParaRPr lang="en-US" smtClean="0"/>
-          </a:p>
-          <a:p>
-            <a:endParaRPr lang="en-US"/>
-          </a:p>
-          <a:p>
-            <a:endParaRPr lang="en-US" smtClean="0"/>
-          </a:p>
-          <a:p>
-            <a:endParaRPr lang="en-US"/>
-          </a:p>
-          <a:p>
-            <a:endParaRPr lang="en-US" smtClean="0"/>
-          </a:p>
-          <a:p>
-            <a:endParaRPr lang="en-US"/>
-          </a:p>
-          <a:p>
-            <a:endParaRPr lang="en-US" smtClean="0"/>
-          </a:p>
-          <a:p>
-            <a:endParaRPr lang="en-US"/>
-          </a:p>
-          <a:p>
-            <a:endParaRPr lang="en-US" smtClean="0"/>
-          </a:p>
-          <a:p>
-            <a:endParaRPr lang="en-US"/>
-          </a:p>
-          <a:p>
-            <a:endParaRPr lang="en-US" smtClean="0"/>
-          </a:p>
-          <a:p>
-            <a:endParaRPr lang="en-US"/>
-          </a:p>
-          <a:p>
-            <a:endParaRPr lang="en-US" smtClean="0"/>
-          </a:p>
-          <a:p>
-            <a:endParaRPr lang="en-US"/>
-          </a:p>
-          <a:p>
-            <a:endParaRPr lang="en-US" smtClean="0"/>
-          </a:p>
-          <a:p>
-            <a:endParaRPr lang="en-US"/>
-          </a:p>
-          <a:p>
-            <a:endParaRPr lang="en-US" smtClean="0"/>
-          </a:p>
-          <a:p>
-            <a:endParaRPr lang="en-US"/>
-          </a:p>
-          <a:p>
-            <a:endParaRPr lang="en-US" smtClean="0"/>
-          </a:p>
-          <a:p>
-            <a:endParaRPr lang="en-US"/>
-          </a:p>
-          <a:p>
-            <a:endParaRPr lang="en-US" smtClean="0"/>
-          </a:p>
-          <a:p>
-            <a:endParaRPr lang="en-US"/>
-          </a:p>
-          <a:p>
-            <a:endParaRPr lang="en-US" smtClean="0"/>
-          </a:p>
-          <a:p>
-            <a:endParaRPr lang="en-US"/>
-          </a:p>
-          <a:p>
-            <a:endParaRPr lang="en-US" smtClean="0"/>
-          </a:p>
-          <a:p>
-            <a:endParaRPr lang="en-US"/>
-          </a:p>
-          <a:p>
-            <a:endParaRPr lang="en-US" smtClean="0"/>
-          </a:p>
-          <a:p>
-            <a:endParaRPr lang="en-US"/>
-          </a:p>
-          <a:p>
-            <a:endParaRPr lang="en-US" smtClean="0"/>
-          </a:p>
-          <a:p>
-            <a:endParaRPr lang="en-US"/>
-          </a:p>
-          <a:p>
-            <a:endParaRPr lang="en-US" smtClean="0"/>
-          </a:p>
-          <a:p>
-            <a:endParaRPr lang="en-US"/>
-          </a:p>
-          <a:p>
-            <a:endParaRPr lang="en-US" smtClean="0"/>
-          </a:p>
-          <a:p>
-            <a:endParaRPr lang="en-US"/>
-          </a:p>
-          <a:p>
-            <a:endParaRPr lang="en-US" smtClean="0"/>
-          </a:p>
-          <a:p>
-            <a:endParaRPr lang="en-US"/>
-          </a:p>
-          <a:p>
-            <a:endParaRPr lang="en-US" smtClean="0"/>
-          </a:p>
-          <a:p>
-            <a:endParaRPr lang="en-US"/>
-          </a:p>
-          <a:p>
-            <a:endParaRPr lang="en-US" smtClean="0"/>
-          </a:p>
-          <a:p>
-            <a:endParaRPr lang="en-US"/>
-          </a:p>
-          <a:p>
-            <a:endParaRPr lang="en-US" smtClean="0"/>
-          </a:p>
-          <a:p>
-            <a:endParaRPr lang="en-US"/>
-          </a:p>
-          <a:p>
-            <a:endParaRPr lang="en-US" smtClean="0"/>
-          </a:p>
-          <a:p>
-            <a:endParaRPr lang="en-US"/>
-          </a:p>
-          <a:p>
-            <a:endParaRPr lang="en-US" smtClean="0"/>
-          </a:p>
-          <a:p>
-            <a:endParaRPr lang="en-US"/>
-          </a:p>
-          <a:p>
-            <a:endParaRPr lang="en-US" smtClean="0"/>
-          </a:p>
-          <a:p>
-            <a:endParaRPr lang="en-US"/>
-          </a:p>
-          <a:p>
-            <a:endParaRPr lang="en-US" smtClean="0"/>
-          </a:p>
-          <a:p>
-            <a:endParaRPr lang="en-US"/>
-          </a:p>
-          <a:p>
-            <a:endParaRPr lang="en-US" smtClean="0"/>
-          </a:p>
-          <a:p>
-            <a:endParaRPr lang="en-US"/>
-          </a:p>
-          <a:p>
-            <a:endParaRPr lang="en-US" smtClean="0"/>
-          </a:p>
-          <a:p>
-            <a:endParaRPr lang="en-US"/>
-          </a:p>
-          <a:p>
-            <a:endParaRPr lang="en-US" smtClean="0"/>
+            <a:endParaRPr lang="en-US"/>
+          </a:p>
+          <a:p>
+            <a:endParaRPr lang="en-US"/>
+          </a:p>
+          <a:p>
+            <a:endParaRPr lang="en-US"/>
+          </a:p>
+          <a:p>
+            <a:endParaRPr lang="en-US"/>
+          </a:p>
+          <a:p>
+            <a:endParaRPr lang="en-US"/>
+          </a:p>
+          <a:p>
+            <a:endParaRPr lang="en-US"/>
+          </a:p>
+          <a:p>
+            <a:endParaRPr lang="en-US"/>
+          </a:p>
+          <a:p>
+            <a:endParaRPr lang="en-US"/>
+          </a:p>
+          <a:p>
+            <a:endParaRPr lang="en-US"/>
+          </a:p>
+          <a:p>
+            <a:endParaRPr lang="en-US"/>
+          </a:p>
+          <a:p>
+            <a:endParaRPr lang="en-US"/>
+          </a:p>
+          <a:p>
+            <a:endParaRPr lang="en-US"/>
+          </a:p>
+          <a:p>
+            <a:endParaRPr lang="en-US"/>
+          </a:p>
+          <a:p>
+            <a:endParaRPr lang="en-US"/>
+          </a:p>
+          <a:p>
+            <a:endParaRPr lang="en-US"/>
+          </a:p>
+          <a:p>
+            <a:endParaRPr lang="en-US"/>
+          </a:p>
+          <a:p>
+            <a:endParaRPr lang="en-US"/>
+          </a:p>
+          <a:p>
+            <a:endParaRPr lang="en-US"/>
+          </a:p>
+          <a:p>
+            <a:endParaRPr lang="en-US"/>
+          </a:p>
+          <a:p>
+            <a:endParaRPr lang="en-US"/>
+          </a:p>
+          <a:p>
+            <a:endParaRPr lang="en-US"/>
+          </a:p>
+          <a:p>
+            <a:endParaRPr lang="en-US"/>
+          </a:p>
+          <a:p>
+            <a:endParaRPr lang="en-US"/>
+          </a:p>
+          <a:p>
+            <a:endParaRPr lang="en-US"/>
+          </a:p>
+          <a:p>
+            <a:endParaRPr lang="en-US"/>
+          </a:p>
+          <a:p>
+            <a:endParaRPr lang="en-US"/>
+          </a:p>
+          <a:p>
+            <a:endParaRPr lang="en-US"/>
+          </a:p>
+          <a:p>
+            <a:endParaRPr lang="en-US"/>
+          </a:p>
+          <a:p>
+            <a:endParaRPr lang="en-US"/>
+          </a:p>
+          <a:p>
+            <a:endParaRPr lang="en-US"/>
+          </a:p>
+          <a:p>
+            <a:endParaRPr lang="en-US"/>
+          </a:p>
+          <a:p>
+            <a:endParaRPr lang="en-US"/>
+          </a:p>
+          <a:p>
+            <a:endParaRPr lang="en-US"/>
+          </a:p>
+          <a:p>
+            <a:endParaRPr lang="en-US"/>
+          </a:p>
+          <a:p>
+            <a:endParaRPr lang="en-US"/>
+          </a:p>
+          <a:p>
+            <a:endParaRPr lang="en-US"/>
+          </a:p>
+          <a:p>
+            <a:endParaRPr lang="en-US"/>
+          </a:p>
+          <a:p>
+            <a:endParaRPr lang="en-US"/>
+          </a:p>
+          <a:p>
+            <a:endParaRPr lang="en-US"/>
+          </a:p>
+          <a:p>
+            <a:endParaRPr lang="en-US"/>
+          </a:p>
+          <a:p>
+            <a:endParaRPr lang="en-US"/>
+          </a:p>
+          <a:p>
+            <a:endParaRPr lang="en-US"/>
+          </a:p>
+          <a:p>
+            <a:endParaRPr lang="en-US"/>
+          </a:p>
+          <a:p>
+            <a:endParaRPr lang="en-US"/>
+          </a:p>
+          <a:p>
+            <a:endParaRPr lang="en-US"/>
+          </a:p>
+          <a:p>
+            <a:endParaRPr lang="en-US"/>
+          </a:p>
+          <a:p>
+            <a:endParaRPr lang="en-US"/>
+          </a:p>
+          <a:p>
+            <a:endParaRPr lang="en-US"/>
+          </a:p>
+          <a:p>
+            <a:endParaRPr lang="en-US"/>
+          </a:p>
+          <a:p>
+            <a:endParaRPr lang="en-US"/>
+          </a:p>
+          <a:p>
+            <a:endParaRPr lang="en-US"/>
+          </a:p>
+          <a:p>
+            <a:endParaRPr lang="en-US"/>
+          </a:p>
+          <a:p>
+            <a:endParaRPr lang="en-US"/>
+          </a:p>
+          <a:p>
+            <a:endParaRPr lang="en-US"/>
+          </a:p>
+          <a:p>
+            <a:endParaRPr lang="en-US"/>
+          </a:p>
+          <a:p>
+            <a:endParaRPr lang="en-US"/>
+          </a:p>
+          <a:p>
+            <a:endParaRPr lang="en-US"/>
+          </a:p>
+          <a:p>
+            <a:endParaRPr lang="en-US"/>
+          </a:p>
+          <a:p>
+            <a:endParaRPr lang="en-US"/>
           </a:p>
           <a:p>
             <a:endParaRPr lang="en-US"/>
@@ -6860,10 +6679,9 @@
           <a:lstStyle/>
           <a:p>
             <a:r>
-              <a:rPr lang="en-US" smtClean="0"/>
-              <a:t>Exercise 1: Basic</a:t>
-            </a:r>
-            <a:endParaRPr lang="en-US"/>
+              <a:rPr lang="en-US" dirty="0"/>
+              <a:t>Practice 1: Overview</a:t>
+            </a:r>
           </a:p>
         </p:txBody>
       </p:sp>
@@ -6883,7 +6701,7 @@
           <a:lstStyle/>
           <a:p>
             <a:r>
-              <a:rPr lang="mr-IN" smtClean="0"/>
+              <a:rPr lang="mr-IN"/>
               <a:t>15/09/2018</a:t>
             </a:r>
             <a:endParaRPr lang="en-US"/>
@@ -6962,7 +6780,7 @@
           <a:lstStyle/>
           <a:p>
             <a:r>
-              <a:rPr lang="en-US" smtClean="0"/>
+              <a:rPr lang="en-US"/>
               <a:t>Entry Point (cont.)</a:t>
             </a:r>
             <a:endParaRPr lang="en-GB"/>
@@ -6994,17 +6812,8 @@
             </a:pPr>
             <a:r>
               <a:rPr lang="en-GB" sz="1600"/>
-              <a:t>public </a:t>
-            </a:r>
-            <a:r>
-              <a:rPr lang="en-GB" sz="1600"/>
-              <a:t>class </a:t>
-            </a:r>
-            <a:r>
-              <a:rPr lang="en-GB" sz="1600" smtClean="0"/>
-              <a:t>EntryPoint2 {</a:t>
-            </a:r>
-            <a:endParaRPr lang="en-GB" sz="1600"/>
+              <a:t>public class EntryPoint2 {</a:t>
+            </a:r>
           </a:p>
           <a:p>
             <a:pPr marL="0" indent="0">
@@ -7012,95 +6821,16 @@
             </a:pPr>
             <a:r>
               <a:rPr lang="en-US" sz="1600"/>
-              <a:t>  public </a:t>
-            </a:r>
+              <a:t>  public static String foo (String s) { </a:t>
+            </a:r>
+          </a:p>
+          <a:p>
+            <a:pPr marL="0" indent="0">
+              <a:buNone/>
+            </a:pPr>
             <a:r>
               <a:rPr lang="en-US" sz="1600"/>
-              <a:t>static </a:t>
-            </a:r>
-            <a:r>
-              <a:rPr lang="en-US" sz="1600" smtClean="0"/>
-              <a:t>String foo (String </a:t>
-            </a:r>
-            <a:r>
-              <a:rPr lang="en-US" sz="1600"/>
-              <a:t>s</a:t>
-            </a:r>
-            <a:r>
-              <a:rPr lang="en-US" sz="1600"/>
-              <a:t>) </a:t>
-            </a:r>
-            <a:r>
-              <a:rPr lang="en-US" sz="1600" smtClean="0"/>
-              <a:t>{ </a:t>
-            </a:r>
-          </a:p>
-          <a:p>
-            <a:pPr marL="0" indent="0">
-              <a:buNone/>
-            </a:pPr>
-            <a:r>
-              <a:rPr lang="en-US" sz="1600" smtClean="0"/>
               <a:t>     return </a:t>
-            </a:r>
-            <a:r>
-              <a:rPr lang="en-GB" sz="1600"/>
-              <a:t>new </a:t>
-            </a:r>
-            <a:r>
-              <a:rPr lang="en-GB" sz="1600" smtClean="0"/>
-              <a:t>StringBuilder(s).</a:t>
-            </a:r>
-            <a:r>
-              <a:rPr lang="en-GB" sz="1600"/>
-              <a:t>reverse().</a:t>
-            </a:r>
-            <a:r>
-              <a:rPr lang="en-GB" sz="1600"/>
-              <a:t>toString</a:t>
-            </a:r>
-            <a:r>
-              <a:rPr lang="en-GB" sz="1600" smtClean="0"/>
-              <a:t>()</a:t>
-            </a:r>
-            <a:r>
-              <a:rPr lang="en-US" sz="1600" smtClean="0"/>
-              <a:t>;}  </a:t>
-            </a:r>
-            <a:endParaRPr lang="en-US" sz="1600"/>
-          </a:p>
-          <a:p>
-            <a:pPr marL="0" indent="0">
-              <a:buNone/>
-            </a:pPr>
-            <a:r>
-              <a:rPr lang="en-GB" sz="1600" smtClean="0"/>
-              <a:t>  </a:t>
-            </a:r>
-            <a:r>
-              <a:rPr lang="en-GB" sz="1600"/>
-              <a:t>public static void main(String[] args</a:t>
-            </a:r>
-            <a:r>
-              <a:rPr lang="en-GB" sz="1600"/>
-              <a:t>) </a:t>
-            </a:r>
-            <a:r>
-              <a:rPr lang="en-GB" sz="1600" smtClean="0"/>
-              <a:t>{</a:t>
-            </a:r>
-          </a:p>
-          <a:p>
-            <a:pPr marL="0" indent="0">
-              <a:buNone/>
-            </a:pPr>
-            <a:r>
-              <a:rPr lang="en-US" sz="1600" smtClean="0"/>
-              <a:t>      </a:t>
-            </a:r>
-            <a:r>
-              <a:rPr lang="en-US" sz="1600"/>
-              <a:t>return </a:t>
             </a:r>
             <a:r>
               <a:rPr lang="en-GB" sz="1600"/>
@@ -7126,17 +6856,34 @@
             </a:pPr>
             <a:r>
               <a:rPr lang="en-US" sz="1600"/>
-              <a:t>      System.out.println("</a:t>
+              <a:t>      return </a:t>
+            </a:r>
+            <a:r>
+              <a:rPr lang="en-GB" sz="1600"/>
+              <a:t>new StringBuilder(s).reverse().toString()</a:t>
             </a:r>
             <a:r>
               <a:rPr lang="en-US" sz="1600"/>
-              <a:t>Calling </a:t>
-            </a:r>
-            <a:r>
-              <a:rPr lang="en-US" sz="1600" smtClean="0"/>
-              <a:t>EntryPoint2");</a:t>
-            </a:r>
-            <a:endParaRPr lang="en-US" sz="1600"/>
+              <a:t>;}  </a:t>
+            </a:r>
+          </a:p>
+          <a:p>
+            <a:pPr marL="0" indent="0">
+              <a:buNone/>
+            </a:pPr>
+            <a:r>
+              <a:rPr lang="en-GB" sz="1600"/>
+              <a:t>  public static void main(String[] args) {</a:t>
+            </a:r>
+          </a:p>
+          <a:p>
+            <a:pPr marL="0" indent="0">
+              <a:buNone/>
+            </a:pPr>
+            <a:r>
+              <a:rPr lang="en-US" sz="1600"/>
+              <a:t>      System.out.println("Calling EntryPoint2");</a:t>
+            </a:r>
           </a:p>
           <a:p>
             <a:pPr marL="0" indent="0">
@@ -7180,200 +6927,195 @@
               <a:buNone/>
             </a:pPr>
             <a:r>
-              <a:rPr lang="en-US" sz="1600" smtClean="0"/>
-              <a:t>    </a:t>
-            </a:r>
+              <a:rPr lang="en-US" sz="1600"/>
+              <a:t>    }</a:t>
+            </a:r>
+          </a:p>
+          <a:p>
+            <a:pPr marL="0" indent="0">
+              <a:buNone/>
+            </a:pPr>
             <a:r>
               <a:rPr lang="en-US" sz="1600"/>
               <a:t>}</a:t>
             </a:r>
           </a:p>
           <a:p>
-            <a:pPr marL="0" indent="0">
-              <a:buNone/>
-            </a:pPr>
-            <a:r>
-              <a:rPr lang="en-US" sz="1600" smtClean="0"/>
-              <a:t>}</a:t>
-            </a:r>
-            <a:endParaRPr lang="en-US" sz="1600"/>
-          </a:p>
-          <a:p>
-            <a:endParaRPr lang="en-US" smtClean="0"/>
-          </a:p>
-          <a:p>
-            <a:endParaRPr lang="en-US"/>
-          </a:p>
-          <a:p>
-            <a:endParaRPr lang="en-US" smtClean="0"/>
-          </a:p>
-          <a:p>
-            <a:endParaRPr lang="en-US"/>
-          </a:p>
-          <a:p>
-            <a:endParaRPr lang="en-US" smtClean="0"/>
-          </a:p>
-          <a:p>
-            <a:endParaRPr lang="en-US"/>
-          </a:p>
-          <a:p>
-            <a:endParaRPr lang="en-US" smtClean="0"/>
-          </a:p>
-          <a:p>
-            <a:endParaRPr lang="en-US"/>
-          </a:p>
-          <a:p>
-            <a:endParaRPr lang="en-US" smtClean="0"/>
-          </a:p>
-          <a:p>
-            <a:endParaRPr lang="en-US"/>
-          </a:p>
-          <a:p>
-            <a:endParaRPr lang="en-US" smtClean="0"/>
-          </a:p>
-          <a:p>
-            <a:endParaRPr lang="en-US"/>
-          </a:p>
-          <a:p>
-            <a:endParaRPr lang="en-US" smtClean="0"/>
-          </a:p>
-          <a:p>
-            <a:endParaRPr lang="en-US"/>
-          </a:p>
-          <a:p>
-            <a:endParaRPr lang="en-US" smtClean="0"/>
-          </a:p>
-          <a:p>
-            <a:endParaRPr lang="en-US"/>
-          </a:p>
-          <a:p>
-            <a:endParaRPr lang="en-US" smtClean="0"/>
-          </a:p>
-          <a:p>
-            <a:endParaRPr lang="en-US"/>
-          </a:p>
-          <a:p>
-            <a:endParaRPr lang="en-US" smtClean="0"/>
-          </a:p>
-          <a:p>
-            <a:endParaRPr lang="en-US"/>
-          </a:p>
-          <a:p>
-            <a:endParaRPr lang="en-US" smtClean="0"/>
-          </a:p>
-          <a:p>
-            <a:endParaRPr lang="en-US"/>
-          </a:p>
-          <a:p>
-            <a:endParaRPr lang="en-US" smtClean="0"/>
-          </a:p>
-          <a:p>
-            <a:endParaRPr lang="en-US"/>
-          </a:p>
-          <a:p>
-            <a:endParaRPr lang="en-US" smtClean="0"/>
-          </a:p>
-          <a:p>
-            <a:endParaRPr lang="en-US"/>
-          </a:p>
-          <a:p>
-            <a:endParaRPr lang="en-US" smtClean="0"/>
-          </a:p>
-          <a:p>
-            <a:endParaRPr lang="en-US"/>
-          </a:p>
-          <a:p>
-            <a:endParaRPr lang="en-US" smtClean="0"/>
-          </a:p>
-          <a:p>
-            <a:endParaRPr lang="en-US"/>
-          </a:p>
-          <a:p>
-            <a:endParaRPr lang="en-US" smtClean="0"/>
-          </a:p>
-          <a:p>
-            <a:endParaRPr lang="en-US"/>
-          </a:p>
-          <a:p>
-            <a:endParaRPr lang="en-US" smtClean="0"/>
-          </a:p>
-          <a:p>
-            <a:endParaRPr lang="en-US"/>
-          </a:p>
-          <a:p>
-            <a:endParaRPr lang="en-US" smtClean="0"/>
-          </a:p>
-          <a:p>
-            <a:endParaRPr lang="en-US"/>
-          </a:p>
-          <a:p>
-            <a:endParaRPr lang="en-US" smtClean="0"/>
-          </a:p>
-          <a:p>
-            <a:endParaRPr lang="en-US"/>
-          </a:p>
-          <a:p>
-            <a:endParaRPr lang="en-US" smtClean="0"/>
-          </a:p>
-          <a:p>
-            <a:endParaRPr lang="en-US"/>
-          </a:p>
-          <a:p>
-            <a:endParaRPr lang="en-US" smtClean="0"/>
-          </a:p>
-          <a:p>
-            <a:endParaRPr lang="en-US"/>
-          </a:p>
-          <a:p>
-            <a:endParaRPr lang="en-US" smtClean="0"/>
-          </a:p>
-          <a:p>
-            <a:endParaRPr lang="en-US"/>
-          </a:p>
-          <a:p>
-            <a:endParaRPr lang="en-US" smtClean="0"/>
-          </a:p>
-          <a:p>
-            <a:endParaRPr lang="en-US"/>
-          </a:p>
-          <a:p>
-            <a:endParaRPr lang="en-US" smtClean="0"/>
-          </a:p>
-          <a:p>
-            <a:endParaRPr lang="en-US"/>
-          </a:p>
-          <a:p>
-            <a:endParaRPr lang="en-US" smtClean="0"/>
-          </a:p>
-          <a:p>
-            <a:endParaRPr lang="en-US"/>
-          </a:p>
-          <a:p>
-            <a:endParaRPr lang="en-US" smtClean="0"/>
-          </a:p>
-          <a:p>
-            <a:endParaRPr lang="en-US"/>
-          </a:p>
-          <a:p>
-            <a:endParaRPr lang="en-US" smtClean="0"/>
-          </a:p>
-          <a:p>
-            <a:endParaRPr lang="en-US"/>
-          </a:p>
-          <a:p>
-            <a:endParaRPr lang="en-US" smtClean="0"/>
-          </a:p>
-          <a:p>
-            <a:endParaRPr lang="en-US"/>
-          </a:p>
-          <a:p>
-            <a:endParaRPr lang="en-US" smtClean="0"/>
-          </a:p>
-          <a:p>
-            <a:endParaRPr lang="en-US"/>
-          </a:p>
-          <a:p>
-            <a:endParaRPr lang="en-US" smtClean="0"/>
+            <a:endParaRPr lang="en-US"/>
+          </a:p>
+          <a:p>
+            <a:endParaRPr lang="en-US"/>
+          </a:p>
+          <a:p>
+            <a:endParaRPr lang="en-US"/>
+          </a:p>
+          <a:p>
+            <a:endParaRPr lang="en-US"/>
+          </a:p>
+          <a:p>
+            <a:endParaRPr lang="en-US"/>
+          </a:p>
+          <a:p>
+            <a:endParaRPr lang="en-US"/>
+          </a:p>
+          <a:p>
+            <a:endParaRPr lang="en-US"/>
+          </a:p>
+          <a:p>
+            <a:endParaRPr lang="en-US"/>
+          </a:p>
+          <a:p>
+            <a:endParaRPr lang="en-US"/>
+          </a:p>
+          <a:p>
+            <a:endParaRPr lang="en-US"/>
+          </a:p>
+          <a:p>
+            <a:endParaRPr lang="en-US"/>
+          </a:p>
+          <a:p>
+            <a:endParaRPr lang="en-US"/>
+          </a:p>
+          <a:p>
+            <a:endParaRPr lang="en-US"/>
+          </a:p>
+          <a:p>
+            <a:endParaRPr lang="en-US"/>
+          </a:p>
+          <a:p>
+            <a:endParaRPr lang="en-US"/>
+          </a:p>
+          <a:p>
+            <a:endParaRPr lang="en-US"/>
+          </a:p>
+          <a:p>
+            <a:endParaRPr lang="en-US"/>
+          </a:p>
+          <a:p>
+            <a:endParaRPr lang="en-US"/>
+          </a:p>
+          <a:p>
+            <a:endParaRPr lang="en-US"/>
+          </a:p>
+          <a:p>
+            <a:endParaRPr lang="en-US"/>
+          </a:p>
+          <a:p>
+            <a:endParaRPr lang="en-US"/>
+          </a:p>
+          <a:p>
+            <a:endParaRPr lang="en-US"/>
+          </a:p>
+          <a:p>
+            <a:endParaRPr lang="en-US"/>
+          </a:p>
+          <a:p>
+            <a:endParaRPr lang="en-US"/>
+          </a:p>
+          <a:p>
+            <a:endParaRPr lang="en-US"/>
+          </a:p>
+          <a:p>
+            <a:endParaRPr lang="en-US"/>
+          </a:p>
+          <a:p>
+            <a:endParaRPr lang="en-US"/>
+          </a:p>
+          <a:p>
+            <a:endParaRPr lang="en-US"/>
+          </a:p>
+          <a:p>
+            <a:endParaRPr lang="en-US"/>
+          </a:p>
+          <a:p>
+            <a:endParaRPr lang="en-US"/>
+          </a:p>
+          <a:p>
+            <a:endParaRPr lang="en-US"/>
+          </a:p>
+          <a:p>
+            <a:endParaRPr lang="en-US"/>
+          </a:p>
+          <a:p>
+            <a:endParaRPr lang="en-US"/>
+          </a:p>
+          <a:p>
+            <a:endParaRPr lang="en-US"/>
+          </a:p>
+          <a:p>
+            <a:endParaRPr lang="en-US"/>
+          </a:p>
+          <a:p>
+            <a:endParaRPr lang="en-US"/>
+          </a:p>
+          <a:p>
+            <a:endParaRPr lang="en-US"/>
+          </a:p>
+          <a:p>
+            <a:endParaRPr lang="en-US"/>
+          </a:p>
+          <a:p>
+            <a:endParaRPr lang="en-US"/>
+          </a:p>
+          <a:p>
+            <a:endParaRPr lang="en-US"/>
+          </a:p>
+          <a:p>
+            <a:endParaRPr lang="en-US"/>
+          </a:p>
+          <a:p>
+            <a:endParaRPr lang="en-US"/>
+          </a:p>
+          <a:p>
+            <a:endParaRPr lang="en-US"/>
+          </a:p>
+          <a:p>
+            <a:endParaRPr lang="en-US"/>
+          </a:p>
+          <a:p>
+            <a:endParaRPr lang="en-US"/>
+          </a:p>
+          <a:p>
+            <a:endParaRPr lang="en-US"/>
+          </a:p>
+          <a:p>
+            <a:endParaRPr lang="en-US"/>
+          </a:p>
+          <a:p>
+            <a:endParaRPr lang="en-US"/>
+          </a:p>
+          <a:p>
+            <a:endParaRPr lang="en-US"/>
+          </a:p>
+          <a:p>
+            <a:endParaRPr lang="en-US"/>
+          </a:p>
+          <a:p>
+            <a:endParaRPr lang="en-US"/>
+          </a:p>
+          <a:p>
+            <a:endParaRPr lang="en-US"/>
+          </a:p>
+          <a:p>
+            <a:endParaRPr lang="en-US"/>
+          </a:p>
+          <a:p>
+            <a:endParaRPr lang="en-US"/>
+          </a:p>
+          <a:p>
+            <a:endParaRPr lang="en-US"/>
+          </a:p>
+          <a:p>
+            <a:endParaRPr lang="en-US"/>
+          </a:p>
+          <a:p>
+            <a:endParaRPr lang="en-US"/>
+          </a:p>
+          <a:p>
+            <a:endParaRPr lang="en-US"/>
+          </a:p>
+          <a:p>
+            <a:endParaRPr lang="en-US"/>
           </a:p>
           <a:p>
             <a:endParaRPr lang="en-US"/>
@@ -7399,10 +7141,9 @@
           <a:lstStyle/>
           <a:p>
             <a:r>
-              <a:rPr lang="en-US" smtClean="0"/>
-              <a:t>Exercise 1: Basic</a:t>
-            </a:r>
-            <a:endParaRPr lang="en-US"/>
+              <a:rPr lang="en-US" dirty="0"/>
+              <a:t>Practice 1: Overview</a:t>
+            </a:r>
           </a:p>
         </p:txBody>
       </p:sp>
@@ -7422,7 +7163,7 @@
           <a:lstStyle/>
           <a:p>
             <a:r>
-              <a:rPr lang="mr-IN" smtClean="0"/>
+              <a:rPr lang="mr-IN"/>
               <a:t>15/09/2018</a:t>
             </a:r>
             <a:endParaRPr lang="en-US"/>
@@ -7501,7 +7242,7 @@
           <a:lstStyle/>
           <a:p>
             <a:r>
-              <a:rPr lang="en-US" smtClean="0"/>
+              <a:rPr lang="en-US"/>
               <a:t>Entry Point (cont.)</a:t>
             </a:r>
             <a:endParaRPr lang="en-GB"/>
@@ -7533,15 +7274,87 @@
             </a:pPr>
             <a:r>
               <a:rPr lang="en-GB" sz="1800"/>
-              <a:t>public </a:t>
+              <a:t>public class EntryPoint2 {</a:t>
+            </a:r>
+          </a:p>
+          <a:p>
+            <a:pPr marL="0" indent="0">
+              <a:buNone/>
+            </a:pPr>
+            <a:r>
+              <a:rPr lang="en-US" sz="1800"/>
+              <a:t>  public static String foo (String s) { </a:t>
+            </a:r>
+          </a:p>
+          <a:p>
+            <a:pPr marL="0" indent="0">
+              <a:buNone/>
+            </a:pPr>
+            <a:r>
+              <a:rPr lang="en-US" sz="1800"/>
+              <a:t>     return </a:t>
             </a:r>
             <a:r>
               <a:rPr lang="en-GB" sz="1800"/>
-              <a:t>class </a:t>
-            </a:r>
-            <a:r>
-              <a:rPr lang="en-GB" sz="1800" smtClean="0"/>
-              <a:t>EntryPoint2 {</a:t>
+              <a:t>new StringBuilder(s).reverse().toString()</a:t>
+            </a:r>
+            <a:r>
+              <a:rPr lang="en-US" sz="1800"/>
+              <a:t>;}  </a:t>
+            </a:r>
+          </a:p>
+          <a:p>
+            <a:pPr marL="0" indent="0">
+              <a:buNone/>
+            </a:pPr>
+            <a:r>
+              <a:rPr lang="en-GB" sz="1800"/>
+              <a:t>  public static void main(String[] args) {</a:t>
+            </a:r>
+          </a:p>
+          <a:p>
+            <a:pPr marL="0" indent="0">
+              <a:buNone/>
+            </a:pPr>
+            <a:r>
+              <a:rPr lang="en-US" sz="1800"/>
+              <a:t>      System.out.println("Calling EntryPoint");</a:t>
+            </a:r>
+          </a:p>
+          <a:p>
+            <a:pPr marL="0" indent="0">
+              <a:buNone/>
+            </a:pPr>
+            <a:r>
+              <a:rPr lang="en-US" sz="1800"/>
+              <a:t>      EntryPoint.bar(args[0]); EntryPoint.bar(args[1]);</a:t>
+            </a:r>
+          </a:p>
+          <a:p>
+            <a:pPr marL="0" indent="0">
+              <a:buNone/>
+            </a:pPr>
+            <a:r>
+              <a:rPr lang="en-US" sz="1800"/>
+              <a:t>      EntryPoint.main(args);</a:t>
+            </a:r>
+          </a:p>
+          <a:p>
+            <a:pPr marL="0" indent="0">
+              <a:buNone/>
+            </a:pPr>
+            <a:r>
+              <a:rPr lang="en-US" sz="1800"/>
+              <a:t>       System.out.println("Calling me - EntryPoint2");</a:t>
+            </a:r>
+          </a:p>
+          <a:p>
+            <a:pPr marL="0" indent="0">
+              <a:buNone/>
+            </a:pPr>
+            <a:r>
+              <a:rPr lang="en-US" sz="1800"/>
+              <a:t>        System.out.println(foo(args[0])); System.out.println(foo(args[1])); </a:t>
             </a:r>
             <a:endParaRPr lang="en-GB" sz="1800"/>
           </a:p>
@@ -7551,168 +7364,21 @@
             </a:pPr>
             <a:r>
               <a:rPr lang="en-US" sz="1800"/>
-              <a:t>  public </a:t>
-            </a:r>
+              <a:t>    }</a:t>
+            </a:r>
+          </a:p>
+          <a:p>
+            <a:pPr marL="0" indent="0">
+              <a:buNone/>
+            </a:pPr>
             <a:r>
               <a:rPr lang="en-US" sz="1800"/>
-              <a:t>static </a:t>
-            </a:r>
-            <a:r>
-              <a:rPr lang="en-US" sz="1800" smtClean="0"/>
-              <a:t>String foo (String </a:t>
-            </a:r>
-            <a:r>
-              <a:rPr lang="en-US" sz="1800"/>
-              <a:t>s</a:t>
-            </a:r>
-            <a:r>
-              <a:rPr lang="en-US" sz="1800"/>
-              <a:t>) </a:t>
-            </a:r>
-            <a:r>
-              <a:rPr lang="en-US" sz="1800" smtClean="0"/>
-              <a:t>{ </a:t>
-            </a:r>
-          </a:p>
-          <a:p>
-            <a:pPr marL="0" indent="0">
-              <a:buNone/>
-            </a:pPr>
-            <a:r>
-              <a:rPr lang="en-US" sz="1800" smtClean="0"/>
-              <a:t>     return </a:t>
-            </a:r>
-            <a:r>
-              <a:rPr lang="en-GB" sz="1800"/>
-              <a:t>new </a:t>
-            </a:r>
-            <a:r>
-              <a:rPr lang="en-GB" sz="1800" smtClean="0"/>
-              <a:t>StringBuilder(s).</a:t>
-            </a:r>
-            <a:r>
-              <a:rPr lang="en-GB" sz="1800"/>
-              <a:t>reverse().</a:t>
-            </a:r>
-            <a:r>
-              <a:rPr lang="en-GB" sz="1800"/>
-              <a:t>toString</a:t>
-            </a:r>
-            <a:r>
-              <a:rPr lang="en-GB" sz="1800" smtClean="0"/>
-              <a:t>()</a:t>
-            </a:r>
-            <a:r>
-              <a:rPr lang="en-US" sz="1800" smtClean="0"/>
-              <a:t>;}  </a:t>
-            </a:r>
-            <a:endParaRPr lang="en-US" sz="1800"/>
-          </a:p>
-          <a:p>
-            <a:pPr marL="0" indent="0">
-              <a:buNone/>
-            </a:pPr>
-            <a:r>
-              <a:rPr lang="en-GB" sz="1800" smtClean="0"/>
-              <a:t>  </a:t>
-            </a:r>
-            <a:r>
-              <a:rPr lang="en-GB" sz="1800"/>
-              <a:t>public static void main(String[] args</a:t>
-            </a:r>
-            <a:r>
-              <a:rPr lang="en-GB" sz="1800"/>
-              <a:t>) </a:t>
-            </a:r>
-            <a:r>
-              <a:rPr lang="en-GB" sz="1800" smtClean="0"/>
-              <a:t>{</a:t>
-            </a:r>
-          </a:p>
-          <a:p>
-            <a:pPr marL="0" indent="0">
-              <a:buNone/>
-            </a:pPr>
-            <a:r>
-              <a:rPr lang="en-US" sz="1800" smtClean="0"/>
-              <a:t>      System.out.println("Calling EntryPoint");</a:t>
-            </a:r>
-          </a:p>
-          <a:p>
-            <a:pPr marL="0" indent="0">
-              <a:buNone/>
-            </a:pPr>
-            <a:r>
-              <a:rPr lang="en-US" sz="1800"/>
-              <a:t> </a:t>
-            </a:r>
-            <a:r>
-              <a:rPr lang="en-US" sz="1800" smtClean="0"/>
-              <a:t>     EntryPoint.bar(args[0]); EntryPoint.bar(args[1]);</a:t>
-            </a:r>
-          </a:p>
-          <a:p>
-            <a:pPr marL="0" indent="0">
-              <a:buNone/>
-            </a:pPr>
-            <a:r>
-              <a:rPr lang="en-US" sz="1800"/>
-              <a:t> </a:t>
-            </a:r>
-            <a:r>
-              <a:rPr lang="en-US" sz="1800" smtClean="0"/>
-              <a:t>     EntryPoint.main(args);</a:t>
-            </a:r>
-          </a:p>
-          <a:p>
-            <a:pPr marL="0" indent="0">
-              <a:buNone/>
-            </a:pPr>
-            <a:r>
-              <a:rPr lang="en-US" sz="1800"/>
-              <a:t> </a:t>
-            </a:r>
-            <a:r>
-              <a:rPr lang="en-US" sz="1800" smtClean="0"/>
-              <a:t>      System.out.println("Calling me - EntryPoint2");</a:t>
-            </a:r>
-          </a:p>
-          <a:p>
-            <a:pPr marL="0" indent="0">
-              <a:buNone/>
-            </a:pPr>
-            <a:r>
-              <a:rPr lang="en-US" sz="1800"/>
-              <a:t> </a:t>
-            </a:r>
-            <a:r>
-              <a:rPr lang="en-US" sz="1800" smtClean="0"/>
-              <a:t>       System.out.println(foo(args[0])); System.out.println(foo(args[1])); </a:t>
-            </a:r>
-            <a:endParaRPr lang="en-GB" sz="1800" smtClean="0"/>
-          </a:p>
-          <a:p>
-            <a:pPr marL="0" indent="0">
-              <a:buNone/>
-            </a:pPr>
-            <a:r>
-              <a:rPr lang="en-US" sz="1800" smtClean="0"/>
-              <a:t>    }</a:t>
-            </a:r>
-          </a:p>
-          <a:p>
-            <a:pPr marL="0" indent="0">
-              <a:buNone/>
-            </a:pPr>
-            <a:r>
-              <a:rPr lang="en-US" sz="1800" smtClean="0"/>
               <a:t>}</a:t>
             </a:r>
-            <a:endParaRPr lang="en-US" sz="1800"/>
-          </a:p>
-          <a:p>
-            <a:r>
-              <a:rPr lang="en-US" smtClean="0"/>
+          </a:p>
+          <a:p>
+            <a:r>
+              <a:rPr lang="en-US"/>
               <a:t>java EntryPoint2 string0 string1</a:t>
             </a:r>
           </a:p>
@@ -7720,175 +7386,175 @@
             <a:endParaRPr lang="en-US"/>
           </a:p>
           <a:p>
-            <a:endParaRPr lang="en-US" smtClean="0"/>
-          </a:p>
-          <a:p>
-            <a:endParaRPr lang="en-US"/>
-          </a:p>
-          <a:p>
-            <a:endParaRPr lang="en-US" smtClean="0"/>
-          </a:p>
-          <a:p>
-            <a:endParaRPr lang="en-US"/>
-          </a:p>
-          <a:p>
-            <a:endParaRPr lang="en-US" smtClean="0"/>
-          </a:p>
-          <a:p>
-            <a:endParaRPr lang="en-US"/>
-          </a:p>
-          <a:p>
-            <a:endParaRPr lang="en-US" smtClean="0"/>
-          </a:p>
-          <a:p>
-            <a:endParaRPr lang="en-US"/>
-          </a:p>
-          <a:p>
-            <a:endParaRPr lang="en-US" smtClean="0"/>
-          </a:p>
-          <a:p>
-            <a:endParaRPr lang="en-US"/>
-          </a:p>
-          <a:p>
-            <a:endParaRPr lang="en-US" smtClean="0"/>
-          </a:p>
-          <a:p>
-            <a:endParaRPr lang="en-US"/>
-          </a:p>
-          <a:p>
-            <a:endParaRPr lang="en-US" smtClean="0"/>
-          </a:p>
-          <a:p>
-            <a:endParaRPr lang="en-US"/>
-          </a:p>
-          <a:p>
-            <a:endParaRPr lang="en-US" smtClean="0"/>
-          </a:p>
-          <a:p>
-            <a:endParaRPr lang="en-US"/>
-          </a:p>
-          <a:p>
-            <a:endParaRPr lang="en-US" smtClean="0"/>
-          </a:p>
-          <a:p>
-            <a:endParaRPr lang="en-US"/>
-          </a:p>
-          <a:p>
-            <a:endParaRPr lang="en-US" smtClean="0"/>
-          </a:p>
-          <a:p>
-            <a:endParaRPr lang="en-US"/>
-          </a:p>
-          <a:p>
-            <a:endParaRPr lang="en-US" smtClean="0"/>
-          </a:p>
-          <a:p>
-            <a:endParaRPr lang="en-US"/>
-          </a:p>
-          <a:p>
-            <a:endParaRPr lang="en-US" smtClean="0"/>
-          </a:p>
-          <a:p>
-            <a:endParaRPr lang="en-US"/>
-          </a:p>
-          <a:p>
-            <a:endParaRPr lang="en-US" smtClean="0"/>
-          </a:p>
-          <a:p>
-            <a:endParaRPr lang="en-US"/>
-          </a:p>
-          <a:p>
-            <a:endParaRPr lang="en-US" smtClean="0"/>
-          </a:p>
-          <a:p>
-            <a:endParaRPr lang="en-US"/>
-          </a:p>
-          <a:p>
-            <a:endParaRPr lang="en-US" smtClean="0"/>
-          </a:p>
-          <a:p>
-            <a:endParaRPr lang="en-US"/>
-          </a:p>
-          <a:p>
-            <a:endParaRPr lang="en-US" smtClean="0"/>
-          </a:p>
-          <a:p>
-            <a:endParaRPr lang="en-US"/>
-          </a:p>
-          <a:p>
-            <a:endParaRPr lang="en-US" smtClean="0"/>
-          </a:p>
-          <a:p>
-            <a:endParaRPr lang="en-US"/>
-          </a:p>
-          <a:p>
-            <a:endParaRPr lang="en-US" smtClean="0"/>
-          </a:p>
-          <a:p>
-            <a:endParaRPr lang="en-US"/>
-          </a:p>
-          <a:p>
-            <a:endParaRPr lang="en-US" smtClean="0"/>
-          </a:p>
-          <a:p>
-            <a:endParaRPr lang="en-US"/>
-          </a:p>
-          <a:p>
-            <a:endParaRPr lang="en-US" smtClean="0"/>
-          </a:p>
-          <a:p>
-            <a:endParaRPr lang="en-US"/>
-          </a:p>
-          <a:p>
-            <a:endParaRPr lang="en-US" smtClean="0"/>
-          </a:p>
-          <a:p>
-            <a:endParaRPr lang="en-US"/>
-          </a:p>
-          <a:p>
-            <a:endParaRPr lang="en-US" smtClean="0"/>
-          </a:p>
-          <a:p>
-            <a:endParaRPr lang="en-US"/>
-          </a:p>
-          <a:p>
-            <a:endParaRPr lang="en-US" smtClean="0"/>
-          </a:p>
-          <a:p>
-            <a:endParaRPr lang="en-US"/>
-          </a:p>
-          <a:p>
-            <a:endParaRPr lang="en-US" smtClean="0"/>
-          </a:p>
-          <a:p>
-            <a:endParaRPr lang="en-US"/>
-          </a:p>
-          <a:p>
-            <a:endParaRPr lang="en-US" smtClean="0"/>
-          </a:p>
-          <a:p>
-            <a:endParaRPr lang="en-US"/>
-          </a:p>
-          <a:p>
-            <a:endParaRPr lang="en-US" smtClean="0"/>
-          </a:p>
-          <a:p>
-            <a:endParaRPr lang="en-US"/>
-          </a:p>
-          <a:p>
-            <a:endParaRPr lang="en-US" smtClean="0"/>
-          </a:p>
-          <a:p>
-            <a:endParaRPr lang="en-US"/>
-          </a:p>
-          <a:p>
-            <a:endParaRPr lang="en-US" smtClean="0"/>
-          </a:p>
-          <a:p>
-            <a:endParaRPr lang="en-US"/>
-          </a:p>
-          <a:p>
-            <a:endParaRPr lang="en-US" smtClean="0"/>
+            <a:endParaRPr lang="en-US"/>
+          </a:p>
+          <a:p>
+            <a:endParaRPr lang="en-US"/>
+          </a:p>
+          <a:p>
+            <a:endParaRPr lang="en-US"/>
+          </a:p>
+          <a:p>
+            <a:endParaRPr lang="en-US"/>
+          </a:p>
+          <a:p>
+            <a:endParaRPr lang="en-US"/>
+          </a:p>
+          <a:p>
+            <a:endParaRPr lang="en-US"/>
+          </a:p>
+          <a:p>
+            <a:endParaRPr lang="en-US"/>
+          </a:p>
+          <a:p>
+            <a:endParaRPr lang="en-US"/>
+          </a:p>
+          <a:p>
+            <a:endParaRPr lang="en-US"/>
+          </a:p>
+          <a:p>
+            <a:endParaRPr lang="en-US"/>
+          </a:p>
+          <a:p>
+            <a:endParaRPr lang="en-US"/>
+          </a:p>
+          <a:p>
+            <a:endParaRPr lang="en-US"/>
+          </a:p>
+          <a:p>
+            <a:endParaRPr lang="en-US"/>
+          </a:p>
+          <a:p>
+            <a:endParaRPr lang="en-US"/>
+          </a:p>
+          <a:p>
+            <a:endParaRPr lang="en-US"/>
+          </a:p>
+          <a:p>
+            <a:endParaRPr lang="en-US"/>
+          </a:p>
+          <a:p>
+            <a:endParaRPr lang="en-US"/>
+          </a:p>
+          <a:p>
+            <a:endParaRPr lang="en-US"/>
+          </a:p>
+          <a:p>
+            <a:endParaRPr lang="en-US"/>
+          </a:p>
+          <a:p>
+            <a:endParaRPr lang="en-US"/>
+          </a:p>
+          <a:p>
+            <a:endParaRPr lang="en-US"/>
+          </a:p>
+          <a:p>
+            <a:endParaRPr lang="en-US"/>
+          </a:p>
+          <a:p>
+            <a:endParaRPr lang="en-US"/>
+          </a:p>
+          <a:p>
+            <a:endParaRPr lang="en-US"/>
+          </a:p>
+          <a:p>
+            <a:endParaRPr lang="en-US"/>
+          </a:p>
+          <a:p>
+            <a:endParaRPr lang="en-US"/>
+          </a:p>
+          <a:p>
+            <a:endParaRPr lang="en-US"/>
+          </a:p>
+          <a:p>
+            <a:endParaRPr lang="en-US"/>
+          </a:p>
+          <a:p>
+            <a:endParaRPr lang="en-US"/>
+          </a:p>
+          <a:p>
+            <a:endParaRPr lang="en-US"/>
+          </a:p>
+          <a:p>
+            <a:endParaRPr lang="en-US"/>
+          </a:p>
+          <a:p>
+            <a:endParaRPr lang="en-US"/>
+          </a:p>
+          <a:p>
+            <a:endParaRPr lang="en-US"/>
+          </a:p>
+          <a:p>
+            <a:endParaRPr lang="en-US"/>
+          </a:p>
+          <a:p>
+            <a:endParaRPr lang="en-US"/>
+          </a:p>
+          <a:p>
+            <a:endParaRPr lang="en-US"/>
+          </a:p>
+          <a:p>
+            <a:endParaRPr lang="en-US"/>
+          </a:p>
+          <a:p>
+            <a:endParaRPr lang="en-US"/>
+          </a:p>
+          <a:p>
+            <a:endParaRPr lang="en-US"/>
+          </a:p>
+          <a:p>
+            <a:endParaRPr lang="en-US"/>
+          </a:p>
+          <a:p>
+            <a:endParaRPr lang="en-US"/>
+          </a:p>
+          <a:p>
+            <a:endParaRPr lang="en-US"/>
+          </a:p>
+          <a:p>
+            <a:endParaRPr lang="en-US"/>
+          </a:p>
+          <a:p>
+            <a:endParaRPr lang="en-US"/>
+          </a:p>
+          <a:p>
+            <a:endParaRPr lang="en-US"/>
+          </a:p>
+          <a:p>
+            <a:endParaRPr lang="en-US"/>
+          </a:p>
+          <a:p>
+            <a:endParaRPr lang="en-US"/>
+          </a:p>
+          <a:p>
+            <a:endParaRPr lang="en-US"/>
+          </a:p>
+          <a:p>
+            <a:endParaRPr lang="en-US"/>
+          </a:p>
+          <a:p>
+            <a:endParaRPr lang="en-US"/>
+          </a:p>
+          <a:p>
+            <a:endParaRPr lang="en-US"/>
+          </a:p>
+          <a:p>
+            <a:endParaRPr lang="en-US"/>
+          </a:p>
+          <a:p>
+            <a:endParaRPr lang="en-US"/>
+          </a:p>
+          <a:p>
+            <a:endParaRPr lang="en-US"/>
+          </a:p>
+          <a:p>
+            <a:endParaRPr lang="en-US"/>
+          </a:p>
+          <a:p>
+            <a:endParaRPr lang="en-US"/>
+          </a:p>
+          <a:p>
+            <a:endParaRPr lang="en-US"/>
           </a:p>
           <a:p>
             <a:endParaRPr lang="en-US"/>
@@ -7914,10 +7580,9 @@
           <a:lstStyle/>
           <a:p>
             <a:r>
-              <a:rPr lang="en-US" smtClean="0"/>
-              <a:t>Exercise 1: Basic</a:t>
-            </a:r>
-            <a:endParaRPr lang="en-US"/>
+              <a:rPr lang="en-US" dirty="0"/>
+              <a:t>Practice 1: Overview</a:t>
+            </a:r>
           </a:p>
         </p:txBody>
       </p:sp>
@@ -7937,7 +7602,7 @@
           <a:lstStyle/>
           <a:p>
             <a:r>
-              <a:rPr lang="mr-IN" smtClean="0"/>
+              <a:rPr lang="mr-IN"/>
               <a:t>15/09/2018</a:t>
             </a:r>
             <a:endParaRPr lang="en-US"/>
